--- a/Presentation.pptx
+++ b/Presentation.pptx
@@ -5,27 +5,29 @@
     <p:sldMasterId id="2147483648" r:id="rId2"/>
     <p:sldMasterId id="2147483650" r:id="rId3"/>
     <p:sldMasterId id="2147483652" r:id="rId4"/>
+    <p:sldMasterId id="2147483654" r:id="rId5"/>
+    <p:sldMasterId id="2147483656" r:id="rId6"/>
   </p:sldMasterIdLst>
   <p:sldIdLst>
-    <p:sldId id="256" r:id="rId5"/>
-    <p:sldId id="257" r:id="rId6"/>
-    <p:sldId id="258" r:id="rId7"/>
-    <p:sldId id="259" r:id="rId8"/>
-    <p:sldId id="260" r:id="rId9"/>
-    <p:sldId id="261" r:id="rId10"/>
-    <p:sldId id="262" r:id="rId11"/>
-    <p:sldId id="263" r:id="rId12"/>
-    <p:sldId id="264" r:id="rId13"/>
-    <p:sldId id="265" r:id="rId14"/>
-    <p:sldId id="266" r:id="rId15"/>
-    <p:sldId id="267" r:id="rId16"/>
-    <p:sldId id="268" r:id="rId17"/>
-    <p:sldId id="269" r:id="rId18"/>
-    <p:sldId id="270" r:id="rId19"/>
-    <p:sldId id="271" r:id="rId20"/>
+    <p:sldId id="256" r:id="rId7"/>
+    <p:sldId id="257" r:id="rId8"/>
+    <p:sldId id="258" r:id="rId9"/>
+    <p:sldId id="259" r:id="rId10"/>
+    <p:sldId id="260" r:id="rId11"/>
+    <p:sldId id="261" r:id="rId12"/>
+    <p:sldId id="262" r:id="rId13"/>
+    <p:sldId id="263" r:id="rId14"/>
+    <p:sldId id="264" r:id="rId15"/>
+    <p:sldId id="265" r:id="rId16"/>
+    <p:sldId id="266" r:id="rId17"/>
+    <p:sldId id="267" r:id="rId18"/>
+    <p:sldId id="268" r:id="rId19"/>
+    <p:sldId id="269" r:id="rId20"/>
+    <p:sldId id="270" r:id="rId21"/>
+    <p:sldId id="271" r:id="rId22"/>
   </p:sldIdLst>
   <p:sldSz cx="10080625" cy="5670550"/>
-  <p:notesSz cx="7559675" cy="10691813"/>
+  <p:notesSz cx="7772400" cy="10058400"/>
 </p:presentation>
 </file>
 
@@ -59,7 +61,7 @@
         <p:spPr>
           <a:xfrm>
             <a:off x="540000" y="270000"/>
-            <a:ext cx="9000000" cy="990000"/>
+            <a:ext cx="8999640" cy="989640"/>
           </a:xfrm>
           <a:prstGeom prst="rect">
             <a:avLst/>
@@ -77,9 +79,9 @@
             <a:pPr indent="0" algn="ctr">
               <a:buNone/>
             </a:pPr>
-            <a:endParaRPr b="0" lang="en-US" sz="3300" strike="noStrike" u="none">
-              <a:solidFill>
-                <a:srgbClr val="ffffff"/>
+            <a:endParaRPr b="0" lang="en-US" sz="4400" strike="noStrike" u="none">
+              <a:solidFill>
+                <a:srgbClr val="000000"/>
               </a:solidFill>
               <a:uFillTx/>
               <a:latin typeface="Arial"/>
@@ -99,8 +101,8 @@
         </p:nvSpPr>
         <p:spPr>
           <a:xfrm>
-            <a:off x="540000" y="1440000"/>
-            <a:ext cx="9000000" cy="3600000"/>
+            <a:off x="504000" y="1326600"/>
+            <a:ext cx="9072000" cy="3288600"/>
           </a:xfrm>
           <a:prstGeom prst="rect">
             <a:avLst/>
@@ -135,7 +137,7 @@
             <a:spLocks noGrp="1"/>
           </p:cNvSpPr>
           <p:nvPr>
-            <p:ph type="ftr" idx="2"/>
+            <p:ph type="ftr" idx="1"/>
           </p:nvPr>
         </p:nvSpPr>
         <p:spPr/>
@@ -155,14 +157,14 @@
             <a:spLocks noGrp="1"/>
           </p:cNvSpPr>
           <p:nvPr>
-            <p:ph type="sldNum" idx="3"/>
+            <p:ph type="sldNum" idx="2"/>
           </p:nvPr>
         </p:nvSpPr>
         <p:spPr/>
         <p:txBody>
           <a:bodyPr/>
           <a:p>
-            <a:fld id="{43E75924-2C98-440F-94DB-56E67725479E}" type="slidenum">
+            <a:fld id="{9028058A-2E53-4E43-B2ED-DB52C7DDB9D5}" type="slidenum">
               <a:t>&lt;#&gt;</a:t>
             </a:fld>
           </a:p>
@@ -175,7 +177,7 @@
             <a:spLocks noGrp="1"/>
           </p:cNvSpPr>
           <p:nvPr>
-            <p:ph type="dt" idx="1"/>
+            <p:ph type="dt" idx="3"/>
           </p:nvPr>
         </p:nvSpPr>
         <p:spPr/>
@@ -213,7 +215,7 @@
       </p:grpSpPr>
       <p:sp>
         <p:nvSpPr>
-          <p:cNvPr id="39" name="PlaceHolder 1"/>
+          <p:cNvPr id="38" name="PlaceHolder 1"/>
           <p:cNvSpPr>
             <a:spLocks noGrp="1"/>
           </p:cNvSpPr>
@@ -224,7 +226,7 @@
         <p:spPr>
           <a:xfrm>
             <a:off x="540000" y="270000"/>
-            <a:ext cx="9000000" cy="990000"/>
+            <a:ext cx="8999640" cy="989640"/>
           </a:xfrm>
           <a:prstGeom prst="rect">
             <a:avLst/>
@@ -242,19 +244,19 @@
             <a:pPr indent="0" algn="ctr">
               <a:buNone/>
             </a:pPr>
-            <a:endParaRPr b="0" lang="en-US" sz="3300" strike="noStrike" u="none">
-              <a:solidFill>
-                <a:srgbClr val="ffffff"/>
-              </a:solidFill>
-              <a:uFillTx/>
-              <a:latin typeface="Arial"/>
-            </a:endParaRPr>
-          </a:p>
-        </p:txBody>
-      </p:sp>
-      <p:sp>
-        <p:nvSpPr>
-          <p:cNvPr id="40" name="PlaceHolder 2"/>
+            <a:endParaRPr b="0" lang="en-US" sz="4400" strike="noStrike" u="none">
+              <a:solidFill>
+                <a:srgbClr val="000000"/>
+              </a:solidFill>
+              <a:uFillTx/>
+              <a:latin typeface="Arial"/>
+            </a:endParaRPr>
+          </a:p>
+        </p:txBody>
+      </p:sp>
+      <p:sp>
+        <p:nvSpPr>
+          <p:cNvPr id="39" name="PlaceHolder 2"/>
           <p:cNvSpPr>
             <a:spLocks noGrp="1"/>
           </p:cNvSpPr>
@@ -264,8 +266,8 @@
         </p:nvSpPr>
         <p:spPr>
           <a:xfrm>
-            <a:off x="540000" y="1440000"/>
-            <a:ext cx="9000000" cy="3600000"/>
+            <a:off x="504000" y="1326600"/>
+            <a:ext cx="9072000" cy="3288600"/>
           </a:xfrm>
           <a:prstGeom prst="rect">
             <a:avLst/>
@@ -300,7 +302,7 @@
             <a:spLocks noGrp="1"/>
           </p:cNvSpPr>
           <p:nvPr>
-            <p:ph type="ftr" idx="5"/>
+            <p:ph type="ftr" idx="4"/>
           </p:nvPr>
         </p:nvSpPr>
         <p:spPr/>
@@ -320,14 +322,14 @@
             <a:spLocks noGrp="1"/>
           </p:cNvSpPr>
           <p:nvPr>
-            <p:ph type="sldNum" idx="6"/>
+            <p:ph type="sldNum" idx="5"/>
           </p:nvPr>
         </p:nvSpPr>
         <p:spPr/>
         <p:txBody>
           <a:bodyPr/>
           <a:p>
-            <a:fld id="{7A9931E9-9CAE-443A-B841-BAEE7396BDB5}" type="slidenum">
+            <a:fld id="{35C626D8-4577-46AB-91E9-696A4EED2480}" type="slidenum">
               <a:t>&lt;#&gt;</a:t>
             </a:fld>
           </a:p>
@@ -340,7 +342,7 @@
             <a:spLocks noGrp="1"/>
           </p:cNvSpPr>
           <p:nvPr>
-            <p:ph type="dt" idx="4"/>
+            <p:ph type="dt" idx="6"/>
           </p:nvPr>
         </p:nvSpPr>
         <p:spPr/>
@@ -378,7 +380,7 @@
       </p:grpSpPr>
       <p:sp>
         <p:nvSpPr>
-          <p:cNvPr id="55" name="PlaceHolder 1"/>
+          <p:cNvPr id="53" name="PlaceHolder 1"/>
           <p:cNvSpPr>
             <a:spLocks noGrp="1"/>
           </p:cNvSpPr>
@@ -389,7 +391,7 @@
         <p:spPr>
           <a:xfrm>
             <a:off x="540000" y="270000"/>
-            <a:ext cx="9000000" cy="990000"/>
+            <a:ext cx="8999640" cy="989640"/>
           </a:xfrm>
           <a:prstGeom prst="rect">
             <a:avLst/>
@@ -407,19 +409,19 @@
             <a:pPr indent="0" algn="ctr">
               <a:buNone/>
             </a:pPr>
-            <a:endParaRPr b="0" lang="en-US" sz="3300" strike="noStrike" u="none">
-              <a:solidFill>
-                <a:srgbClr val="ffffff"/>
-              </a:solidFill>
-              <a:uFillTx/>
-              <a:latin typeface="Arial"/>
-            </a:endParaRPr>
-          </a:p>
-        </p:txBody>
-      </p:sp>
-      <p:sp>
-        <p:nvSpPr>
-          <p:cNvPr id="56" name="PlaceHolder 2"/>
+            <a:endParaRPr b="0" lang="en-US" sz="4400" strike="noStrike" u="none">
+              <a:solidFill>
+                <a:srgbClr val="000000"/>
+              </a:solidFill>
+              <a:uFillTx/>
+              <a:latin typeface="Arial"/>
+            </a:endParaRPr>
+          </a:p>
+        </p:txBody>
+      </p:sp>
+      <p:sp>
+        <p:nvSpPr>
+          <p:cNvPr id="54" name="PlaceHolder 2"/>
           <p:cNvSpPr>
             <a:spLocks noGrp="1"/>
           </p:cNvSpPr>
@@ -429,8 +431,8 @@
         </p:nvSpPr>
         <p:spPr>
           <a:xfrm>
-            <a:off x="540000" y="1440000"/>
-            <a:ext cx="9000000" cy="3600000"/>
+            <a:off x="504000" y="1326600"/>
+            <a:ext cx="9072000" cy="3288600"/>
           </a:xfrm>
           <a:prstGeom prst="rect">
             <a:avLst/>
@@ -465,7 +467,7 @@
             <a:spLocks noGrp="1"/>
           </p:cNvSpPr>
           <p:nvPr>
-            <p:ph type="ftr" idx="8"/>
+            <p:ph type="ftr" idx="7"/>
           </p:nvPr>
         </p:nvSpPr>
         <p:spPr/>
@@ -485,14 +487,14 @@
             <a:spLocks noGrp="1"/>
           </p:cNvSpPr>
           <p:nvPr>
-            <p:ph type="sldNum" idx="9"/>
+            <p:ph type="sldNum" idx="8"/>
           </p:nvPr>
         </p:nvSpPr>
         <p:spPr/>
         <p:txBody>
           <a:bodyPr/>
           <a:p>
-            <a:fld id="{46CCE96A-5E93-423D-8806-700D8F4354E9}" type="slidenum">
+            <a:fld id="{0E8EE886-52F3-40AF-A50D-4D00BB2FB752}" type="slidenum">
               <a:t>&lt;#&gt;</a:t>
             </a:fld>
           </a:p>
@@ -505,7 +507,7 @@
             <a:spLocks noGrp="1"/>
           </p:cNvSpPr>
           <p:nvPr>
-            <p:ph type="dt" idx="7"/>
+            <p:ph type="dt" idx="9"/>
           </p:nvPr>
         </p:nvSpPr>
         <p:spPr/>
@@ -526,7 +528,7 @@
 
 <file path=ppt/slideLayouts/slideLayout4.xml><?xml version="1.0" encoding="utf-8"?>
 <p:sldLayout xmlns:a="http://schemas.openxmlformats.org/drawingml/2006/main" xmlns:p="http://schemas.openxmlformats.org/presentationml/2006/main" xmlns:r="http://schemas.openxmlformats.org/officeDocument/2006/relationships" xmlns:p14="http://schemas.microsoft.com/office/powerpoint/2010/main" xmlns:p15="http://schemas.microsoft.com/office/powerpoint/2012/main" xmlns:mc="http://schemas.openxmlformats.org/markup-compatibility/2006" type="tx" preserve="1">
-  <p:cSld name="Lights2">
+  <p:cSld name="Default">
     <p:spTree>
       <p:nvGrpSpPr>
         <p:cNvPr id="1" name=""/>
@@ -543,7 +545,7 @@
       </p:grpSpPr>
       <p:sp>
         <p:nvSpPr>
-          <p:cNvPr id="57" name="PlaceHolder 1"/>
+          <p:cNvPr id="69" name="PlaceHolder 1"/>
           <p:cNvSpPr>
             <a:spLocks noGrp="1"/>
           </p:cNvSpPr>
@@ -554,7 +556,7 @@
         <p:spPr>
           <a:xfrm>
             <a:off x="540000" y="270000"/>
-            <a:ext cx="9000000" cy="990000"/>
+            <a:ext cx="8999640" cy="989640"/>
           </a:xfrm>
           <a:prstGeom prst="rect">
             <a:avLst/>
@@ -572,19 +574,19 @@
             <a:pPr indent="0" algn="ctr">
               <a:buNone/>
             </a:pPr>
-            <a:endParaRPr b="0" lang="en-US" sz="3300" strike="noStrike" u="none">
-              <a:solidFill>
-                <a:srgbClr val="ffffff"/>
-              </a:solidFill>
-              <a:uFillTx/>
-              <a:latin typeface="Arial"/>
-            </a:endParaRPr>
-          </a:p>
-        </p:txBody>
-      </p:sp>
-      <p:sp>
-        <p:nvSpPr>
-          <p:cNvPr id="58" name="PlaceHolder 2"/>
+            <a:endParaRPr b="0" lang="en-US" sz="4400" strike="noStrike" u="none">
+              <a:solidFill>
+                <a:srgbClr val="000000"/>
+              </a:solidFill>
+              <a:uFillTx/>
+              <a:latin typeface="Arial"/>
+            </a:endParaRPr>
+          </a:p>
+        </p:txBody>
+      </p:sp>
+      <p:sp>
+        <p:nvSpPr>
+          <p:cNvPr id="70" name="PlaceHolder 2"/>
           <p:cNvSpPr>
             <a:spLocks noGrp="1"/>
           </p:cNvSpPr>
@@ -594,8 +596,8 @@
         </p:nvSpPr>
         <p:spPr>
           <a:xfrm>
-            <a:off x="540000" y="1440000"/>
-            <a:ext cx="9000000" cy="3600000"/>
+            <a:off x="504000" y="1326600"/>
+            <a:ext cx="9072000" cy="3288600"/>
           </a:xfrm>
           <a:prstGeom prst="rect">
             <a:avLst/>
@@ -611,12 +613,12 @@
           </a:bodyPr>
           <a:p>
             <a:pPr indent="0">
-              <a:spcAft>
-                <a:spcPts val="1060"/>
-              </a:spcAft>
+              <a:spcBef>
+                <a:spcPts val="1417"/>
+              </a:spcBef>
               <a:buNone/>
             </a:pPr>
-            <a:endParaRPr b="0" lang="en-US" sz="2400" strike="noStrike" u="none">
+            <a:endParaRPr b="0" lang="en-US" sz="3200" strike="noStrike" u="none">
               <a:solidFill>
                 <a:srgbClr val="000000"/>
               </a:solidFill>
@@ -633,7 +635,7 @@
             <a:spLocks noGrp="1"/>
           </p:cNvSpPr>
           <p:nvPr>
-            <p:ph type="ftr" idx="8"/>
+            <p:ph type="ftr" idx="10"/>
           </p:nvPr>
         </p:nvSpPr>
         <p:spPr/>
@@ -653,14 +655,14 @@
             <a:spLocks noGrp="1"/>
           </p:cNvSpPr>
           <p:nvPr>
-            <p:ph type="sldNum" idx="9"/>
+            <p:ph type="sldNum" idx="11"/>
           </p:nvPr>
         </p:nvSpPr>
         <p:spPr/>
         <p:txBody>
           <a:bodyPr/>
           <a:p>
-            <a:fld id="{1D101341-74D5-4958-A3A7-6DFB288594E4}" type="slidenum">
+            <a:fld id="{48BA89EA-DD4E-4F32-B0BD-10C478B39D17}" type="slidenum">
               <a:t>&lt;#&gt;</a:t>
             </a:fld>
           </a:p>
@@ -673,7 +675,7 @@
             <a:spLocks noGrp="1"/>
           </p:cNvSpPr>
           <p:nvPr>
-            <p:ph type="dt" idx="7"/>
+            <p:ph type="dt" idx="12"/>
           </p:nvPr>
         </p:nvSpPr>
         <p:spPr/>
@@ -694,7 +696,7 @@
 
 <file path=ppt/slideLayouts/slideLayout5.xml><?xml version="1.0" encoding="utf-8"?>
 <p:sldLayout xmlns:a="http://schemas.openxmlformats.org/drawingml/2006/main" xmlns:p="http://schemas.openxmlformats.org/presentationml/2006/main" xmlns:r="http://schemas.openxmlformats.org/officeDocument/2006/relationships" xmlns:p14="http://schemas.microsoft.com/office/powerpoint/2010/main" xmlns:p15="http://schemas.microsoft.com/office/powerpoint/2012/main" xmlns:mc="http://schemas.openxmlformats.org/markup-compatibility/2006" type="titleOnly" preserve="1">
-  <p:cSld name="Lights2">
+  <p:cSld name="Default 1">
     <p:spTree>
       <p:nvGrpSpPr>
         <p:cNvPr id="1" name=""/>
@@ -711,7 +713,7 @@
       </p:grpSpPr>
       <p:sp>
         <p:nvSpPr>
-          <p:cNvPr id="59" name="PlaceHolder 1"/>
+          <p:cNvPr id="85" name="PlaceHolder 1"/>
           <p:cNvSpPr>
             <a:spLocks noGrp="1"/>
           </p:cNvSpPr>
@@ -722,7 +724,7 @@
         <p:spPr>
           <a:xfrm>
             <a:off x="540000" y="270000"/>
-            <a:ext cx="9000000" cy="990000"/>
+            <a:ext cx="8999640" cy="989640"/>
           </a:xfrm>
           <a:prstGeom prst="rect">
             <a:avLst/>
@@ -740,9 +742,9 @@
             <a:pPr indent="0" algn="ctr">
               <a:buNone/>
             </a:pPr>
-            <a:endParaRPr b="0" lang="en-US" sz="3300" strike="noStrike" u="none">
-              <a:solidFill>
-                <a:srgbClr val="ffffff"/>
+            <a:endParaRPr b="0" lang="en-US" sz="4400" strike="noStrike" u="none">
+              <a:solidFill>
+                <a:srgbClr val="000000"/>
               </a:solidFill>
               <a:uFillTx/>
               <a:latin typeface="Arial"/>
@@ -757,7 +759,7 @@
             <a:spLocks noGrp="1"/>
           </p:cNvSpPr>
           <p:nvPr>
-            <p:ph type="ftr" idx="8"/>
+            <p:ph type="ftr" idx="13"/>
           </p:nvPr>
         </p:nvSpPr>
         <p:spPr/>
@@ -777,14 +779,14 @@
             <a:spLocks noGrp="1"/>
           </p:cNvSpPr>
           <p:nvPr>
-            <p:ph type="sldNum" idx="9"/>
+            <p:ph type="sldNum" idx="14"/>
           </p:nvPr>
         </p:nvSpPr>
         <p:spPr/>
         <p:txBody>
           <a:bodyPr/>
           <a:p>
-            <a:fld id="{B4FF1076-6202-4378-BD98-869EF51281AB}" type="slidenum">
+            <a:fld id="{26340754-9249-4D6A-A5FC-9BAC736679B4}" type="slidenum">
               <a:t>&lt;#&gt;</a:t>
             </a:fld>
           </a:p>
@@ -797,7 +799,340 @@
             <a:spLocks noGrp="1"/>
           </p:cNvSpPr>
           <p:nvPr>
-            <p:ph type="dt" idx="7"/>
+            <p:ph type="dt" idx="15"/>
+          </p:nvPr>
+        </p:nvSpPr>
+        <p:spPr/>
+        <p:txBody>
+          <a:bodyPr/>
+          <a:p>
+            <a:r>
+              <a:rPr lang="en-US"/>
+              <a:t/>
+            </a:r>
+          </a:p>
+        </p:txBody>
+      </p:sp>
+    </p:spTree>
+  </p:cSld>
+</p:sldLayout>
+</file>
+
+<file path=ppt/slideLayouts/slideLayout6.xml><?xml version="1.0" encoding="utf-8"?>
+<p:sldLayout xmlns:a="http://schemas.openxmlformats.org/drawingml/2006/main" xmlns:p="http://schemas.openxmlformats.org/presentationml/2006/main" xmlns:r="http://schemas.openxmlformats.org/officeDocument/2006/relationships" xmlns:p14="http://schemas.microsoft.com/office/powerpoint/2010/main" xmlns:p15="http://schemas.microsoft.com/office/powerpoint/2012/main" xmlns:mc="http://schemas.openxmlformats.org/markup-compatibility/2006" type="title" preserve="1">
+  <p:cSld name="Default 1">
+    <p:spTree>
+      <p:nvGrpSpPr>
+        <p:cNvPr id="1" name=""/>
+        <p:cNvGrpSpPr/>
+        <p:nvPr/>
+      </p:nvGrpSpPr>
+      <p:grpSpPr>
+        <a:xfrm>
+          <a:off x="0" y="0"/>
+          <a:ext cx="0" cy="0"/>
+          <a:chOff x="0" y="0"/>
+          <a:chExt cx="0" cy="0"/>
+        </a:xfrm>
+      </p:grpSpPr>
+      <p:sp>
+        <p:nvSpPr>
+          <p:cNvPr id="86" name="PlaceHolder 1"/>
+          <p:cNvSpPr>
+            <a:spLocks noGrp="1"/>
+          </p:cNvSpPr>
+          <p:nvPr>
+            <p:ph type="title"/>
+          </p:nvPr>
+        </p:nvSpPr>
+        <p:spPr>
+          <a:xfrm>
+            <a:off x="540000" y="270000"/>
+            <a:ext cx="8999640" cy="989640"/>
+          </a:xfrm>
+          <a:prstGeom prst="rect">
+            <a:avLst/>
+          </a:prstGeom>
+          <a:noFill/>
+          <a:ln w="0">
+            <a:noFill/>
+          </a:ln>
+        </p:spPr>
+        <p:txBody>
+          <a:bodyPr lIns="0" rIns="0" tIns="0" bIns="0" anchor="ctr">
+            <a:noAutofit/>
+          </a:bodyPr>
+          <a:p>
+            <a:pPr indent="0" algn="ctr">
+              <a:buNone/>
+            </a:pPr>
+            <a:endParaRPr b="0" lang="en-US" sz="4400" strike="noStrike" u="none">
+              <a:solidFill>
+                <a:srgbClr val="000000"/>
+              </a:solidFill>
+              <a:uFillTx/>
+              <a:latin typeface="Arial"/>
+            </a:endParaRPr>
+          </a:p>
+        </p:txBody>
+      </p:sp>
+      <p:sp>
+        <p:nvSpPr>
+          <p:cNvPr id="87" name="PlaceHolder 2"/>
+          <p:cNvSpPr>
+            <a:spLocks noGrp="1"/>
+          </p:cNvSpPr>
+          <p:nvPr>
+            <p:ph type="subTitle"/>
+          </p:nvPr>
+        </p:nvSpPr>
+        <p:spPr>
+          <a:xfrm>
+            <a:off x="504000" y="1326600"/>
+            <a:ext cx="9072000" cy="3288600"/>
+          </a:xfrm>
+          <a:prstGeom prst="rect">
+            <a:avLst/>
+          </a:prstGeom>
+          <a:noFill/>
+          <a:ln w="0">
+            <a:noFill/>
+          </a:ln>
+        </p:spPr>
+        <p:txBody>
+          <a:bodyPr lIns="0" rIns="0" tIns="0" bIns="0" anchor="ctr">
+            <a:noAutofit/>
+          </a:bodyPr>
+          <a:p>
+            <a:pPr indent="0" algn="ctr">
+              <a:buNone/>
+            </a:pPr>
+            <a:endParaRPr b="0" lang="en-US" sz="3200" strike="noStrike" u="none">
+              <a:solidFill>
+                <a:srgbClr val="000000"/>
+              </a:solidFill>
+              <a:uFillTx/>
+              <a:latin typeface="Arial"/>
+            </a:endParaRPr>
+          </a:p>
+        </p:txBody>
+      </p:sp>
+      <p:sp>
+        <p:nvSpPr>
+          <p:cNvPr id="4" name="PlaceHolder 3"/>
+          <p:cNvSpPr>
+            <a:spLocks noGrp="1"/>
+          </p:cNvSpPr>
+          <p:nvPr>
+            <p:ph type="ftr" idx="13"/>
+          </p:nvPr>
+        </p:nvSpPr>
+        <p:spPr/>
+        <p:txBody>
+          <a:bodyPr/>
+          <a:p>
+            <a:r>
+              <a:t>Footer</a:t>
+            </a:r>
+          </a:p>
+        </p:txBody>
+      </p:sp>
+      <p:sp>
+        <p:nvSpPr>
+          <p:cNvPr id="5" name="PlaceHolder 4"/>
+          <p:cNvSpPr>
+            <a:spLocks noGrp="1"/>
+          </p:cNvSpPr>
+          <p:nvPr>
+            <p:ph type="sldNum" idx="14"/>
+          </p:nvPr>
+        </p:nvSpPr>
+        <p:spPr/>
+        <p:txBody>
+          <a:bodyPr/>
+          <a:p>
+            <a:fld id="{A0EB953F-B5F3-4BD1-85D7-5BA012AAF276}" type="slidenum">
+              <a:t>&lt;#&gt;</a:t>
+            </a:fld>
+          </a:p>
+        </p:txBody>
+      </p:sp>
+      <p:sp>
+        <p:nvSpPr>
+          <p:cNvPr id="6" name="PlaceHolder 5"/>
+          <p:cNvSpPr>
+            <a:spLocks noGrp="1"/>
+          </p:cNvSpPr>
+          <p:nvPr>
+            <p:ph type="dt" idx="15"/>
+          </p:nvPr>
+        </p:nvSpPr>
+        <p:spPr/>
+        <p:txBody>
+          <a:bodyPr/>
+          <a:p>
+            <a:r>
+              <a:rPr lang="en-US"/>
+              <a:t/>
+            </a:r>
+          </a:p>
+        </p:txBody>
+      </p:sp>
+    </p:spTree>
+  </p:cSld>
+</p:sldLayout>
+</file>
+
+<file path=ppt/slideLayouts/slideLayout7.xml><?xml version="1.0" encoding="utf-8"?>
+<p:sldLayout xmlns:a="http://schemas.openxmlformats.org/drawingml/2006/main" xmlns:p="http://schemas.openxmlformats.org/presentationml/2006/main" xmlns:r="http://schemas.openxmlformats.org/officeDocument/2006/relationships" xmlns:p14="http://schemas.microsoft.com/office/powerpoint/2010/main" xmlns:p15="http://schemas.microsoft.com/office/powerpoint/2012/main" xmlns:mc="http://schemas.openxmlformats.org/markup-compatibility/2006" type="tx" preserve="1">
+  <p:cSld name="Default 1">
+    <p:spTree>
+      <p:nvGrpSpPr>
+        <p:cNvPr id="1" name=""/>
+        <p:cNvGrpSpPr/>
+        <p:nvPr/>
+      </p:nvGrpSpPr>
+      <p:grpSpPr>
+        <a:xfrm>
+          <a:off x="0" y="0"/>
+          <a:ext cx="0" cy="0"/>
+          <a:chOff x="0" y="0"/>
+          <a:chExt cx="0" cy="0"/>
+        </a:xfrm>
+      </p:grpSpPr>
+      <p:sp>
+        <p:nvSpPr>
+          <p:cNvPr id="88" name="PlaceHolder 1"/>
+          <p:cNvSpPr>
+            <a:spLocks noGrp="1"/>
+          </p:cNvSpPr>
+          <p:nvPr>
+            <p:ph type="title"/>
+          </p:nvPr>
+        </p:nvSpPr>
+        <p:spPr>
+          <a:xfrm>
+            <a:off x="540000" y="270000"/>
+            <a:ext cx="8999640" cy="989640"/>
+          </a:xfrm>
+          <a:prstGeom prst="rect">
+            <a:avLst/>
+          </a:prstGeom>
+          <a:noFill/>
+          <a:ln w="0">
+            <a:noFill/>
+          </a:ln>
+        </p:spPr>
+        <p:txBody>
+          <a:bodyPr lIns="0" rIns="0" tIns="0" bIns="0" anchor="ctr">
+            <a:noAutofit/>
+          </a:bodyPr>
+          <a:p>
+            <a:pPr indent="0" algn="ctr">
+              <a:buNone/>
+            </a:pPr>
+            <a:endParaRPr b="0" lang="en-US" sz="4400" strike="noStrike" u="none">
+              <a:solidFill>
+                <a:srgbClr val="000000"/>
+              </a:solidFill>
+              <a:uFillTx/>
+              <a:latin typeface="Arial"/>
+            </a:endParaRPr>
+          </a:p>
+        </p:txBody>
+      </p:sp>
+      <p:sp>
+        <p:nvSpPr>
+          <p:cNvPr id="89" name="PlaceHolder 2"/>
+          <p:cNvSpPr>
+            <a:spLocks noGrp="1"/>
+          </p:cNvSpPr>
+          <p:nvPr>
+            <p:ph/>
+          </p:nvPr>
+        </p:nvSpPr>
+        <p:spPr>
+          <a:xfrm>
+            <a:off x="504000" y="1326600"/>
+            <a:ext cx="9072000" cy="3288600"/>
+          </a:xfrm>
+          <a:prstGeom prst="rect">
+            <a:avLst/>
+          </a:prstGeom>
+          <a:noFill/>
+          <a:ln w="0">
+            <a:noFill/>
+          </a:ln>
+        </p:spPr>
+        <p:txBody>
+          <a:bodyPr lIns="0" rIns="0" tIns="0" bIns="0" anchor="t">
+            <a:normAutofit/>
+          </a:bodyPr>
+          <a:p>
+            <a:pPr indent="0">
+              <a:spcBef>
+                <a:spcPts val="1417"/>
+              </a:spcBef>
+              <a:buNone/>
+            </a:pPr>
+            <a:endParaRPr b="0" lang="en-US" sz="3200" strike="noStrike" u="none">
+              <a:solidFill>
+                <a:srgbClr val="000000"/>
+              </a:solidFill>
+              <a:uFillTx/>
+              <a:latin typeface="Arial"/>
+            </a:endParaRPr>
+          </a:p>
+        </p:txBody>
+      </p:sp>
+      <p:sp>
+        <p:nvSpPr>
+          <p:cNvPr id="4" name="PlaceHolder 3"/>
+          <p:cNvSpPr>
+            <a:spLocks noGrp="1"/>
+          </p:cNvSpPr>
+          <p:nvPr>
+            <p:ph type="ftr" idx="13"/>
+          </p:nvPr>
+        </p:nvSpPr>
+        <p:spPr/>
+        <p:txBody>
+          <a:bodyPr/>
+          <a:p>
+            <a:r>
+              <a:t>Footer</a:t>
+            </a:r>
+          </a:p>
+        </p:txBody>
+      </p:sp>
+      <p:sp>
+        <p:nvSpPr>
+          <p:cNvPr id="5" name="PlaceHolder 4"/>
+          <p:cNvSpPr>
+            <a:spLocks noGrp="1"/>
+          </p:cNvSpPr>
+          <p:nvPr>
+            <p:ph type="sldNum" idx="14"/>
+          </p:nvPr>
+        </p:nvSpPr>
+        <p:spPr/>
+        <p:txBody>
+          <a:bodyPr/>
+          <a:p>
+            <a:fld id="{9B60A439-2005-4713-90BF-38397CE6622B}" type="slidenum">
+              <a:t>&lt;#&gt;</a:t>
+            </a:fld>
+          </a:p>
+        </p:txBody>
+      </p:sp>
+      <p:sp>
+        <p:nvSpPr>
+          <p:cNvPr id="6" name="PlaceHolder 5"/>
+          <p:cNvSpPr>
+            <a:spLocks noGrp="1"/>
+          </p:cNvSpPr>
+          <p:nvPr>
+            <p:ph type="dt" idx="15"/>
           </p:nvPr>
         </p:nvSpPr>
         <p:spPr/>
@@ -842,7 +1177,7 @@
         <p:spPr>
           <a:xfrm>
             <a:off x="0" y="0"/>
-            <a:ext cx="10080000" cy="5670000"/>
+            <a:ext cx="10079640" cy="5669640"/>
           </a:xfrm>
           <a:prstGeom prst="rect">
             <a:avLst/>
@@ -873,19 +1208,575 @@
             <a:noAutofit/>
           </a:bodyPr>
           <a:p>
+            <a:pPr>
+              <a:lnSpc>
+                <a:spcPct val="100000"/>
+              </a:lnSpc>
+            </a:pPr>
             <a:endParaRPr b="0" lang="en-US" sz="2400" strike="noStrike" u="none">
               <a:solidFill>
                 <a:srgbClr val="ffffff"/>
               </a:solidFill>
               <a:uFillTx/>
               <a:latin typeface="Arial"/>
-            </a:endParaRPr>
-          </a:p>
-        </p:txBody>
-      </p:sp>
-      <p:sp>
-        <p:nvSpPr>
-          <p:cNvPr id="1" name="PlaceHolder 1"/>
+              <a:ea typeface="DejaVu Sans"/>
+            </a:endParaRPr>
+          </a:p>
+        </p:txBody>
+      </p:sp>
+      <p:sp>
+        <p:nvSpPr>
+          <p:cNvPr id="1" name=""/>
+          <p:cNvSpPr/>
+          <p:nvPr/>
+        </p:nvSpPr>
+        <p:spPr>
+          <a:xfrm>
+            <a:off x="1440000" y="1080000"/>
+            <a:ext cx="1439640" cy="1259640"/>
+          </a:xfrm>
+          <a:prstGeom prst="ellipse">
+            <a:avLst/>
+          </a:prstGeom>
+          <a:solidFill>
+            <a:srgbClr val="ffffff">
+              <a:alpha val="30000"/>
+            </a:srgbClr>
+          </a:solidFill>
+          <a:ln w="0">
+            <a:noFill/>
+          </a:ln>
+        </p:spPr>
+        <p:style>
+          <a:lnRef idx="0"/>
+          <a:fillRef idx="0"/>
+          <a:effectRef idx="0"/>
+          <a:fontRef idx="minor"/>
+        </p:style>
+        <p:txBody>
+          <a:bodyPr wrap="none" lIns="0" rIns="0" tIns="0" bIns="0" anchor="b">
+            <a:noAutofit/>
+          </a:bodyPr>
+          <a:p>
+            <a:pPr>
+              <a:lnSpc>
+                <a:spcPct val="100000"/>
+              </a:lnSpc>
+            </a:pPr>
+            <a:endParaRPr b="0" lang="en-US" sz="2400" strike="noStrike" u="none">
+              <a:solidFill>
+                <a:srgbClr val="ffffff"/>
+              </a:solidFill>
+              <a:uFillTx/>
+              <a:latin typeface="Arial"/>
+              <a:ea typeface="DejaVu Sans"/>
+            </a:endParaRPr>
+          </a:p>
+        </p:txBody>
+      </p:sp>
+      <p:sp>
+        <p:nvSpPr>
+          <p:cNvPr id="2" name=""/>
+          <p:cNvSpPr/>
+          <p:nvPr/>
+        </p:nvSpPr>
+        <p:spPr>
+          <a:xfrm>
+            <a:off x="7380000" y="3960000"/>
+            <a:ext cx="1439640" cy="1259640"/>
+          </a:xfrm>
+          <a:prstGeom prst="ellipse">
+            <a:avLst/>
+          </a:prstGeom>
+          <a:solidFill>
+            <a:srgbClr val="ffffff">
+              <a:alpha val="30000"/>
+            </a:srgbClr>
+          </a:solidFill>
+          <a:ln w="0">
+            <a:noFill/>
+          </a:ln>
+        </p:spPr>
+        <p:style>
+          <a:lnRef idx="0"/>
+          <a:fillRef idx="0"/>
+          <a:effectRef idx="0"/>
+          <a:fontRef idx="minor"/>
+        </p:style>
+        <p:txBody>
+          <a:bodyPr wrap="none" lIns="0" rIns="0" tIns="0" bIns="0" anchor="b">
+            <a:noAutofit/>
+          </a:bodyPr>
+          <a:p>
+            <a:pPr>
+              <a:lnSpc>
+                <a:spcPct val="100000"/>
+              </a:lnSpc>
+            </a:pPr>
+            <a:endParaRPr b="0" lang="en-US" sz="2400" strike="noStrike" u="none">
+              <a:solidFill>
+                <a:srgbClr val="ffffff"/>
+              </a:solidFill>
+              <a:uFillTx/>
+              <a:latin typeface="Arial"/>
+              <a:ea typeface="DejaVu Sans"/>
+            </a:endParaRPr>
+          </a:p>
+        </p:txBody>
+      </p:sp>
+      <p:sp>
+        <p:nvSpPr>
+          <p:cNvPr id="3" name=""/>
+          <p:cNvSpPr/>
+          <p:nvPr/>
+        </p:nvSpPr>
+        <p:spPr>
+          <a:xfrm>
+            <a:off x="9000000" y="2700000"/>
+            <a:ext cx="1259640" cy="1079640"/>
+          </a:xfrm>
+          <a:prstGeom prst="ellipse">
+            <a:avLst/>
+          </a:prstGeom>
+          <a:solidFill>
+            <a:srgbClr val="ffffff">
+              <a:alpha val="20000"/>
+            </a:srgbClr>
+          </a:solidFill>
+          <a:ln w="0">
+            <a:noFill/>
+          </a:ln>
+        </p:spPr>
+        <p:style>
+          <a:lnRef idx="0"/>
+          <a:fillRef idx="0"/>
+          <a:effectRef idx="0"/>
+          <a:fontRef idx="minor"/>
+        </p:style>
+        <p:txBody>
+          <a:bodyPr wrap="none" lIns="0" rIns="0" tIns="0" bIns="0" anchor="b">
+            <a:noAutofit/>
+          </a:bodyPr>
+          <a:p>
+            <a:pPr>
+              <a:lnSpc>
+                <a:spcPct val="100000"/>
+              </a:lnSpc>
+            </a:pPr>
+            <a:endParaRPr b="0" lang="en-US" sz="2400" strike="noStrike" u="none">
+              <a:solidFill>
+                <a:srgbClr val="ffffff"/>
+              </a:solidFill>
+              <a:uFillTx/>
+              <a:latin typeface="Arial"/>
+              <a:ea typeface="DejaVu Sans"/>
+            </a:endParaRPr>
+          </a:p>
+        </p:txBody>
+      </p:sp>
+      <p:sp>
+        <p:nvSpPr>
+          <p:cNvPr id="4" name=""/>
+          <p:cNvSpPr/>
+          <p:nvPr/>
+        </p:nvSpPr>
+        <p:spPr>
+          <a:xfrm>
+            <a:off x="-180000" y="2430000"/>
+            <a:ext cx="1439640" cy="1349640"/>
+          </a:xfrm>
+          <a:prstGeom prst="ellipse">
+            <a:avLst/>
+          </a:prstGeom>
+          <a:solidFill>
+            <a:srgbClr val="ffffff">
+              <a:alpha val="20000"/>
+            </a:srgbClr>
+          </a:solidFill>
+          <a:ln w="0">
+            <a:noFill/>
+          </a:ln>
+        </p:spPr>
+        <p:style>
+          <a:lnRef idx="0"/>
+          <a:fillRef idx="0"/>
+          <a:effectRef idx="0"/>
+          <a:fontRef idx="minor"/>
+        </p:style>
+        <p:txBody>
+          <a:bodyPr wrap="none" lIns="0" rIns="0" tIns="0" bIns="0" anchor="b">
+            <a:noAutofit/>
+          </a:bodyPr>
+          <a:p>
+            <a:pPr>
+              <a:lnSpc>
+                <a:spcPct val="100000"/>
+              </a:lnSpc>
+            </a:pPr>
+            <a:endParaRPr b="0" lang="en-US" sz="2400" strike="noStrike" u="none">
+              <a:solidFill>
+                <a:srgbClr val="ffffff"/>
+              </a:solidFill>
+              <a:uFillTx/>
+              <a:latin typeface="Arial"/>
+              <a:ea typeface="DejaVu Sans"/>
+            </a:endParaRPr>
+          </a:p>
+        </p:txBody>
+      </p:sp>
+      <p:sp>
+        <p:nvSpPr>
+          <p:cNvPr id="5" name=""/>
+          <p:cNvSpPr/>
+          <p:nvPr/>
+        </p:nvSpPr>
+        <p:spPr>
+          <a:xfrm>
+            <a:off x="540000" y="1080000"/>
+            <a:ext cx="719640" cy="719640"/>
+          </a:xfrm>
+          <a:prstGeom prst="ellipse">
+            <a:avLst/>
+          </a:prstGeom>
+          <a:solidFill>
+            <a:srgbClr val="ffffff">
+              <a:alpha val="20000"/>
+            </a:srgbClr>
+          </a:solidFill>
+          <a:ln w="0">
+            <a:noFill/>
+          </a:ln>
+        </p:spPr>
+        <p:style>
+          <a:lnRef idx="0"/>
+          <a:fillRef idx="0"/>
+          <a:effectRef idx="0"/>
+          <a:fontRef idx="minor"/>
+        </p:style>
+        <p:txBody>
+          <a:bodyPr wrap="none" lIns="0" rIns="0" tIns="0" bIns="0" anchor="b">
+            <a:noAutofit/>
+          </a:bodyPr>
+          <a:p>
+            <a:pPr>
+              <a:lnSpc>
+                <a:spcPct val="100000"/>
+              </a:lnSpc>
+            </a:pPr>
+            <a:endParaRPr b="0" lang="en-US" sz="2400" strike="noStrike" u="none">
+              <a:solidFill>
+                <a:srgbClr val="ffffff"/>
+              </a:solidFill>
+              <a:uFillTx/>
+              <a:latin typeface="Arial"/>
+              <a:ea typeface="DejaVu Sans"/>
+            </a:endParaRPr>
+          </a:p>
+        </p:txBody>
+      </p:sp>
+      <p:sp>
+        <p:nvSpPr>
+          <p:cNvPr id="6" name=""/>
+          <p:cNvSpPr/>
+          <p:nvPr/>
+        </p:nvSpPr>
+        <p:spPr>
+          <a:xfrm>
+            <a:off x="0" y="1260000"/>
+            <a:ext cx="719640" cy="719640"/>
+          </a:xfrm>
+          <a:prstGeom prst="ellipse">
+            <a:avLst/>
+          </a:prstGeom>
+          <a:solidFill>
+            <a:srgbClr val="ffffff">
+              <a:alpha val="10000"/>
+            </a:srgbClr>
+          </a:solidFill>
+          <a:ln w="0">
+            <a:noFill/>
+          </a:ln>
+        </p:spPr>
+        <p:style>
+          <a:lnRef idx="0"/>
+          <a:fillRef idx="0"/>
+          <a:effectRef idx="0"/>
+          <a:fontRef idx="minor"/>
+        </p:style>
+        <p:txBody>
+          <a:bodyPr wrap="none" lIns="0" rIns="0" tIns="0" bIns="0" anchor="b">
+            <a:noAutofit/>
+          </a:bodyPr>
+          <a:p>
+            <a:pPr>
+              <a:lnSpc>
+                <a:spcPct val="100000"/>
+              </a:lnSpc>
+            </a:pPr>
+            <a:endParaRPr b="0" lang="en-US" sz="2400" strike="noStrike" u="none">
+              <a:solidFill>
+                <a:srgbClr val="ffffff"/>
+              </a:solidFill>
+              <a:uFillTx/>
+              <a:latin typeface="Arial"/>
+              <a:ea typeface="DejaVu Sans"/>
+            </a:endParaRPr>
+          </a:p>
+        </p:txBody>
+      </p:sp>
+      <p:sp>
+        <p:nvSpPr>
+          <p:cNvPr id="7" name=""/>
+          <p:cNvSpPr/>
+          <p:nvPr/>
+        </p:nvSpPr>
+        <p:spPr>
+          <a:xfrm>
+            <a:off x="0" y="5220000"/>
+            <a:ext cx="1619640" cy="1259640"/>
+          </a:xfrm>
+          <a:prstGeom prst="ellipse">
+            <a:avLst/>
+          </a:prstGeom>
+          <a:solidFill>
+            <a:srgbClr val="ffffff">
+              <a:alpha val="15000"/>
+            </a:srgbClr>
+          </a:solidFill>
+          <a:ln w="0">
+            <a:noFill/>
+          </a:ln>
+        </p:spPr>
+        <p:style>
+          <a:lnRef idx="0"/>
+          <a:fillRef idx="0"/>
+          <a:effectRef idx="0"/>
+          <a:fontRef idx="minor"/>
+        </p:style>
+        <p:txBody>
+          <a:bodyPr wrap="none" lIns="0" rIns="0" tIns="0" bIns="0" anchor="b">
+            <a:noAutofit/>
+          </a:bodyPr>
+          <a:p>
+            <a:pPr>
+              <a:lnSpc>
+                <a:spcPct val="100000"/>
+              </a:lnSpc>
+            </a:pPr>
+            <a:endParaRPr b="0" lang="en-US" sz="2400" strike="noStrike" u="none">
+              <a:solidFill>
+                <a:srgbClr val="ffffff"/>
+              </a:solidFill>
+              <a:uFillTx/>
+              <a:latin typeface="Arial"/>
+              <a:ea typeface="DejaVu Sans"/>
+            </a:endParaRPr>
+          </a:p>
+        </p:txBody>
+      </p:sp>
+      <p:sp>
+        <p:nvSpPr>
+          <p:cNvPr id="8" name=""/>
+          <p:cNvSpPr/>
+          <p:nvPr/>
+        </p:nvSpPr>
+        <p:spPr>
+          <a:xfrm>
+            <a:off x="9720000" y="4680000"/>
+            <a:ext cx="719640" cy="719640"/>
+          </a:xfrm>
+          <a:prstGeom prst="ellipse">
+            <a:avLst/>
+          </a:prstGeom>
+          <a:solidFill>
+            <a:srgbClr val="ffffff">
+              <a:alpha val="30000"/>
+            </a:srgbClr>
+          </a:solidFill>
+          <a:ln w="0">
+            <a:noFill/>
+          </a:ln>
+        </p:spPr>
+        <p:style>
+          <a:lnRef idx="0"/>
+          <a:fillRef idx="0"/>
+          <a:effectRef idx="0"/>
+          <a:fontRef idx="minor"/>
+        </p:style>
+        <p:txBody>
+          <a:bodyPr wrap="none" lIns="0" rIns="0" tIns="0" bIns="0" anchor="b">
+            <a:noAutofit/>
+          </a:bodyPr>
+          <a:p>
+            <a:pPr>
+              <a:lnSpc>
+                <a:spcPct val="100000"/>
+              </a:lnSpc>
+            </a:pPr>
+            <a:endParaRPr b="0" lang="en-US" sz="2400" strike="noStrike" u="none">
+              <a:solidFill>
+                <a:srgbClr val="ffffff"/>
+              </a:solidFill>
+              <a:uFillTx/>
+              <a:latin typeface="Arial"/>
+              <a:ea typeface="DejaVu Sans"/>
+            </a:endParaRPr>
+          </a:p>
+        </p:txBody>
+      </p:sp>
+      <p:sp>
+        <p:nvSpPr>
+          <p:cNvPr id="9" name=""/>
+          <p:cNvSpPr/>
+          <p:nvPr/>
+        </p:nvSpPr>
+        <p:spPr>
+          <a:xfrm>
+            <a:off x="9540000" y="3420000"/>
+            <a:ext cx="719640" cy="719640"/>
+          </a:xfrm>
+          <a:prstGeom prst="ellipse">
+            <a:avLst/>
+          </a:prstGeom>
+          <a:solidFill>
+            <a:srgbClr val="ffffff">
+              <a:alpha val="10000"/>
+            </a:srgbClr>
+          </a:solidFill>
+          <a:ln w="0">
+            <a:noFill/>
+          </a:ln>
+        </p:spPr>
+        <p:style>
+          <a:lnRef idx="0"/>
+          <a:fillRef idx="0"/>
+          <a:effectRef idx="0"/>
+          <a:fontRef idx="minor"/>
+        </p:style>
+        <p:txBody>
+          <a:bodyPr wrap="none" lIns="0" rIns="0" tIns="0" bIns="0" anchor="b">
+            <a:noAutofit/>
+          </a:bodyPr>
+          <a:p>
+            <a:pPr>
+              <a:lnSpc>
+                <a:spcPct val="100000"/>
+              </a:lnSpc>
+            </a:pPr>
+            <a:endParaRPr b="0" lang="en-US" sz="2400" strike="noStrike" u="none">
+              <a:solidFill>
+                <a:srgbClr val="ffffff"/>
+              </a:solidFill>
+              <a:uFillTx/>
+              <a:latin typeface="Arial"/>
+              <a:ea typeface="DejaVu Sans"/>
+            </a:endParaRPr>
+          </a:p>
+        </p:txBody>
+      </p:sp>
+      <p:sp>
+        <p:nvSpPr>
+          <p:cNvPr id="10" name=""/>
+          <p:cNvSpPr/>
+          <p:nvPr/>
+        </p:nvSpPr>
+        <p:spPr>
+          <a:xfrm>
+            <a:off x="8100000" y="4680000"/>
+            <a:ext cx="1079640" cy="842040"/>
+          </a:xfrm>
+          <a:prstGeom prst="ellipse">
+            <a:avLst/>
+          </a:prstGeom>
+          <a:solidFill>
+            <a:srgbClr val="ffffff">
+              <a:alpha val="20000"/>
+            </a:srgbClr>
+          </a:solidFill>
+          <a:ln w="0">
+            <a:noFill/>
+          </a:ln>
+        </p:spPr>
+        <p:style>
+          <a:lnRef idx="0"/>
+          <a:fillRef idx="0"/>
+          <a:effectRef idx="0"/>
+          <a:fontRef idx="minor"/>
+        </p:style>
+        <p:txBody>
+          <a:bodyPr wrap="none" lIns="0" rIns="0" tIns="0" bIns="0" anchor="b">
+            <a:noAutofit/>
+          </a:bodyPr>
+          <a:p>
+            <a:pPr>
+              <a:lnSpc>
+                <a:spcPct val="100000"/>
+              </a:lnSpc>
+            </a:pPr>
+            <a:endParaRPr b="0" lang="en-US" sz="2400" strike="noStrike" u="none">
+              <a:solidFill>
+                <a:srgbClr val="ffffff"/>
+              </a:solidFill>
+              <a:uFillTx/>
+              <a:latin typeface="Arial"/>
+              <a:ea typeface="DejaVu Sans"/>
+            </a:endParaRPr>
+          </a:p>
+        </p:txBody>
+      </p:sp>
+      <p:sp>
+        <p:nvSpPr>
+          <p:cNvPr id="11" name=""/>
+          <p:cNvSpPr/>
+          <p:nvPr/>
+        </p:nvSpPr>
+        <p:spPr>
+          <a:xfrm>
+            <a:off x="7920000" y="5400000"/>
+            <a:ext cx="899640" cy="899640"/>
+          </a:xfrm>
+          <a:prstGeom prst="ellipse">
+            <a:avLst/>
+          </a:prstGeom>
+          <a:solidFill>
+            <a:srgbClr val="ffffff">
+              <a:alpha val="25000"/>
+            </a:srgbClr>
+          </a:solidFill>
+          <a:ln w="0">
+            <a:noFill/>
+          </a:ln>
+        </p:spPr>
+        <p:style>
+          <a:lnRef idx="0"/>
+          <a:fillRef idx="0"/>
+          <a:effectRef idx="0"/>
+          <a:fontRef idx="minor"/>
+        </p:style>
+        <p:txBody>
+          <a:bodyPr wrap="none" lIns="0" rIns="0" tIns="0" bIns="0" anchor="b">
+            <a:noAutofit/>
+          </a:bodyPr>
+          <a:p>
+            <a:pPr>
+              <a:lnSpc>
+                <a:spcPct val="100000"/>
+              </a:lnSpc>
+            </a:pPr>
+            <a:endParaRPr b="0" lang="en-US" sz="2400" strike="noStrike" u="none">
+              <a:solidFill>
+                <a:srgbClr val="ffffff"/>
+              </a:solidFill>
+              <a:uFillTx/>
+              <a:latin typeface="Arial"/>
+              <a:ea typeface="DejaVu Sans"/>
+            </a:endParaRPr>
+          </a:p>
+        </p:txBody>
+      </p:sp>
+      <p:sp>
+        <p:nvSpPr>
+          <p:cNvPr id="12" name="PlaceHolder 1"/>
           <p:cNvSpPr>
             <a:spLocks noGrp="1"/>
           </p:cNvSpPr>
@@ -895,8 +1786,8 @@
         </p:nvSpPr>
         <p:spPr>
           <a:xfrm>
-            <a:off x="540000" y="1440000"/>
-            <a:ext cx="9000000" cy="990000"/>
+            <a:off x="540000" y="270000"/>
+            <a:ext cx="8999640" cy="989640"/>
           </a:xfrm>
           <a:prstGeom prst="rect">
             <a:avLst/>
@@ -915,28 +1806,241 @@
               <a:buNone/>
             </a:pPr>
             <a:r>
-              <a:rPr b="0" lang="en-US" sz="3300" strike="noStrike" u="none">
+              <a:rPr b="0" lang="en-US" sz="1800" strike="noStrike" u="none">
+                <a:solidFill>
+                  <a:srgbClr val="000000"/>
+                </a:solidFill>
+                <a:uFillTx/>
+                <a:latin typeface="Arial"/>
+              </a:rPr>
+              <a:t>Click to edit the title text format</a:t>
+            </a:r>
+            <a:endParaRPr b="0" lang="en-US" sz="1800" strike="noStrike" u="none">
+              <a:solidFill>
+                <a:srgbClr val="000000"/>
+              </a:solidFill>
+              <a:uFillTx/>
+              <a:latin typeface="Arial"/>
+            </a:endParaRPr>
+          </a:p>
+        </p:txBody>
+      </p:sp>
+      <p:sp>
+        <p:nvSpPr>
+          <p:cNvPr id="13" name="PlaceHolder 2"/>
+          <p:cNvSpPr>
+            <a:spLocks noGrp="1"/>
+          </p:cNvSpPr>
+          <p:nvPr>
+            <p:ph type="ftr" idx="1"/>
+          </p:nvPr>
+        </p:nvSpPr>
+        <p:spPr>
+          <a:xfrm>
+            <a:off x="3420000" y="5130000"/>
+            <a:ext cx="3239640" cy="392040"/>
+          </a:xfrm>
+          <a:prstGeom prst="rect">
+            <a:avLst/>
+          </a:prstGeom>
+          <a:noFill/>
+          <a:ln w="0">
+            <a:noFill/>
+          </a:ln>
+        </p:spPr>
+        <p:txBody>
+          <a:bodyPr lIns="0" rIns="0" tIns="0" bIns="0" anchor="b">
+            <a:noAutofit/>
+          </a:bodyPr>
+          <a:lstStyle>
+            <a:lvl1pPr indent="0" algn="ctr">
+              <a:lnSpc>
+                <a:spcPct val="100000"/>
+              </a:lnSpc>
+              <a:buNone/>
+              <a:tabLst>
+                <a:tab algn="l" pos="0"/>
+              </a:tabLst>
+              <a:defRPr b="0" lang="en-US" sz="1400" strike="noStrike" u="none">
                 <a:solidFill>
                   <a:srgbClr val="ffffff"/>
                 </a:solidFill>
                 <a:uFillTx/>
                 <a:latin typeface="Arial"/>
-              </a:rPr>
-              <a:t>Click to edit the title text format</a:t>
-            </a:r>
-            <a:endParaRPr b="0" lang="en-US" sz="3300" strike="noStrike" u="none">
-              <a:solidFill>
-                <a:srgbClr val="ffffff"/>
-              </a:solidFill>
-              <a:uFillTx/>
-              <a:latin typeface="Arial"/>
-            </a:endParaRPr>
-          </a:p>
-        </p:txBody>
-      </p:sp>
-      <p:sp>
-        <p:nvSpPr>
-          <p:cNvPr id="2" name="PlaceHolder 2"/>
+              </a:defRPr>
+            </a:lvl1pPr>
+          </a:lstStyle>
+          <a:p>
+            <a:pPr indent="0" algn="ctr">
+              <a:lnSpc>
+                <a:spcPct val="100000"/>
+              </a:lnSpc>
+              <a:buNone/>
+              <a:tabLst>
+                <a:tab algn="l" pos="0"/>
+              </a:tabLst>
+            </a:pPr>
+            <a:r>
+              <a:rPr b="0" lang="en-US" sz="1400" strike="noStrike" u="none">
+                <a:solidFill>
+                  <a:srgbClr val="ffffff"/>
+                </a:solidFill>
+                <a:uFillTx/>
+                <a:latin typeface="Arial"/>
+              </a:rPr>
+              <a:t> </a:t>
+            </a:r>
+            <a:endParaRPr b="0" lang="en-US" sz="1400" strike="noStrike" u="none">
+              <a:solidFill>
+                <a:srgbClr val="000000"/>
+              </a:solidFill>
+              <a:uFillTx/>
+              <a:latin typeface="Times New Roman"/>
+            </a:endParaRPr>
+          </a:p>
+        </p:txBody>
+      </p:sp>
+      <p:sp>
+        <p:nvSpPr>
+          <p:cNvPr id="14" name="PlaceHolder 3"/>
+          <p:cNvSpPr>
+            <a:spLocks noGrp="1"/>
+          </p:cNvSpPr>
+          <p:nvPr>
+            <p:ph type="sldNum" idx="2"/>
+          </p:nvPr>
+        </p:nvSpPr>
+        <p:spPr>
+          <a:xfrm>
+            <a:off x="7560000" y="5130000"/>
+            <a:ext cx="2339640" cy="392040"/>
+          </a:xfrm>
+          <a:prstGeom prst="rect">
+            <a:avLst/>
+          </a:prstGeom>
+          <a:noFill/>
+          <a:ln w="0">
+            <a:noFill/>
+          </a:ln>
+        </p:spPr>
+        <p:txBody>
+          <a:bodyPr lIns="0" rIns="0" tIns="0" bIns="0" anchor="b">
+            <a:noAutofit/>
+          </a:bodyPr>
+          <a:lstStyle>
+            <a:lvl1pPr indent="0" algn="r">
+              <a:lnSpc>
+                <a:spcPct val="100000"/>
+              </a:lnSpc>
+              <a:buNone/>
+              <a:tabLst>
+                <a:tab algn="l" pos="0"/>
+              </a:tabLst>
+              <a:defRPr b="0" lang="en-US" sz="1400" strike="noStrike" u="none">
+                <a:solidFill>
+                  <a:srgbClr val="ffffff"/>
+                </a:solidFill>
+                <a:uFillTx/>
+                <a:latin typeface="Arial"/>
+              </a:defRPr>
+            </a:lvl1pPr>
+          </a:lstStyle>
+          <a:p>
+            <a:pPr indent="0" algn="r">
+              <a:lnSpc>
+                <a:spcPct val="100000"/>
+              </a:lnSpc>
+              <a:buNone/>
+              <a:tabLst>
+                <a:tab algn="l" pos="0"/>
+              </a:tabLst>
+            </a:pPr>
+            <a:fld id="{8D53E083-D90A-48CD-A38B-BAE4B141526F}" type="slidenum">
+              <a:rPr b="0" lang="en-US" sz="1400" strike="noStrike" u="none">
+                <a:solidFill>
+                  <a:srgbClr val="ffffff"/>
+                </a:solidFill>
+                <a:uFillTx/>
+                <a:latin typeface="Arial"/>
+              </a:rPr>
+              <a:t>1</a:t>
+            </a:fld>
+            <a:endParaRPr b="0" lang="en-US" sz="1400" strike="noStrike" u="none">
+              <a:solidFill>
+                <a:srgbClr val="000000"/>
+              </a:solidFill>
+              <a:uFillTx/>
+              <a:latin typeface="Times New Roman"/>
+            </a:endParaRPr>
+          </a:p>
+        </p:txBody>
+      </p:sp>
+      <p:sp>
+        <p:nvSpPr>
+          <p:cNvPr id="15" name="PlaceHolder 4"/>
+          <p:cNvSpPr>
+            <a:spLocks noGrp="1"/>
+          </p:cNvSpPr>
+          <p:nvPr>
+            <p:ph type="dt" idx="3"/>
+          </p:nvPr>
+        </p:nvSpPr>
+        <p:spPr>
+          <a:xfrm>
+            <a:off x="180000" y="5130000"/>
+            <a:ext cx="2339640" cy="392040"/>
+          </a:xfrm>
+          <a:prstGeom prst="rect">
+            <a:avLst/>
+          </a:prstGeom>
+          <a:noFill/>
+          <a:ln w="0">
+            <a:noFill/>
+          </a:ln>
+        </p:spPr>
+        <p:txBody>
+          <a:bodyPr lIns="0" rIns="0" tIns="0" bIns="0" anchor="b">
+            <a:noAutofit/>
+          </a:bodyPr>
+          <a:lstStyle>
+            <a:lvl1pPr indent="0">
+              <a:buNone/>
+              <a:defRPr b="0" lang="en-US" sz="1400" strike="noStrike" u="none">
+                <a:solidFill>
+                  <a:srgbClr val="000000"/>
+                </a:solidFill>
+                <a:uFillTx/>
+                <a:latin typeface="Times New Roman"/>
+              </a:defRPr>
+            </a:lvl1pPr>
+          </a:lstStyle>
+          <a:p>
+            <a:pPr indent="0">
+              <a:buNone/>
+            </a:pPr>
+            <a:r>
+              <a:rPr b="0" lang="en-US" sz="1400" strike="noStrike" u="none">
+                <a:solidFill>
+                  <a:srgbClr val="000000"/>
+                </a:solidFill>
+                <a:uFillTx/>
+                <a:latin typeface="Times New Roman"/>
+              </a:rPr>
+              <a:t> </a:t>
+            </a:r>
+            <a:endParaRPr b="0" lang="en-US" sz="1400" strike="noStrike" u="none">
+              <a:solidFill>
+                <a:srgbClr val="000000"/>
+              </a:solidFill>
+              <a:uFillTx/>
+              <a:latin typeface="Times New Roman"/>
+            </a:endParaRPr>
+          </a:p>
+        </p:txBody>
+      </p:sp>
+      <p:sp>
+        <p:nvSpPr>
+          <p:cNvPr id="16" name="PlaceHolder 5"/>
           <p:cNvSpPr>
             <a:spLocks noGrp="1"/>
           </p:cNvSpPr>
@@ -946,8 +2050,8 @@
         </p:nvSpPr>
         <p:spPr>
           <a:xfrm>
-            <a:off x="540000" y="2610000"/>
-            <a:ext cx="9000000" cy="2160000"/>
+            <a:off x="504000" y="1326600"/>
+            <a:ext cx="9072000" cy="3288600"/>
           </a:xfrm>
           <a:prstGeom prst="rect">
             <a:avLst/>
@@ -959,33 +2063,33 @@
         </p:spPr>
         <p:txBody>
           <a:bodyPr lIns="0" rIns="0" tIns="0" bIns="0" anchor="t">
-            <a:normAutofit lnSpcReduction="9999"/>
+            <a:normAutofit/>
           </a:bodyPr>
           <a:p>
             <a:pPr marL="432000" indent="-324000">
-              <a:spcAft>
-                <a:spcPts val="1057"/>
-              </a:spcAft>
+              <a:spcBef>
+                <a:spcPts val="1417"/>
+              </a:spcBef>
               <a:buClr>
-                <a:srgbClr val="ffffff"/>
+                <a:srgbClr val="000000"/>
               </a:buClr>
               <a:buSzPct val="45000"/>
               <a:buFont typeface="Wingdings" charset="2"/>
               <a:buChar char=""/>
             </a:pPr>
             <a:r>
-              <a:rPr b="0" lang="en-US" sz="2400" strike="noStrike" u="none">
-                <a:solidFill>
-                  <a:srgbClr val="ffffff"/>
+              <a:rPr b="0" lang="en-US" sz="3200" strike="noStrike" u="none">
+                <a:solidFill>
+                  <a:srgbClr val="000000"/>
                 </a:solidFill>
                 <a:uFillTx/>
                 <a:latin typeface="Arial"/>
               </a:rPr>
               <a:t>Click to edit the outline text format</a:t>
             </a:r>
-            <a:endParaRPr b="0" lang="en-US" sz="2400" strike="noStrike" u="none">
-              <a:solidFill>
-                <a:srgbClr val="ffffff"/>
+            <a:endParaRPr b="0" lang="en-US" sz="3200" strike="noStrike" u="none">
+              <a:solidFill>
+                <a:srgbClr val="000000"/>
               </a:solidFill>
               <a:uFillTx/>
               <a:latin typeface="Arial"/>
@@ -993,29 +2097,29 @@
           </a:p>
           <a:p>
             <a:pPr lvl="1" marL="864000" indent="-324000">
-              <a:spcAft>
-                <a:spcPts val="845"/>
-              </a:spcAft>
+              <a:spcBef>
+                <a:spcPts val="1134"/>
+              </a:spcBef>
               <a:buClr>
-                <a:srgbClr val="ffffff"/>
+                <a:srgbClr val="000000"/>
               </a:buClr>
               <a:buSzPct val="75000"/>
               <a:buFont typeface="Symbol" charset="2"/>
               <a:buChar char=""/>
             </a:pPr>
             <a:r>
-              <a:rPr b="0" lang="en-US" sz="2100" strike="noStrike" u="none">
-                <a:solidFill>
-                  <a:srgbClr val="ffffff"/>
+              <a:rPr b="0" lang="en-US" sz="2800" strike="noStrike" u="none">
+                <a:solidFill>
+                  <a:srgbClr val="000000"/>
                 </a:solidFill>
                 <a:uFillTx/>
                 <a:latin typeface="Arial"/>
               </a:rPr>
               <a:t>Second Outline Level</a:t>
             </a:r>
-            <a:endParaRPr b="0" lang="en-US" sz="2100" strike="noStrike" u="none">
-              <a:solidFill>
-                <a:srgbClr val="ffffff"/>
+            <a:endParaRPr b="0" lang="en-US" sz="2800" strike="noStrike" u="none">
+              <a:solidFill>
+                <a:srgbClr val="000000"/>
               </a:solidFill>
               <a:uFillTx/>
               <a:latin typeface="Arial"/>
@@ -1023,29 +2127,29 @@
           </a:p>
           <a:p>
             <a:pPr lvl="2" marL="1296000" indent="-288000">
-              <a:spcAft>
-                <a:spcPts val="632"/>
-              </a:spcAft>
+              <a:spcBef>
+                <a:spcPts val="850"/>
+              </a:spcBef>
               <a:buClr>
-                <a:srgbClr val="ffffff"/>
+                <a:srgbClr val="000000"/>
               </a:buClr>
               <a:buSzPct val="45000"/>
               <a:buFont typeface="Wingdings" charset="2"/>
               <a:buChar char=""/>
             </a:pPr>
             <a:r>
-              <a:rPr b="0" lang="en-US" sz="1800" strike="noStrike" u="none">
-                <a:solidFill>
-                  <a:srgbClr val="ffffff"/>
+              <a:rPr b="0" lang="en-US" sz="2400" strike="noStrike" u="none">
+                <a:solidFill>
+                  <a:srgbClr val="000000"/>
                 </a:solidFill>
                 <a:uFillTx/>
                 <a:latin typeface="Arial"/>
               </a:rPr>
               <a:t>Third Outline Level</a:t>
             </a:r>
-            <a:endParaRPr b="0" lang="en-US" sz="1800" strike="noStrike" u="none">
-              <a:solidFill>
-                <a:srgbClr val="ffffff"/>
+            <a:endParaRPr b="0" lang="en-US" sz="2400" strike="noStrike" u="none">
+              <a:solidFill>
+                <a:srgbClr val="000000"/>
               </a:solidFill>
               <a:uFillTx/>
               <a:latin typeface="Arial"/>
@@ -1053,29 +2157,29 @@
           </a:p>
           <a:p>
             <a:pPr lvl="3" marL="1728000" indent="-216000">
-              <a:spcAft>
-                <a:spcPts val="425"/>
-              </a:spcAft>
+              <a:spcBef>
+                <a:spcPts val="567"/>
+              </a:spcBef>
               <a:buClr>
-                <a:srgbClr val="ffffff"/>
+                <a:srgbClr val="000000"/>
               </a:buClr>
               <a:buSzPct val="75000"/>
               <a:buFont typeface="Symbol" charset="2"/>
               <a:buChar char=""/>
             </a:pPr>
             <a:r>
-              <a:rPr b="0" lang="en-US" sz="1500" strike="noStrike" u="none">
-                <a:solidFill>
-                  <a:srgbClr val="ffffff"/>
+              <a:rPr b="0" lang="en-US" sz="2000" strike="noStrike" u="none">
+                <a:solidFill>
+                  <a:srgbClr val="000000"/>
                 </a:solidFill>
                 <a:uFillTx/>
                 <a:latin typeface="Arial"/>
               </a:rPr>
               <a:t>Fourth Outline Level</a:t>
             </a:r>
-            <a:endParaRPr b="0" lang="en-US" sz="1500" strike="noStrike" u="none">
-              <a:solidFill>
-                <a:srgbClr val="ffffff"/>
+            <a:endParaRPr b="0" lang="en-US" sz="2000" strike="noStrike" u="none">
+              <a:solidFill>
+                <a:srgbClr val="000000"/>
               </a:solidFill>
               <a:uFillTx/>
               <a:latin typeface="Arial"/>
@@ -1083,29 +2187,29 @@
           </a:p>
           <a:p>
             <a:pPr lvl="4" marL="2160000" indent="-216000">
-              <a:spcAft>
-                <a:spcPts val="213"/>
-              </a:spcAft>
+              <a:spcBef>
+                <a:spcPts val="283"/>
+              </a:spcBef>
               <a:buClr>
-                <a:srgbClr val="ffffff"/>
+                <a:srgbClr val="000000"/>
               </a:buClr>
               <a:buSzPct val="45000"/>
               <a:buFont typeface="Wingdings" charset="2"/>
               <a:buChar char=""/>
             </a:pPr>
             <a:r>
-              <a:rPr b="0" lang="en-US" sz="1500" strike="noStrike" u="none">
-                <a:solidFill>
-                  <a:srgbClr val="ffffff"/>
+              <a:rPr b="0" lang="en-US" sz="2000" strike="noStrike" u="none">
+                <a:solidFill>
+                  <a:srgbClr val="000000"/>
                 </a:solidFill>
                 <a:uFillTx/>
                 <a:latin typeface="Arial"/>
               </a:rPr>
               <a:t>Fifth Outline Level</a:t>
             </a:r>
-            <a:endParaRPr b="0" lang="en-US" sz="1500" strike="noStrike" u="none">
-              <a:solidFill>
-                <a:srgbClr val="ffffff"/>
+            <a:endParaRPr b="0" lang="en-US" sz="2000" strike="noStrike" u="none">
+              <a:solidFill>
+                <a:srgbClr val="000000"/>
               </a:solidFill>
               <a:uFillTx/>
               <a:latin typeface="Arial"/>
@@ -1113,29 +2217,29 @@
           </a:p>
           <a:p>
             <a:pPr lvl="5" marL="2592000" indent="-216000">
-              <a:spcAft>
-                <a:spcPts val="213"/>
-              </a:spcAft>
+              <a:spcBef>
+                <a:spcPts val="283"/>
+              </a:spcBef>
               <a:buClr>
-                <a:srgbClr val="ffffff"/>
+                <a:srgbClr val="000000"/>
               </a:buClr>
               <a:buSzPct val="45000"/>
               <a:buFont typeface="Wingdings" charset="2"/>
               <a:buChar char=""/>
             </a:pPr>
             <a:r>
-              <a:rPr b="0" lang="en-US" sz="1500" strike="noStrike" u="none">
-                <a:solidFill>
-                  <a:srgbClr val="ffffff"/>
+              <a:rPr b="0" lang="en-US" sz="2000" strike="noStrike" u="none">
+                <a:solidFill>
+                  <a:srgbClr val="000000"/>
                 </a:solidFill>
                 <a:uFillTx/>
                 <a:latin typeface="Arial"/>
               </a:rPr>
               <a:t>Sixth Outline Level</a:t>
             </a:r>
-            <a:endParaRPr b="0" lang="en-US" sz="1500" strike="noStrike" u="none">
-              <a:solidFill>
-                <a:srgbClr val="ffffff"/>
+            <a:endParaRPr b="0" lang="en-US" sz="2000" strike="noStrike" u="none">
+              <a:solidFill>
+                <a:srgbClr val="000000"/>
               </a:solidFill>
               <a:uFillTx/>
               <a:latin typeface="Arial"/>
@@ -1143,702 +2247,29 @@
           </a:p>
           <a:p>
             <a:pPr lvl="6" marL="3024000" indent="-216000">
-              <a:spcAft>
-                <a:spcPts val="213"/>
-              </a:spcAft>
+              <a:spcBef>
+                <a:spcPts val="283"/>
+              </a:spcBef>
               <a:buClr>
-                <a:srgbClr val="ffffff"/>
+                <a:srgbClr val="000000"/>
               </a:buClr>
               <a:buSzPct val="45000"/>
               <a:buFont typeface="Wingdings" charset="2"/>
               <a:buChar char=""/>
             </a:pPr>
             <a:r>
-              <a:rPr b="0" lang="en-US" sz="1500" strike="noStrike" u="none">
-                <a:solidFill>
-                  <a:srgbClr val="ffffff"/>
+              <a:rPr b="0" lang="en-US" sz="2000" strike="noStrike" u="none">
+                <a:solidFill>
+                  <a:srgbClr val="000000"/>
                 </a:solidFill>
                 <a:uFillTx/>
                 <a:latin typeface="Arial"/>
               </a:rPr>
               <a:t>Seventh Outline Level</a:t>
             </a:r>
-            <a:endParaRPr b="0" lang="en-US" sz="1500" strike="noStrike" u="none">
-              <a:solidFill>
-                <a:srgbClr val="ffffff"/>
-              </a:solidFill>
-              <a:uFillTx/>
-              <a:latin typeface="Arial"/>
-            </a:endParaRPr>
-          </a:p>
-        </p:txBody>
-      </p:sp>
-      <p:sp>
-        <p:nvSpPr>
-          <p:cNvPr id="3" name="PlaceHolder 3"/>
-          <p:cNvSpPr>
-            <a:spLocks noGrp="1"/>
-          </p:cNvSpPr>
-          <p:nvPr>
-            <p:ph type="dt" idx="1"/>
-          </p:nvPr>
-        </p:nvSpPr>
-        <p:spPr>
-          <a:xfrm>
-            <a:off x="180000" y="5130000"/>
-            <a:ext cx="2340000" cy="392400"/>
-          </a:xfrm>
-          <a:prstGeom prst="rect">
-            <a:avLst/>
-          </a:prstGeom>
-          <a:noFill/>
-          <a:ln w="0">
-            <a:noFill/>
-          </a:ln>
-        </p:spPr>
-        <p:txBody>
-          <a:bodyPr lIns="0" rIns="0" tIns="0" bIns="0" anchor="b">
-            <a:noAutofit/>
-          </a:bodyPr>
-          <a:lstStyle>
-            <a:lvl1pPr indent="0">
-              <a:buNone/>
-              <a:defRPr b="0" lang="en-US" sz="1400" strike="noStrike" u="none">
-                <a:solidFill>
-                  <a:srgbClr val="ffffff"/>
-                </a:solidFill>
-                <a:uFillTx/>
-                <a:latin typeface="Arial"/>
-              </a:defRPr>
-            </a:lvl1pPr>
-          </a:lstStyle>
-          <a:p>
-            <a:pPr indent="0">
-              <a:buNone/>
-            </a:pPr>
-            <a:r>
-              <a:rPr b="0" lang="en-US" sz="1400" strike="noStrike" u="none">
-                <a:solidFill>
-                  <a:srgbClr val="ffffff"/>
-                </a:solidFill>
-                <a:uFillTx/>
-                <a:latin typeface="Arial"/>
-              </a:rPr>
-              <a:t>&lt;date/time&gt;</a:t>
-            </a:r>
-            <a:endParaRPr b="0" lang="en-US" sz="1400" strike="noStrike" u="none">
-              <a:solidFill>
-                <a:srgbClr val="ffffff"/>
-              </a:solidFill>
-              <a:uFillTx/>
-              <a:latin typeface="Arial"/>
-            </a:endParaRPr>
-          </a:p>
-        </p:txBody>
-      </p:sp>
-      <p:sp>
-        <p:nvSpPr>
-          <p:cNvPr id="4" name="PlaceHolder 4"/>
-          <p:cNvSpPr>
-            <a:spLocks noGrp="1"/>
-          </p:cNvSpPr>
-          <p:nvPr>
-            <p:ph type="ftr" idx="2"/>
-          </p:nvPr>
-        </p:nvSpPr>
-        <p:spPr>
-          <a:xfrm>
-            <a:off x="3420000" y="5130000"/>
-            <a:ext cx="3240000" cy="392400"/>
-          </a:xfrm>
-          <a:prstGeom prst="rect">
-            <a:avLst/>
-          </a:prstGeom>
-          <a:noFill/>
-          <a:ln w="0">
-            <a:noFill/>
-          </a:ln>
-        </p:spPr>
-        <p:txBody>
-          <a:bodyPr lIns="0" rIns="0" tIns="0" bIns="0" anchor="b">
-            <a:noAutofit/>
-          </a:bodyPr>
-          <a:lstStyle>
-            <a:lvl1pPr indent="0" algn="ctr">
-              <a:buNone/>
-              <a:defRPr b="0" lang="en-US" sz="1400" strike="noStrike" u="none">
-                <a:solidFill>
-                  <a:srgbClr val="ffffff"/>
-                </a:solidFill>
-                <a:uFillTx/>
-                <a:latin typeface="Arial"/>
-              </a:defRPr>
-            </a:lvl1pPr>
-          </a:lstStyle>
-          <a:p>
-            <a:pPr indent="0" algn="ctr">
-              <a:buNone/>
-            </a:pPr>
-            <a:r>
-              <a:rPr b="0" lang="en-US" sz="1400" strike="noStrike" u="none">
-                <a:solidFill>
-                  <a:srgbClr val="ffffff"/>
-                </a:solidFill>
-                <a:uFillTx/>
-                <a:latin typeface="Arial"/>
-              </a:rPr>
-              <a:t>&lt;footer&gt;</a:t>
-            </a:r>
-            <a:endParaRPr b="0" lang="en-US" sz="1400" strike="noStrike" u="none">
-              <a:solidFill>
-                <a:srgbClr val="ffffff"/>
-              </a:solidFill>
-              <a:uFillTx/>
-              <a:latin typeface="Arial"/>
-            </a:endParaRPr>
-          </a:p>
-        </p:txBody>
-      </p:sp>
-      <p:sp>
-        <p:nvSpPr>
-          <p:cNvPr id="5" name="PlaceHolder 5"/>
-          <p:cNvSpPr>
-            <a:spLocks noGrp="1"/>
-          </p:cNvSpPr>
-          <p:nvPr>
-            <p:ph type="sldNum" idx="3"/>
-          </p:nvPr>
-        </p:nvSpPr>
-        <p:spPr>
-          <a:xfrm>
-            <a:off x="7560000" y="5130000"/>
-            <a:ext cx="2340000" cy="392400"/>
-          </a:xfrm>
-          <a:prstGeom prst="rect">
-            <a:avLst/>
-          </a:prstGeom>
-          <a:noFill/>
-          <a:ln w="0">
-            <a:noFill/>
-          </a:ln>
-        </p:spPr>
-        <p:txBody>
-          <a:bodyPr lIns="0" rIns="0" tIns="0" bIns="0" anchor="b">
-            <a:noAutofit/>
-          </a:bodyPr>
-          <a:lstStyle>
-            <a:lvl1pPr indent="0" algn="r">
-              <a:buNone/>
-              <a:defRPr b="0" lang="en-US" sz="1400" strike="noStrike" u="none">
-                <a:solidFill>
-                  <a:srgbClr val="ffffff"/>
-                </a:solidFill>
-                <a:uFillTx/>
-                <a:latin typeface="Arial"/>
-              </a:defRPr>
-            </a:lvl1pPr>
-          </a:lstStyle>
-          <a:p>
-            <a:pPr indent="0" algn="r">
-              <a:buNone/>
-            </a:pPr>
-            <a:fld id="{BD7AE42B-4139-4BAC-816A-72A78FE3DEC0}" type="slidenum">
-              <a:rPr b="0" lang="en-US" sz="1400" strike="noStrike" u="none">
-                <a:solidFill>
-                  <a:srgbClr val="ffffff"/>
-                </a:solidFill>
-                <a:uFillTx/>
-                <a:latin typeface="Arial"/>
-              </a:rPr>
-              <a:t>&lt;number&gt;</a:t>
-            </a:fld>
-            <a:endParaRPr b="0" lang="en-US" sz="1400" strike="noStrike" u="none">
-              <a:solidFill>
-                <a:srgbClr val="ffffff"/>
-              </a:solidFill>
-              <a:uFillTx/>
-              <a:latin typeface="Arial"/>
-            </a:endParaRPr>
-          </a:p>
-        </p:txBody>
-      </p:sp>
-      <p:sp>
-        <p:nvSpPr>
-          <p:cNvPr id="6" name=""/>
-          <p:cNvSpPr/>
-          <p:nvPr/>
-        </p:nvSpPr>
-        <p:spPr>
-          <a:xfrm>
-            <a:off x="1440000" y="1080000"/>
-            <a:ext cx="1440000" cy="1260000"/>
-          </a:xfrm>
-          <a:prstGeom prst="ellipse">
-            <a:avLst/>
-          </a:prstGeom>
-          <a:solidFill>
-            <a:srgbClr val="ffffff">
-              <a:alpha val="30000"/>
-            </a:srgbClr>
-          </a:solidFill>
-          <a:ln w="0">
-            <a:noFill/>
-          </a:ln>
-        </p:spPr>
-        <p:style>
-          <a:lnRef idx="0"/>
-          <a:fillRef idx="0"/>
-          <a:effectRef idx="0"/>
-          <a:fontRef idx="minor"/>
-        </p:style>
-        <p:txBody>
-          <a:bodyPr wrap="none" lIns="0" rIns="0" tIns="0" bIns="0" anchor="b">
-            <a:noAutofit/>
-          </a:bodyPr>
-          <a:p>
-            <a:endParaRPr b="0" lang="en-US" sz="2400" strike="noStrike" u="none">
-              <a:solidFill>
-                <a:srgbClr val="ffffff"/>
-              </a:solidFill>
-              <a:uFillTx/>
-              <a:latin typeface="Arial"/>
-            </a:endParaRPr>
-          </a:p>
-        </p:txBody>
-      </p:sp>
-      <p:sp>
-        <p:nvSpPr>
-          <p:cNvPr id="7" name=""/>
-          <p:cNvSpPr/>
-          <p:nvPr/>
-        </p:nvSpPr>
-        <p:spPr>
-          <a:xfrm>
-            <a:off x="7380000" y="3960000"/>
-            <a:ext cx="1440000" cy="1260000"/>
-          </a:xfrm>
-          <a:prstGeom prst="ellipse">
-            <a:avLst/>
-          </a:prstGeom>
-          <a:solidFill>
-            <a:srgbClr val="ffffff">
-              <a:alpha val="30000"/>
-            </a:srgbClr>
-          </a:solidFill>
-          <a:ln w="0">
-            <a:noFill/>
-          </a:ln>
-        </p:spPr>
-        <p:style>
-          <a:lnRef idx="0"/>
-          <a:fillRef idx="0"/>
-          <a:effectRef idx="0"/>
-          <a:fontRef idx="minor"/>
-        </p:style>
-        <p:txBody>
-          <a:bodyPr wrap="none" lIns="0" rIns="0" tIns="0" bIns="0" anchor="b">
-            <a:noAutofit/>
-          </a:bodyPr>
-          <a:p>
-            <a:endParaRPr b="0" lang="en-US" sz="2400" strike="noStrike" u="none">
-              <a:solidFill>
-                <a:srgbClr val="ffffff"/>
-              </a:solidFill>
-              <a:uFillTx/>
-              <a:latin typeface="Arial"/>
-            </a:endParaRPr>
-          </a:p>
-        </p:txBody>
-      </p:sp>
-      <p:sp>
-        <p:nvSpPr>
-          <p:cNvPr id="8" name=""/>
-          <p:cNvSpPr/>
-          <p:nvPr/>
-        </p:nvSpPr>
-        <p:spPr>
-          <a:xfrm>
-            <a:off x="9000000" y="2700000"/>
-            <a:ext cx="1260000" cy="1080000"/>
-          </a:xfrm>
-          <a:prstGeom prst="ellipse">
-            <a:avLst/>
-          </a:prstGeom>
-          <a:solidFill>
-            <a:srgbClr val="ffffff">
-              <a:alpha val="20000"/>
-            </a:srgbClr>
-          </a:solidFill>
-          <a:ln w="0">
-            <a:noFill/>
-          </a:ln>
-        </p:spPr>
-        <p:style>
-          <a:lnRef idx="0"/>
-          <a:fillRef idx="0"/>
-          <a:effectRef idx="0"/>
-          <a:fontRef idx="minor"/>
-        </p:style>
-        <p:txBody>
-          <a:bodyPr wrap="none" lIns="0" rIns="0" tIns="0" bIns="0" anchor="b">
-            <a:noAutofit/>
-          </a:bodyPr>
-          <a:p>
-            <a:endParaRPr b="0" lang="en-US" sz="2400" strike="noStrike" u="none">
-              <a:solidFill>
-                <a:srgbClr val="ffffff"/>
-              </a:solidFill>
-              <a:uFillTx/>
-              <a:latin typeface="Arial"/>
-            </a:endParaRPr>
-          </a:p>
-        </p:txBody>
-      </p:sp>
-      <p:sp>
-        <p:nvSpPr>
-          <p:cNvPr id="9" name=""/>
-          <p:cNvSpPr/>
-          <p:nvPr/>
-        </p:nvSpPr>
-        <p:spPr>
-          <a:xfrm>
-            <a:off x="-180000" y="2430000"/>
-            <a:ext cx="1440000" cy="1350000"/>
-          </a:xfrm>
-          <a:prstGeom prst="ellipse">
-            <a:avLst/>
-          </a:prstGeom>
-          <a:solidFill>
-            <a:srgbClr val="ffffff">
-              <a:alpha val="20000"/>
-            </a:srgbClr>
-          </a:solidFill>
-          <a:ln w="0">
-            <a:noFill/>
-          </a:ln>
-        </p:spPr>
-        <p:style>
-          <a:lnRef idx="0"/>
-          <a:fillRef idx="0"/>
-          <a:effectRef idx="0"/>
-          <a:fontRef idx="minor"/>
-        </p:style>
-        <p:txBody>
-          <a:bodyPr wrap="none" lIns="0" rIns="0" tIns="0" bIns="0" anchor="b">
-            <a:noAutofit/>
-          </a:bodyPr>
-          <a:p>
-            <a:endParaRPr b="0" lang="en-US" sz="2400" strike="noStrike" u="none">
-              <a:solidFill>
-                <a:srgbClr val="ffffff"/>
-              </a:solidFill>
-              <a:uFillTx/>
-              <a:latin typeface="Arial"/>
-            </a:endParaRPr>
-          </a:p>
-        </p:txBody>
-      </p:sp>
-      <p:sp>
-        <p:nvSpPr>
-          <p:cNvPr id="10" name=""/>
-          <p:cNvSpPr/>
-          <p:nvPr/>
-        </p:nvSpPr>
-        <p:spPr>
-          <a:xfrm>
-            <a:off x="540000" y="1080000"/>
-            <a:ext cx="720000" cy="720000"/>
-          </a:xfrm>
-          <a:prstGeom prst="ellipse">
-            <a:avLst/>
-          </a:prstGeom>
-          <a:solidFill>
-            <a:srgbClr val="ffffff">
-              <a:alpha val="20000"/>
-            </a:srgbClr>
-          </a:solidFill>
-          <a:ln w="0">
-            <a:noFill/>
-          </a:ln>
-        </p:spPr>
-        <p:style>
-          <a:lnRef idx="0"/>
-          <a:fillRef idx="0"/>
-          <a:effectRef idx="0"/>
-          <a:fontRef idx="minor"/>
-        </p:style>
-        <p:txBody>
-          <a:bodyPr wrap="none" lIns="0" rIns="0" tIns="0" bIns="0" anchor="b">
-            <a:noAutofit/>
-          </a:bodyPr>
-          <a:p>
-            <a:endParaRPr b="0" lang="en-US" sz="2400" strike="noStrike" u="none">
-              <a:solidFill>
-                <a:srgbClr val="ffffff"/>
-              </a:solidFill>
-              <a:uFillTx/>
-              <a:latin typeface="Arial"/>
-            </a:endParaRPr>
-          </a:p>
-        </p:txBody>
-      </p:sp>
-      <p:sp>
-        <p:nvSpPr>
-          <p:cNvPr id="11" name=""/>
-          <p:cNvSpPr/>
-          <p:nvPr/>
-        </p:nvSpPr>
-        <p:spPr>
-          <a:xfrm>
-            <a:off x="0" y="1260000"/>
-            <a:ext cx="720000" cy="720000"/>
-          </a:xfrm>
-          <a:prstGeom prst="ellipse">
-            <a:avLst/>
-          </a:prstGeom>
-          <a:solidFill>
-            <a:srgbClr val="ffffff">
-              <a:alpha val="10000"/>
-            </a:srgbClr>
-          </a:solidFill>
-          <a:ln w="0">
-            <a:noFill/>
-          </a:ln>
-        </p:spPr>
-        <p:style>
-          <a:lnRef idx="0"/>
-          <a:fillRef idx="0"/>
-          <a:effectRef idx="0"/>
-          <a:fontRef idx="minor"/>
-        </p:style>
-        <p:txBody>
-          <a:bodyPr wrap="none" lIns="0" rIns="0" tIns="0" bIns="0" anchor="b">
-            <a:noAutofit/>
-          </a:bodyPr>
-          <a:p>
-            <a:endParaRPr b="0" lang="en-US" sz="2400" strike="noStrike" u="none">
-              <a:solidFill>
-                <a:srgbClr val="ffffff"/>
-              </a:solidFill>
-              <a:uFillTx/>
-              <a:latin typeface="Arial"/>
-            </a:endParaRPr>
-          </a:p>
-        </p:txBody>
-      </p:sp>
-      <p:sp>
-        <p:nvSpPr>
-          <p:cNvPr id="12" name=""/>
-          <p:cNvSpPr/>
-          <p:nvPr/>
-        </p:nvSpPr>
-        <p:spPr>
-          <a:xfrm>
-            <a:off x="0" y="5220000"/>
-            <a:ext cx="1620000" cy="1260000"/>
-          </a:xfrm>
-          <a:prstGeom prst="ellipse">
-            <a:avLst/>
-          </a:prstGeom>
-          <a:solidFill>
-            <a:srgbClr val="ffffff">
-              <a:alpha val="15000"/>
-            </a:srgbClr>
-          </a:solidFill>
-          <a:ln w="0">
-            <a:noFill/>
-          </a:ln>
-        </p:spPr>
-        <p:style>
-          <a:lnRef idx="0"/>
-          <a:fillRef idx="0"/>
-          <a:effectRef idx="0"/>
-          <a:fontRef idx="minor"/>
-        </p:style>
-        <p:txBody>
-          <a:bodyPr wrap="none" lIns="0" rIns="0" tIns="0" bIns="0" anchor="b">
-            <a:noAutofit/>
-          </a:bodyPr>
-          <a:p>
-            <a:endParaRPr b="0" lang="en-US" sz="2400" strike="noStrike" u="none">
-              <a:solidFill>
-                <a:srgbClr val="ffffff"/>
-              </a:solidFill>
-              <a:uFillTx/>
-              <a:latin typeface="Arial"/>
-            </a:endParaRPr>
-          </a:p>
-        </p:txBody>
-      </p:sp>
-      <p:sp>
-        <p:nvSpPr>
-          <p:cNvPr id="13" name=""/>
-          <p:cNvSpPr/>
-          <p:nvPr/>
-        </p:nvSpPr>
-        <p:spPr>
-          <a:xfrm>
-            <a:off x="9720000" y="4680000"/>
-            <a:ext cx="720000" cy="720000"/>
-          </a:xfrm>
-          <a:prstGeom prst="ellipse">
-            <a:avLst/>
-          </a:prstGeom>
-          <a:solidFill>
-            <a:srgbClr val="ffffff">
-              <a:alpha val="30000"/>
-            </a:srgbClr>
-          </a:solidFill>
-          <a:ln w="0">
-            <a:noFill/>
-          </a:ln>
-        </p:spPr>
-        <p:style>
-          <a:lnRef idx="0"/>
-          <a:fillRef idx="0"/>
-          <a:effectRef idx="0"/>
-          <a:fontRef idx="minor"/>
-        </p:style>
-        <p:txBody>
-          <a:bodyPr wrap="none" lIns="0" rIns="0" tIns="0" bIns="0" anchor="b">
-            <a:noAutofit/>
-          </a:bodyPr>
-          <a:p>
-            <a:endParaRPr b="0" lang="en-US" sz="2400" strike="noStrike" u="none">
-              <a:solidFill>
-                <a:srgbClr val="ffffff"/>
-              </a:solidFill>
-              <a:uFillTx/>
-              <a:latin typeface="Arial"/>
-            </a:endParaRPr>
-          </a:p>
-        </p:txBody>
-      </p:sp>
-      <p:sp>
-        <p:nvSpPr>
-          <p:cNvPr id="14" name=""/>
-          <p:cNvSpPr/>
-          <p:nvPr/>
-        </p:nvSpPr>
-        <p:spPr>
-          <a:xfrm>
-            <a:off x="9540000" y="3420000"/>
-            <a:ext cx="720000" cy="720000"/>
-          </a:xfrm>
-          <a:prstGeom prst="ellipse">
-            <a:avLst/>
-          </a:prstGeom>
-          <a:solidFill>
-            <a:srgbClr val="ffffff">
-              <a:alpha val="10000"/>
-            </a:srgbClr>
-          </a:solidFill>
-          <a:ln w="0">
-            <a:noFill/>
-          </a:ln>
-        </p:spPr>
-        <p:style>
-          <a:lnRef idx="0"/>
-          <a:fillRef idx="0"/>
-          <a:effectRef idx="0"/>
-          <a:fontRef idx="minor"/>
-        </p:style>
-        <p:txBody>
-          <a:bodyPr wrap="none" lIns="0" rIns="0" tIns="0" bIns="0" anchor="b">
-            <a:noAutofit/>
-          </a:bodyPr>
-          <a:p>
-            <a:endParaRPr b="0" lang="en-US" sz="2400" strike="noStrike" u="none">
-              <a:solidFill>
-                <a:srgbClr val="ffffff"/>
-              </a:solidFill>
-              <a:uFillTx/>
-              <a:latin typeface="Arial"/>
-            </a:endParaRPr>
-          </a:p>
-        </p:txBody>
-      </p:sp>
-      <p:sp>
-        <p:nvSpPr>
-          <p:cNvPr id="15" name=""/>
-          <p:cNvSpPr/>
-          <p:nvPr/>
-        </p:nvSpPr>
-        <p:spPr>
-          <a:xfrm>
-            <a:off x="8100000" y="4680000"/>
-            <a:ext cx="1080000" cy="842400"/>
-          </a:xfrm>
-          <a:prstGeom prst="ellipse">
-            <a:avLst/>
-          </a:prstGeom>
-          <a:solidFill>
-            <a:srgbClr val="ffffff">
-              <a:alpha val="20000"/>
-            </a:srgbClr>
-          </a:solidFill>
-          <a:ln w="0">
-            <a:noFill/>
-          </a:ln>
-        </p:spPr>
-        <p:style>
-          <a:lnRef idx="0"/>
-          <a:fillRef idx="0"/>
-          <a:effectRef idx="0"/>
-          <a:fontRef idx="minor"/>
-        </p:style>
-        <p:txBody>
-          <a:bodyPr wrap="none" lIns="0" rIns="0" tIns="0" bIns="0" anchor="b">
-            <a:noAutofit/>
-          </a:bodyPr>
-          <a:p>
-            <a:endParaRPr b="0" lang="en-US" sz="2400" strike="noStrike" u="none">
-              <a:solidFill>
-                <a:srgbClr val="ffffff"/>
-              </a:solidFill>
-              <a:uFillTx/>
-              <a:latin typeface="Arial"/>
-            </a:endParaRPr>
-          </a:p>
-        </p:txBody>
-      </p:sp>
-      <p:sp>
-        <p:nvSpPr>
-          <p:cNvPr id="16" name=""/>
-          <p:cNvSpPr/>
-          <p:nvPr/>
-        </p:nvSpPr>
-        <p:spPr>
-          <a:xfrm>
-            <a:off x="7920000" y="5400000"/>
-            <a:ext cx="900000" cy="900000"/>
-          </a:xfrm>
-          <a:prstGeom prst="ellipse">
-            <a:avLst/>
-          </a:prstGeom>
-          <a:solidFill>
-            <a:srgbClr val="ffffff">
-              <a:alpha val="25000"/>
-            </a:srgbClr>
-          </a:solidFill>
-          <a:ln w="0">
-            <a:noFill/>
-          </a:ln>
-        </p:spPr>
-        <p:style>
-          <a:lnRef idx="0"/>
-          <a:fillRef idx="0"/>
-          <a:effectRef idx="0"/>
-          <a:fontRef idx="minor"/>
-        </p:style>
-        <p:txBody>
-          <a:bodyPr wrap="none" lIns="0" rIns="0" tIns="0" bIns="0" anchor="b">
-            <a:noAutofit/>
-          </a:bodyPr>
-          <a:p>
-            <a:endParaRPr b="0" lang="en-US" sz="2400" strike="noStrike" u="none">
-              <a:solidFill>
-                <a:srgbClr val="ffffff"/>
+            <a:endParaRPr b="0" lang="en-US" sz="2000" strike="noStrike" u="none">
+              <a:solidFill>
+                <a:srgbClr val="000000"/>
               </a:solidFill>
               <a:uFillTx/>
               <a:latin typeface="Arial"/>
@@ -1881,7 +2312,7 @@
         <p:spPr>
           <a:xfrm>
             <a:off x="360" y="360"/>
-            <a:ext cx="10080000" cy="5670000"/>
+            <a:ext cx="10079640" cy="5669640"/>
           </a:xfrm>
           <a:prstGeom prst="rect">
             <a:avLst/>
@@ -1912,12 +2343,18 @@
             <a:noAutofit/>
           </a:bodyPr>
           <a:p>
+            <a:pPr>
+              <a:lnSpc>
+                <a:spcPct val="100000"/>
+              </a:lnSpc>
+            </a:pPr>
             <a:endParaRPr b="0" lang="en-US" sz="2400" strike="noStrike" u="none">
               <a:solidFill>
                 <a:srgbClr val="ffffff"/>
               </a:solidFill>
               <a:uFillTx/>
               <a:latin typeface="Arial"/>
+              <a:ea typeface="DejaVu Sans"/>
             </a:endParaRPr>
           </a:p>
         </p:txBody>
@@ -1931,7 +2368,7 @@
         <p:spPr>
           <a:xfrm flipH="1">
             <a:off x="-2880" y="0"/>
-            <a:ext cx="10080360" cy="5670360"/>
+            <a:ext cx="10080000" cy="5670000"/>
           </a:xfrm>
           <a:prstGeom prst="rect">
             <a:avLst/>
@@ -1940,7 +2377,7 @@
             <a:gsLst>
               <a:gs pos="0">
                 <a:srgbClr val="ffffff">
-                  <a:alpha val="90196"/>
+                  <a:alpha val="90000"/>
                 </a:srgbClr>
               </a:gs>
               <a:gs pos="75000">
@@ -1968,12 +2405,18 @@
             <a:noAutofit/>
           </a:bodyPr>
           <a:p>
+            <a:pPr>
+              <a:lnSpc>
+                <a:spcPct val="100000"/>
+              </a:lnSpc>
+            </a:pPr>
             <a:endParaRPr b="0" lang="en-US" sz="2400" strike="noStrike" u="none">
               <a:solidFill>
                 <a:srgbClr val="ffffff"/>
               </a:solidFill>
               <a:uFillTx/>
               <a:latin typeface="Arial"/>
+              <a:ea typeface="DejaVu Sans"/>
             </a:endParaRPr>
           </a:p>
         </p:txBody>
@@ -1981,111 +2424,18 @@
       <p:sp>
         <p:nvSpPr>
           <p:cNvPr id="21" name=""/>
-          <p:cNvSpPr txBox="1"/>
-          <p:nvPr/>
-        </p:nvSpPr>
-        <p:spPr>
-          <a:xfrm>
-            <a:off x="180360" y="5130360"/>
-            <a:ext cx="2340000" cy="392400"/>
-          </a:xfrm>
-          <a:prstGeom prst="rect">
-            <a:avLst/>
-          </a:prstGeom>
-          <a:noFill/>
-          <a:ln w="0">
-            <a:noFill/>
-          </a:ln>
-        </p:spPr>
-        <p:txBody>
-          <a:bodyPr lIns="0" rIns="0" tIns="0" bIns="0" anchor="b">
-            <a:noAutofit/>
-          </a:bodyPr>
-          <a:p>
-            <a:r>
-              <a:rPr b="0" lang="en-US" sz="1400" strike="noStrike" u="none">
-                <a:solidFill>
-                  <a:srgbClr val="ffffff"/>
-                </a:solidFill>
-                <a:uFillTx/>
-                <a:latin typeface="Arial"/>
-              </a:rPr>
-              <a:t>&lt;date/time&gt;</a:t>
-            </a:r>
-            <a:endParaRPr b="0" lang="en-US" sz="1400" strike="noStrike" u="none">
-              <a:solidFill>
-                <a:srgbClr val="ffffff"/>
-              </a:solidFill>
-              <a:uFillTx/>
-              <a:latin typeface="Arial"/>
-            </a:endParaRPr>
-          </a:p>
-        </p:txBody>
-      </p:sp>
-      <p:sp>
-        <p:nvSpPr>
-          <p:cNvPr id="22" name=""/>
-          <p:cNvSpPr txBox="1"/>
-          <p:nvPr/>
-        </p:nvSpPr>
-        <p:spPr>
-          <a:xfrm>
-            <a:off x="7560360" y="5130360"/>
-            <a:ext cx="2340000" cy="392400"/>
-          </a:xfrm>
-          <a:prstGeom prst="rect">
-            <a:avLst/>
-          </a:prstGeom>
-          <a:noFill/>
-          <a:ln w="0">
-            <a:noFill/>
-          </a:ln>
-        </p:spPr>
-        <p:txBody>
-          <a:bodyPr lIns="0" rIns="0" tIns="0" bIns="0" anchor="b">
-            <a:noAutofit/>
-          </a:bodyPr>
-          <a:p>
-            <a:pPr algn="r"/>
-            <a:fld id="{FC6A37AA-90CE-43E0-A52E-A46DC41EDBE7}" type="slidenum">
-              <a:rPr b="0" lang="en-US" sz="1400" strike="noStrike" u="none">
-                <a:solidFill>
-                  <a:srgbClr val="ffffff"/>
-                </a:solidFill>
-                <a:uFillTx/>
-                <a:latin typeface="Arial"/>
-              </a:rPr>
-              <a:t>&lt;number&gt;</a:t>
-            </a:fld>
-            <a:endParaRPr b="0" lang="en-US" sz="1400" strike="noStrike" u="none">
-              <a:solidFill>
-                <a:srgbClr val="ffffff"/>
-              </a:solidFill>
-              <a:uFillTx/>
-              <a:latin typeface="Arial"/>
-            </a:endParaRPr>
-          </a:p>
-        </p:txBody>
-      </p:sp>
-      <p:sp>
-        <p:nvSpPr>
-          <p:cNvPr id="23" name=""/>
           <p:cNvSpPr/>
           <p:nvPr/>
         </p:nvSpPr>
         <p:spPr>
           <a:xfrm>
-            <a:off x="1440360" y="1080360"/>
-            <a:ext cx="1440000" cy="1260000"/>
-          </a:xfrm>
-          <a:prstGeom prst="ellipse">
-            <a:avLst/>
-          </a:prstGeom>
-          <a:solidFill>
-            <a:srgbClr val="ffffff">
-              <a:alpha val="30000"/>
-            </a:srgbClr>
-          </a:solidFill>
+            <a:off x="180360" y="5130360"/>
+            <a:ext cx="2339640" cy="392040"/>
+          </a:xfrm>
+          <a:prstGeom prst="rect">
+            <a:avLst/>
+          </a:prstGeom>
+          <a:noFill/>
           <a:ln w="0">
             <a:noFill/>
           </a:ln>
@@ -2097,39 +2447,50 @@
           <a:fontRef idx="minor"/>
         </p:style>
         <p:txBody>
-          <a:bodyPr wrap="none" lIns="0" rIns="0" tIns="0" bIns="0" anchor="b">
+          <a:bodyPr lIns="0" rIns="0" tIns="0" bIns="0" anchor="b">
             <a:noAutofit/>
           </a:bodyPr>
           <a:p>
-            <a:endParaRPr b="0" lang="en-US" sz="2400" strike="noStrike" u="none">
-              <a:solidFill>
-                <a:srgbClr val="ffffff"/>
-              </a:solidFill>
-              <a:uFillTx/>
-              <a:latin typeface="Arial"/>
-            </a:endParaRPr>
-          </a:p>
-        </p:txBody>
-      </p:sp>
-      <p:sp>
-        <p:nvSpPr>
-          <p:cNvPr id="24" name=""/>
+            <a:pPr>
+              <a:lnSpc>
+                <a:spcPct val="100000"/>
+              </a:lnSpc>
+            </a:pPr>
+            <a:r>
+              <a:rPr b="0" lang="en-US" sz="1400" strike="noStrike" u="none">
+                <a:solidFill>
+                  <a:srgbClr val="ffffff"/>
+                </a:solidFill>
+                <a:uFillTx/>
+                <a:latin typeface="Arial"/>
+              </a:rPr>
+              <a:t>&lt;date/time&gt;</a:t>
+            </a:r>
+            <a:endParaRPr b="0" lang="en-US" sz="1400" strike="noStrike" u="none">
+              <a:solidFill>
+                <a:srgbClr val="000000"/>
+              </a:solidFill>
+              <a:uFillTx/>
+              <a:latin typeface="Arial"/>
+            </a:endParaRPr>
+          </a:p>
+        </p:txBody>
+      </p:sp>
+      <p:sp>
+        <p:nvSpPr>
+          <p:cNvPr id="22" name=""/>
           <p:cNvSpPr/>
           <p:nvPr/>
         </p:nvSpPr>
         <p:spPr>
           <a:xfrm>
-            <a:off x="7380360" y="3960360"/>
-            <a:ext cx="1440000" cy="1260000"/>
-          </a:xfrm>
-          <a:prstGeom prst="ellipse">
-            <a:avLst/>
-          </a:prstGeom>
-          <a:solidFill>
-            <a:srgbClr val="ffffff">
-              <a:alpha val="30000"/>
-            </a:srgbClr>
-          </a:solidFill>
+            <a:off x="7560360" y="5130360"/>
+            <a:ext cx="2339640" cy="392040"/>
+          </a:xfrm>
+          <a:prstGeom prst="rect">
+            <a:avLst/>
+          </a:prstGeom>
+          <a:noFill/>
           <a:ln w="0">
             <a:noFill/>
           </a:ln>
@@ -2141,37 +2502,52 @@
           <a:fontRef idx="minor"/>
         </p:style>
         <p:txBody>
-          <a:bodyPr wrap="none" lIns="0" rIns="0" tIns="0" bIns="0" anchor="b">
+          <a:bodyPr lIns="0" rIns="0" tIns="0" bIns="0" anchor="b">
             <a:noAutofit/>
           </a:bodyPr>
           <a:p>
-            <a:endParaRPr b="0" lang="en-US" sz="2400" strike="noStrike" u="none">
-              <a:solidFill>
-                <a:srgbClr val="ffffff"/>
-              </a:solidFill>
-              <a:uFillTx/>
-              <a:latin typeface="Arial"/>
-            </a:endParaRPr>
-          </a:p>
-        </p:txBody>
-      </p:sp>
-      <p:sp>
-        <p:nvSpPr>
-          <p:cNvPr id="25" name=""/>
+            <a:pPr algn="r">
+              <a:lnSpc>
+                <a:spcPct val="100000"/>
+              </a:lnSpc>
+            </a:pPr>
+            <a:fld id="{DC675478-8C03-4A1F-8038-613CE37BDB57}" type="slidenum">
+              <a:rPr b="0" lang="en-US" sz="1400" strike="noStrike" u="none">
+                <a:solidFill>
+                  <a:srgbClr val="ffffff"/>
+                </a:solidFill>
+                <a:uFillTx/>
+                <a:latin typeface="Arial"/>
+              </a:rPr>
+              <a:t>1</a:t>
+            </a:fld>
+            <a:endParaRPr b="0" lang="en-US" sz="1400" strike="noStrike" u="none">
+              <a:solidFill>
+                <a:srgbClr val="000000"/>
+              </a:solidFill>
+              <a:uFillTx/>
+              <a:latin typeface="Arial"/>
+            </a:endParaRPr>
+          </a:p>
+        </p:txBody>
+      </p:sp>
+      <p:sp>
+        <p:nvSpPr>
+          <p:cNvPr id="23" name=""/>
           <p:cNvSpPr/>
           <p:nvPr/>
         </p:nvSpPr>
         <p:spPr>
           <a:xfrm>
-            <a:off x="9000360" y="2700360"/>
-            <a:ext cx="1260000" cy="1080000"/>
+            <a:off x="1440360" y="1080360"/>
+            <a:ext cx="1439640" cy="1259640"/>
           </a:xfrm>
           <a:prstGeom prst="ellipse">
             <a:avLst/>
           </a:prstGeom>
           <a:solidFill>
             <a:srgbClr val="ffffff">
-              <a:alpha val="20000"/>
+              <a:alpha val="30000"/>
             </a:srgbClr>
           </a:solidFill>
           <a:ln w="0">
@@ -2189,33 +2565,39 @@
             <a:noAutofit/>
           </a:bodyPr>
           <a:p>
+            <a:pPr>
+              <a:lnSpc>
+                <a:spcPct val="100000"/>
+              </a:lnSpc>
+            </a:pPr>
             <a:endParaRPr b="0" lang="en-US" sz="2400" strike="noStrike" u="none">
               <a:solidFill>
                 <a:srgbClr val="ffffff"/>
               </a:solidFill>
               <a:uFillTx/>
               <a:latin typeface="Arial"/>
-            </a:endParaRPr>
-          </a:p>
-        </p:txBody>
-      </p:sp>
-      <p:sp>
-        <p:nvSpPr>
-          <p:cNvPr id="26" name=""/>
+              <a:ea typeface="DejaVu Sans"/>
+            </a:endParaRPr>
+          </a:p>
+        </p:txBody>
+      </p:sp>
+      <p:sp>
+        <p:nvSpPr>
+          <p:cNvPr id="24" name=""/>
           <p:cNvSpPr/>
           <p:nvPr/>
         </p:nvSpPr>
         <p:spPr>
           <a:xfrm>
-            <a:off x="-179640" y="2430360"/>
-            <a:ext cx="1440000" cy="1350000"/>
+            <a:off x="7380360" y="3960360"/>
+            <a:ext cx="1439640" cy="1259640"/>
           </a:xfrm>
           <a:prstGeom prst="ellipse">
             <a:avLst/>
           </a:prstGeom>
           <a:solidFill>
             <a:srgbClr val="ffffff">
-              <a:alpha val="20000"/>
+              <a:alpha val="30000"/>
             </a:srgbClr>
           </a:solidFill>
           <a:ln w="0">
@@ -2233,26 +2615,32 @@
             <a:noAutofit/>
           </a:bodyPr>
           <a:p>
+            <a:pPr>
+              <a:lnSpc>
+                <a:spcPct val="100000"/>
+              </a:lnSpc>
+            </a:pPr>
             <a:endParaRPr b="0" lang="en-US" sz="2400" strike="noStrike" u="none">
               <a:solidFill>
                 <a:srgbClr val="ffffff"/>
               </a:solidFill>
               <a:uFillTx/>
               <a:latin typeface="Arial"/>
-            </a:endParaRPr>
-          </a:p>
-        </p:txBody>
-      </p:sp>
-      <p:sp>
-        <p:nvSpPr>
-          <p:cNvPr id="27" name=""/>
+              <a:ea typeface="DejaVu Sans"/>
+            </a:endParaRPr>
+          </a:p>
+        </p:txBody>
+      </p:sp>
+      <p:sp>
+        <p:nvSpPr>
+          <p:cNvPr id="25" name=""/>
           <p:cNvSpPr/>
           <p:nvPr/>
         </p:nvSpPr>
         <p:spPr>
           <a:xfrm>
-            <a:off x="540360" y="1080360"/>
-            <a:ext cx="720000" cy="720000"/>
+            <a:off x="9000360" y="2700360"/>
+            <a:ext cx="1259640" cy="1079640"/>
           </a:xfrm>
           <a:prstGeom prst="ellipse">
             <a:avLst/>
@@ -2277,33 +2665,39 @@
             <a:noAutofit/>
           </a:bodyPr>
           <a:p>
+            <a:pPr>
+              <a:lnSpc>
+                <a:spcPct val="100000"/>
+              </a:lnSpc>
+            </a:pPr>
             <a:endParaRPr b="0" lang="en-US" sz="2400" strike="noStrike" u="none">
               <a:solidFill>
                 <a:srgbClr val="ffffff"/>
               </a:solidFill>
               <a:uFillTx/>
               <a:latin typeface="Arial"/>
-            </a:endParaRPr>
-          </a:p>
-        </p:txBody>
-      </p:sp>
-      <p:sp>
-        <p:nvSpPr>
-          <p:cNvPr id="28" name=""/>
+              <a:ea typeface="DejaVu Sans"/>
+            </a:endParaRPr>
+          </a:p>
+        </p:txBody>
+      </p:sp>
+      <p:sp>
+        <p:nvSpPr>
+          <p:cNvPr id="26" name=""/>
           <p:cNvSpPr/>
           <p:nvPr/>
         </p:nvSpPr>
         <p:spPr>
           <a:xfrm>
-            <a:off x="360" y="1260360"/>
-            <a:ext cx="720000" cy="720000"/>
+            <a:off x="-179640" y="2430360"/>
+            <a:ext cx="1439640" cy="1349640"/>
           </a:xfrm>
           <a:prstGeom prst="ellipse">
             <a:avLst/>
           </a:prstGeom>
           <a:solidFill>
             <a:srgbClr val="ffffff">
-              <a:alpha val="10000"/>
+              <a:alpha val="20000"/>
             </a:srgbClr>
           </a:solidFill>
           <a:ln w="0">
@@ -2321,33 +2715,39 @@
             <a:noAutofit/>
           </a:bodyPr>
           <a:p>
+            <a:pPr>
+              <a:lnSpc>
+                <a:spcPct val="100000"/>
+              </a:lnSpc>
+            </a:pPr>
             <a:endParaRPr b="0" lang="en-US" sz="2400" strike="noStrike" u="none">
               <a:solidFill>
                 <a:srgbClr val="ffffff"/>
               </a:solidFill>
               <a:uFillTx/>
               <a:latin typeface="Arial"/>
-            </a:endParaRPr>
-          </a:p>
-        </p:txBody>
-      </p:sp>
-      <p:sp>
-        <p:nvSpPr>
-          <p:cNvPr id="29" name=""/>
+              <a:ea typeface="DejaVu Sans"/>
+            </a:endParaRPr>
+          </a:p>
+        </p:txBody>
+      </p:sp>
+      <p:sp>
+        <p:nvSpPr>
+          <p:cNvPr id="27" name=""/>
           <p:cNvSpPr/>
           <p:nvPr/>
         </p:nvSpPr>
         <p:spPr>
           <a:xfrm>
-            <a:off x="360" y="5220360"/>
-            <a:ext cx="1620000" cy="1260000"/>
+            <a:off x="540360" y="1080360"/>
+            <a:ext cx="719640" cy="719640"/>
           </a:xfrm>
           <a:prstGeom prst="ellipse">
             <a:avLst/>
           </a:prstGeom>
           <a:solidFill>
             <a:srgbClr val="ffffff">
-              <a:alpha val="15000"/>
+              <a:alpha val="20000"/>
             </a:srgbClr>
           </a:solidFill>
           <a:ln w="0">
@@ -2365,33 +2765,39 @@
             <a:noAutofit/>
           </a:bodyPr>
           <a:p>
+            <a:pPr>
+              <a:lnSpc>
+                <a:spcPct val="100000"/>
+              </a:lnSpc>
+            </a:pPr>
             <a:endParaRPr b="0" lang="en-US" sz="2400" strike="noStrike" u="none">
               <a:solidFill>
                 <a:srgbClr val="ffffff"/>
               </a:solidFill>
               <a:uFillTx/>
               <a:latin typeface="Arial"/>
-            </a:endParaRPr>
-          </a:p>
-        </p:txBody>
-      </p:sp>
-      <p:sp>
-        <p:nvSpPr>
-          <p:cNvPr id="30" name=""/>
+              <a:ea typeface="DejaVu Sans"/>
+            </a:endParaRPr>
+          </a:p>
+        </p:txBody>
+      </p:sp>
+      <p:sp>
+        <p:nvSpPr>
+          <p:cNvPr id="28" name=""/>
           <p:cNvSpPr/>
           <p:nvPr/>
         </p:nvSpPr>
         <p:spPr>
           <a:xfrm>
-            <a:off x="9720360" y="4680360"/>
-            <a:ext cx="720000" cy="720000"/>
+            <a:off x="360" y="1260360"/>
+            <a:ext cx="719640" cy="719640"/>
           </a:xfrm>
           <a:prstGeom prst="ellipse">
             <a:avLst/>
           </a:prstGeom>
           <a:solidFill>
             <a:srgbClr val="ffffff">
-              <a:alpha val="30000"/>
+              <a:alpha val="10000"/>
             </a:srgbClr>
           </a:solidFill>
           <a:ln w="0">
@@ -2409,33 +2815,39 @@
             <a:noAutofit/>
           </a:bodyPr>
           <a:p>
+            <a:pPr>
+              <a:lnSpc>
+                <a:spcPct val="100000"/>
+              </a:lnSpc>
+            </a:pPr>
             <a:endParaRPr b="0" lang="en-US" sz="2400" strike="noStrike" u="none">
               <a:solidFill>
                 <a:srgbClr val="ffffff"/>
               </a:solidFill>
               <a:uFillTx/>
               <a:latin typeface="Arial"/>
-            </a:endParaRPr>
-          </a:p>
-        </p:txBody>
-      </p:sp>
-      <p:sp>
-        <p:nvSpPr>
-          <p:cNvPr id="31" name=""/>
+              <a:ea typeface="DejaVu Sans"/>
+            </a:endParaRPr>
+          </a:p>
+        </p:txBody>
+      </p:sp>
+      <p:sp>
+        <p:nvSpPr>
+          <p:cNvPr id="29" name=""/>
           <p:cNvSpPr/>
           <p:nvPr/>
         </p:nvSpPr>
         <p:spPr>
           <a:xfrm>
-            <a:off x="9540360" y="3420360"/>
-            <a:ext cx="720000" cy="720000"/>
+            <a:off x="360" y="5220360"/>
+            <a:ext cx="1619640" cy="1259640"/>
           </a:xfrm>
           <a:prstGeom prst="ellipse">
             <a:avLst/>
           </a:prstGeom>
           <a:solidFill>
             <a:srgbClr val="ffffff">
-              <a:alpha val="10000"/>
+              <a:alpha val="15000"/>
             </a:srgbClr>
           </a:solidFill>
           <a:ln w="0">
@@ -2453,33 +2865,39 @@
             <a:noAutofit/>
           </a:bodyPr>
           <a:p>
+            <a:pPr>
+              <a:lnSpc>
+                <a:spcPct val="100000"/>
+              </a:lnSpc>
+            </a:pPr>
             <a:endParaRPr b="0" lang="en-US" sz="2400" strike="noStrike" u="none">
               <a:solidFill>
                 <a:srgbClr val="ffffff"/>
               </a:solidFill>
               <a:uFillTx/>
               <a:latin typeface="Arial"/>
-            </a:endParaRPr>
-          </a:p>
-        </p:txBody>
-      </p:sp>
-      <p:sp>
-        <p:nvSpPr>
-          <p:cNvPr id="32" name=""/>
+              <a:ea typeface="DejaVu Sans"/>
+            </a:endParaRPr>
+          </a:p>
+        </p:txBody>
+      </p:sp>
+      <p:sp>
+        <p:nvSpPr>
+          <p:cNvPr id="30" name=""/>
           <p:cNvSpPr/>
           <p:nvPr/>
         </p:nvSpPr>
         <p:spPr>
           <a:xfrm>
-            <a:off x="8100360" y="4680360"/>
-            <a:ext cx="1080000" cy="842400"/>
+            <a:off x="9720360" y="4680360"/>
+            <a:ext cx="719640" cy="719640"/>
           </a:xfrm>
           <a:prstGeom prst="ellipse">
             <a:avLst/>
           </a:prstGeom>
           <a:solidFill>
             <a:srgbClr val="ffffff">
-              <a:alpha val="20000"/>
+              <a:alpha val="30000"/>
             </a:srgbClr>
           </a:solidFill>
           <a:ln w="0">
@@ -2497,33 +2915,39 @@
             <a:noAutofit/>
           </a:bodyPr>
           <a:p>
+            <a:pPr>
+              <a:lnSpc>
+                <a:spcPct val="100000"/>
+              </a:lnSpc>
+            </a:pPr>
             <a:endParaRPr b="0" lang="en-US" sz="2400" strike="noStrike" u="none">
               <a:solidFill>
                 <a:srgbClr val="ffffff"/>
               </a:solidFill>
               <a:uFillTx/>
               <a:latin typeface="Arial"/>
-            </a:endParaRPr>
-          </a:p>
-        </p:txBody>
-      </p:sp>
-      <p:sp>
-        <p:nvSpPr>
-          <p:cNvPr id="33" name=""/>
+              <a:ea typeface="DejaVu Sans"/>
+            </a:endParaRPr>
+          </a:p>
+        </p:txBody>
+      </p:sp>
+      <p:sp>
+        <p:nvSpPr>
+          <p:cNvPr id="31" name=""/>
           <p:cNvSpPr/>
           <p:nvPr/>
         </p:nvSpPr>
         <p:spPr>
           <a:xfrm>
-            <a:off x="7920360" y="5400360"/>
-            <a:ext cx="900000" cy="900000"/>
+            <a:off x="9540360" y="3420360"/>
+            <a:ext cx="719640" cy="719640"/>
           </a:xfrm>
           <a:prstGeom prst="ellipse">
             <a:avLst/>
           </a:prstGeom>
           <a:solidFill>
             <a:srgbClr val="ffffff">
-              <a:alpha val="25000"/>
+              <a:alpha val="10000"/>
             </a:srgbClr>
           </a:solidFill>
           <a:ln w="0">
@@ -2541,12 +2965,118 @@
             <a:noAutofit/>
           </a:bodyPr>
           <a:p>
+            <a:pPr>
+              <a:lnSpc>
+                <a:spcPct val="100000"/>
+              </a:lnSpc>
+            </a:pPr>
             <a:endParaRPr b="0" lang="en-US" sz="2400" strike="noStrike" u="none">
               <a:solidFill>
                 <a:srgbClr val="ffffff"/>
               </a:solidFill>
               <a:uFillTx/>
               <a:latin typeface="Arial"/>
+              <a:ea typeface="DejaVu Sans"/>
+            </a:endParaRPr>
+          </a:p>
+        </p:txBody>
+      </p:sp>
+      <p:sp>
+        <p:nvSpPr>
+          <p:cNvPr id="32" name=""/>
+          <p:cNvSpPr/>
+          <p:nvPr/>
+        </p:nvSpPr>
+        <p:spPr>
+          <a:xfrm>
+            <a:off x="8100360" y="4680360"/>
+            <a:ext cx="1079640" cy="842040"/>
+          </a:xfrm>
+          <a:prstGeom prst="ellipse">
+            <a:avLst/>
+          </a:prstGeom>
+          <a:solidFill>
+            <a:srgbClr val="ffffff">
+              <a:alpha val="20000"/>
+            </a:srgbClr>
+          </a:solidFill>
+          <a:ln w="0">
+            <a:noFill/>
+          </a:ln>
+        </p:spPr>
+        <p:style>
+          <a:lnRef idx="0"/>
+          <a:fillRef idx="0"/>
+          <a:effectRef idx="0"/>
+          <a:fontRef idx="minor"/>
+        </p:style>
+        <p:txBody>
+          <a:bodyPr wrap="none" lIns="0" rIns="0" tIns="0" bIns="0" anchor="b">
+            <a:noAutofit/>
+          </a:bodyPr>
+          <a:p>
+            <a:pPr>
+              <a:lnSpc>
+                <a:spcPct val="100000"/>
+              </a:lnSpc>
+            </a:pPr>
+            <a:endParaRPr b="0" lang="en-US" sz="2400" strike="noStrike" u="none">
+              <a:solidFill>
+                <a:srgbClr val="ffffff"/>
+              </a:solidFill>
+              <a:uFillTx/>
+              <a:latin typeface="Arial"/>
+              <a:ea typeface="DejaVu Sans"/>
+            </a:endParaRPr>
+          </a:p>
+        </p:txBody>
+      </p:sp>
+      <p:sp>
+        <p:nvSpPr>
+          <p:cNvPr id="33" name=""/>
+          <p:cNvSpPr/>
+          <p:nvPr/>
+        </p:nvSpPr>
+        <p:spPr>
+          <a:xfrm>
+            <a:off x="7920360" y="5400360"/>
+            <a:ext cx="899640" cy="899640"/>
+          </a:xfrm>
+          <a:prstGeom prst="ellipse">
+            <a:avLst/>
+          </a:prstGeom>
+          <a:solidFill>
+            <a:srgbClr val="ffffff">
+              <a:alpha val="25000"/>
+            </a:srgbClr>
+          </a:solidFill>
+          <a:ln w="0">
+            <a:noFill/>
+          </a:ln>
+        </p:spPr>
+        <p:style>
+          <a:lnRef idx="0"/>
+          <a:fillRef idx="0"/>
+          <a:effectRef idx="0"/>
+          <a:fontRef idx="minor"/>
+        </p:style>
+        <p:txBody>
+          <a:bodyPr wrap="none" lIns="0" rIns="0" tIns="0" bIns="0" anchor="b">
+            <a:noAutofit/>
+          </a:bodyPr>
+          <a:p>
+            <a:pPr>
+              <a:lnSpc>
+                <a:spcPct val="100000"/>
+              </a:lnSpc>
+            </a:pPr>
+            <a:endParaRPr b="0" lang="en-US" sz="2400" strike="noStrike" u="none">
+              <a:solidFill>
+                <a:srgbClr val="ffffff"/>
+              </a:solidFill>
+              <a:uFillTx/>
+              <a:latin typeface="Arial"/>
+              <a:ea typeface="DejaVu Sans"/>
             </a:endParaRPr>
           </a:p>
         </p:txBody>
@@ -2564,7 +3094,7 @@
         <p:spPr>
           <a:xfrm>
             <a:off x="540000" y="270000"/>
-            <a:ext cx="9000000" cy="990000"/>
+            <a:ext cx="8999640" cy="989640"/>
           </a:xfrm>
           <a:prstGeom prst="rect">
             <a:avLst/>
@@ -2579,22 +3109,22 @@
             <a:noAutofit/>
           </a:bodyPr>
           <a:p>
-            <a:pPr indent="0" algn="ctr">
+            <a:pPr indent="0">
               <a:buNone/>
             </a:pPr>
             <a:r>
-              <a:rPr b="0" lang="en-US" sz="3300" strike="noStrike" u="none">
-                <a:solidFill>
-                  <a:srgbClr val="ffffff"/>
+              <a:rPr b="0" lang="en-US" sz="1800" strike="noStrike" u="none">
+                <a:solidFill>
+                  <a:srgbClr val="000000"/>
                 </a:solidFill>
                 <a:uFillTx/>
                 <a:latin typeface="Arial"/>
               </a:rPr>
               <a:t>Click to edit the title text format</a:t>
             </a:r>
-            <a:endParaRPr b="0" lang="en-US" sz="3300" strike="noStrike" u="none">
-              <a:solidFill>
-                <a:srgbClr val="ffffff"/>
+            <a:endParaRPr b="0" lang="en-US" sz="1800" strike="noStrike" u="none">
+              <a:solidFill>
+                <a:srgbClr val="000000"/>
               </a:solidFill>
               <a:uFillTx/>
               <a:latin typeface="Arial"/>
@@ -2609,238 +3139,70 @@
             <a:spLocks noGrp="1"/>
           </p:cNvSpPr>
           <p:nvPr>
-            <p:ph type="body"/>
+            <p:ph type="ftr" idx="4"/>
           </p:nvPr>
         </p:nvSpPr>
         <p:spPr>
           <a:xfrm>
-            <a:off x="540000" y="1440000"/>
-            <a:ext cx="9000000" cy="3600000"/>
+            <a:off x="3420000" y="5130000"/>
+            <a:ext cx="3239640" cy="392040"/>
           </a:xfrm>
           <a:prstGeom prst="rect">
             <a:avLst/>
           </a:prstGeom>
-          <a:solidFill>
-            <a:srgbClr val="ffffff">
-              <a:alpha val="50000"/>
-            </a:srgbClr>
-          </a:solidFill>
-          <a:ln w="0">
-            <a:noFill/>
-          </a:ln>
-        </p:spPr>
-        <p:txBody>
-          <a:bodyPr lIns="0" rIns="0" tIns="0" bIns="0" anchor="t">
-            <a:normAutofit/>
-          </a:bodyPr>
-          <a:p>
-            <a:pPr marL="432000" indent="-324000">
-              <a:spcAft>
-                <a:spcPts val="1057"/>
-              </a:spcAft>
-              <a:buClr>
-                <a:srgbClr val="000000"/>
-              </a:buClr>
-              <a:buSzPct val="45000"/>
-              <a:buFont typeface="Wingdings" charset="2"/>
-              <a:buChar char=""/>
-            </a:pPr>
-            <a:r>
-              <a:rPr b="0" lang="en-US" sz="2400" strike="noStrike" u="none">
-                <a:solidFill>
-                  <a:srgbClr val="000000"/>
-                </a:solidFill>
-                <a:uFillTx/>
-                <a:latin typeface="Arial"/>
-              </a:rPr>
-              <a:t>Click to edit the outline text format</a:t>
-            </a:r>
-            <a:endParaRPr b="0" lang="en-US" sz="2400" strike="noStrike" u="none">
-              <a:solidFill>
-                <a:srgbClr val="000000"/>
-              </a:solidFill>
-              <a:uFillTx/>
-              <a:latin typeface="Arial"/>
-            </a:endParaRPr>
-          </a:p>
-          <a:p>
-            <a:pPr lvl="1" marL="864000" indent="-324000">
-              <a:spcAft>
-                <a:spcPts val="845"/>
-              </a:spcAft>
-              <a:buClr>
-                <a:srgbClr val="000000"/>
-              </a:buClr>
-              <a:buSzPct val="75000"/>
-              <a:buFont typeface="Symbol" charset="2"/>
-              <a:buChar char=""/>
-            </a:pPr>
-            <a:r>
-              <a:rPr b="0" lang="en-US" sz="2100" strike="noStrike" u="none">
-                <a:solidFill>
-                  <a:srgbClr val="000000"/>
-                </a:solidFill>
-                <a:uFillTx/>
-                <a:latin typeface="Arial"/>
-              </a:rPr>
-              <a:t>Second Outline Level</a:t>
-            </a:r>
-            <a:endParaRPr b="0" lang="en-US" sz="2100" strike="noStrike" u="none">
-              <a:solidFill>
-                <a:srgbClr val="000000"/>
-              </a:solidFill>
-              <a:uFillTx/>
-              <a:latin typeface="Arial"/>
-            </a:endParaRPr>
-          </a:p>
-          <a:p>
-            <a:pPr lvl="2" marL="1296000" indent="-288000">
-              <a:spcAft>
-                <a:spcPts val="632"/>
-              </a:spcAft>
-              <a:buClr>
-                <a:srgbClr val="000000"/>
-              </a:buClr>
-              <a:buSzPct val="45000"/>
-              <a:buFont typeface="Wingdings" charset="2"/>
-              <a:buChar char=""/>
-            </a:pPr>
-            <a:r>
-              <a:rPr b="0" lang="en-US" sz="1800" strike="noStrike" u="none">
-                <a:solidFill>
-                  <a:srgbClr val="000000"/>
-                </a:solidFill>
-                <a:uFillTx/>
-                <a:latin typeface="Arial"/>
-              </a:rPr>
-              <a:t>Third Outline Level</a:t>
-            </a:r>
-            <a:endParaRPr b="0" lang="en-US" sz="1800" strike="noStrike" u="none">
-              <a:solidFill>
-                <a:srgbClr val="000000"/>
-              </a:solidFill>
-              <a:uFillTx/>
-              <a:latin typeface="Arial"/>
-            </a:endParaRPr>
-          </a:p>
-          <a:p>
-            <a:pPr lvl="3" marL="1728000" indent="-216000">
-              <a:spcAft>
-                <a:spcPts val="425"/>
-              </a:spcAft>
-              <a:buClr>
-                <a:srgbClr val="000000"/>
-              </a:buClr>
-              <a:buSzPct val="75000"/>
-              <a:buFont typeface="Symbol" charset="2"/>
-              <a:buChar char=""/>
-            </a:pPr>
-            <a:r>
-              <a:rPr b="0" lang="en-US" sz="1500" strike="noStrike" u="none">
-                <a:solidFill>
-                  <a:srgbClr val="000000"/>
-                </a:solidFill>
-                <a:uFillTx/>
-                <a:latin typeface="Arial"/>
-              </a:rPr>
-              <a:t>Fourth Outline Level</a:t>
-            </a:r>
-            <a:endParaRPr b="0" lang="en-US" sz="1500" strike="noStrike" u="none">
-              <a:solidFill>
-                <a:srgbClr val="000000"/>
-              </a:solidFill>
-              <a:uFillTx/>
-              <a:latin typeface="Arial"/>
-            </a:endParaRPr>
-          </a:p>
-          <a:p>
-            <a:pPr lvl="4" marL="2160000" indent="-216000">
-              <a:spcAft>
-                <a:spcPts val="213"/>
-              </a:spcAft>
-              <a:buClr>
-                <a:srgbClr val="000000"/>
-              </a:buClr>
-              <a:buSzPct val="45000"/>
-              <a:buFont typeface="Wingdings" charset="2"/>
-              <a:buChar char=""/>
-            </a:pPr>
-            <a:r>
-              <a:rPr b="0" lang="en-US" sz="1500" strike="noStrike" u="none">
-                <a:solidFill>
-                  <a:srgbClr val="000000"/>
-                </a:solidFill>
-                <a:uFillTx/>
-                <a:latin typeface="Arial"/>
-              </a:rPr>
-              <a:t>Fifth Outline Level</a:t>
-            </a:r>
-            <a:endParaRPr b="0" lang="en-US" sz="1500" strike="noStrike" u="none">
-              <a:solidFill>
-                <a:srgbClr val="000000"/>
-              </a:solidFill>
-              <a:uFillTx/>
-              <a:latin typeface="Arial"/>
-            </a:endParaRPr>
-          </a:p>
-          <a:p>
-            <a:pPr lvl="5" marL="2592000" indent="-216000">
-              <a:spcAft>
-                <a:spcPts val="213"/>
-              </a:spcAft>
-              <a:buClr>
-                <a:srgbClr val="000000"/>
-              </a:buClr>
-              <a:buSzPct val="45000"/>
-              <a:buFont typeface="Wingdings" charset="2"/>
-              <a:buChar char=""/>
-            </a:pPr>
-            <a:r>
-              <a:rPr b="0" lang="en-US" sz="1500" strike="noStrike" u="none">
-                <a:solidFill>
-                  <a:srgbClr val="000000"/>
-                </a:solidFill>
-                <a:uFillTx/>
-                <a:latin typeface="Arial"/>
-              </a:rPr>
-              <a:t>Sixth Outline Level</a:t>
-            </a:r>
-            <a:endParaRPr b="0" lang="en-US" sz="1500" strike="noStrike" u="none">
-              <a:solidFill>
-                <a:srgbClr val="000000"/>
-              </a:solidFill>
-              <a:uFillTx/>
-              <a:latin typeface="Arial"/>
-            </a:endParaRPr>
-          </a:p>
-          <a:p>
-            <a:pPr lvl="6" marL="3024000" indent="-216000">
-              <a:spcAft>
-                <a:spcPts val="213"/>
-              </a:spcAft>
-              <a:buClr>
-                <a:srgbClr val="000000"/>
-              </a:buClr>
-              <a:buSzPct val="45000"/>
-              <a:buFont typeface="Wingdings" charset="2"/>
-              <a:buChar char=""/>
-            </a:pPr>
-            <a:r>
-              <a:rPr b="0" lang="en-US" sz="1500" strike="noStrike" u="none">
-                <a:solidFill>
-                  <a:srgbClr val="000000"/>
-                </a:solidFill>
-                <a:uFillTx/>
-                <a:latin typeface="Arial"/>
-              </a:rPr>
-              <a:t>Seventh Outline Level</a:t>
-            </a:r>
-            <a:endParaRPr b="0" lang="en-US" sz="1500" strike="noStrike" u="none">
-              <a:solidFill>
-                <a:srgbClr val="000000"/>
-              </a:solidFill>
-              <a:uFillTx/>
-              <a:latin typeface="Arial"/>
+          <a:noFill/>
+          <a:ln w="0">
+            <a:noFill/>
+          </a:ln>
+        </p:spPr>
+        <p:txBody>
+          <a:bodyPr lIns="0" rIns="0" tIns="0" bIns="0" anchor="b">
+            <a:noAutofit/>
+          </a:bodyPr>
+          <a:lstStyle>
+            <a:lvl1pPr indent="0" algn="ctr">
+              <a:lnSpc>
+                <a:spcPct val="100000"/>
+              </a:lnSpc>
+              <a:buNone/>
+              <a:tabLst>
+                <a:tab algn="l" pos="0"/>
+              </a:tabLst>
+              <a:defRPr b="0" lang="en-US" sz="1400" strike="noStrike" u="none">
+                <a:solidFill>
+                  <a:srgbClr val="ffffff"/>
+                </a:solidFill>
+                <a:uFillTx/>
+                <a:latin typeface="Arial"/>
+              </a:defRPr>
+            </a:lvl1pPr>
+          </a:lstStyle>
+          <a:p>
+            <a:pPr indent="0" algn="ctr">
+              <a:lnSpc>
+                <a:spcPct val="100000"/>
+              </a:lnSpc>
+              <a:buNone/>
+              <a:tabLst>
+                <a:tab algn="l" pos="0"/>
+              </a:tabLst>
+            </a:pPr>
+            <a:r>
+              <a:rPr b="0" lang="en-US" sz="1400" strike="noStrike" u="none">
+                <a:solidFill>
+                  <a:srgbClr val="ffffff"/>
+                </a:solidFill>
+                <a:uFillTx/>
+                <a:latin typeface="Arial"/>
+              </a:rPr>
+              <a:t> </a:t>
+            </a:r>
+            <a:endParaRPr b="0" lang="en-US" sz="1400" strike="noStrike" u="none">
+              <a:solidFill>
+                <a:srgbClr val="000000"/>
+              </a:solidFill>
+              <a:uFillTx/>
+              <a:latin typeface="Times New Roman"/>
             </a:endParaRPr>
           </a:p>
         </p:txBody>
@@ -2852,13 +3214,13 @@
             <a:spLocks noGrp="1"/>
           </p:cNvSpPr>
           <p:nvPr>
-            <p:ph type="dt" idx="4"/>
+            <p:ph type="sldNum" idx="5"/>
           </p:nvPr>
         </p:nvSpPr>
         <p:spPr>
           <a:xfrm>
-            <a:off x="180000" y="5130000"/>
-            <a:ext cx="2340000" cy="392400"/>
+            <a:off x="7560000" y="5130000"/>
+            <a:ext cx="2339640" cy="392040"/>
           </a:xfrm>
           <a:prstGeom prst="rect">
             <a:avLst/>
@@ -2873,8 +3235,14 @@
             <a:noAutofit/>
           </a:bodyPr>
           <a:lstStyle>
-            <a:lvl1pPr indent="0">
+            <a:lvl1pPr indent="0" algn="r">
+              <a:lnSpc>
+                <a:spcPct val="100000"/>
+              </a:lnSpc>
               <a:buNone/>
+              <a:tabLst>
+                <a:tab algn="l" pos="0"/>
+              </a:tabLst>
               <a:defRPr b="0" lang="en-US" sz="1400" strike="noStrike" u="none">
                 <a:solidFill>
                   <a:srgbClr val="ffffff"/>
@@ -2885,10 +3253,16 @@
             </a:lvl1pPr>
           </a:lstStyle>
           <a:p>
-            <a:pPr indent="0">
+            <a:pPr indent="0" algn="r">
+              <a:lnSpc>
+                <a:spcPct val="100000"/>
+              </a:lnSpc>
               <a:buNone/>
-            </a:pPr>
-            <a:r>
+              <a:tabLst>
+                <a:tab algn="l" pos="0"/>
+              </a:tabLst>
+            </a:pPr>
+            <a:fld id="{A10D510D-F08C-4208-87F7-BAB188AFD2DD}" type="slidenum">
               <a:rPr b="0" lang="en-US" sz="1400" strike="noStrike" u="none">
                 <a:solidFill>
                   <a:srgbClr val="ffffff"/>
@@ -2896,14 +3270,14 @@
                 <a:uFillTx/>
                 <a:latin typeface="Arial"/>
               </a:rPr>
-              <a:t>&lt;date/time&gt;</a:t>
-            </a:r>
+              <a:t>1</a:t>
+            </a:fld>
             <a:endParaRPr b="0" lang="en-US" sz="1400" strike="noStrike" u="none">
               <a:solidFill>
-                <a:srgbClr val="ffffff"/>
-              </a:solidFill>
-              <a:uFillTx/>
-              <a:latin typeface="Arial"/>
+                <a:srgbClr val="000000"/>
+              </a:solidFill>
+              <a:uFillTx/>
+              <a:latin typeface="Times New Roman"/>
             </a:endParaRPr>
           </a:p>
         </p:txBody>
@@ -2915,13 +3289,13 @@
             <a:spLocks noGrp="1"/>
           </p:cNvSpPr>
           <p:nvPr>
-            <p:ph type="ftr" idx="5"/>
+            <p:ph type="dt" idx="6"/>
           </p:nvPr>
         </p:nvSpPr>
         <p:spPr>
           <a:xfrm>
-            <a:off x="3420000" y="5130000"/>
-            <a:ext cx="3240000" cy="392400"/>
+            <a:off x="180000" y="5130000"/>
+            <a:ext cx="2339640" cy="392040"/>
           </a:xfrm>
           <a:prstGeom prst="rect">
             <a:avLst/>
@@ -2936,100 +3310,37 @@
             <a:noAutofit/>
           </a:bodyPr>
           <a:lstStyle>
-            <a:lvl1pPr indent="0" algn="ctr">
+            <a:lvl1pPr indent="0">
               <a:buNone/>
               <a:defRPr b="0" lang="en-US" sz="1400" strike="noStrike" u="none">
                 <a:solidFill>
-                  <a:srgbClr val="ffffff"/>
-                </a:solidFill>
-                <a:uFillTx/>
-                <a:latin typeface="Arial"/>
+                  <a:srgbClr val="000000"/>
+                </a:solidFill>
+                <a:uFillTx/>
+                <a:latin typeface="Times New Roman"/>
               </a:defRPr>
             </a:lvl1pPr>
           </a:lstStyle>
           <a:p>
-            <a:pPr indent="0" algn="ctr">
+            <a:pPr indent="0">
               <a:buNone/>
             </a:pPr>
             <a:r>
               <a:rPr b="0" lang="en-US" sz="1400" strike="noStrike" u="none">
                 <a:solidFill>
-                  <a:srgbClr val="ffffff"/>
-                </a:solidFill>
-                <a:uFillTx/>
-                <a:latin typeface="Arial"/>
-              </a:rPr>
-              <a:t>&lt;footer&gt;</a:t>
+                  <a:srgbClr val="000000"/>
+                </a:solidFill>
+                <a:uFillTx/>
+                <a:latin typeface="Times New Roman"/>
+              </a:rPr>
+              <a:t> </a:t>
             </a:r>
             <a:endParaRPr b="0" lang="en-US" sz="1400" strike="noStrike" u="none">
               <a:solidFill>
-                <a:srgbClr val="ffffff"/>
-              </a:solidFill>
-              <a:uFillTx/>
-              <a:latin typeface="Arial"/>
-            </a:endParaRPr>
-          </a:p>
-        </p:txBody>
-      </p:sp>
-      <p:sp>
-        <p:nvSpPr>
-          <p:cNvPr id="38" name="PlaceHolder 5"/>
-          <p:cNvSpPr>
-            <a:spLocks noGrp="1"/>
-          </p:cNvSpPr>
-          <p:nvPr>
-            <p:ph type="sldNum" idx="6"/>
-          </p:nvPr>
-        </p:nvSpPr>
-        <p:spPr>
-          <a:xfrm>
-            <a:off x="7560000" y="5130000"/>
-            <a:ext cx="2340000" cy="392400"/>
-          </a:xfrm>
-          <a:prstGeom prst="rect">
-            <a:avLst/>
-          </a:prstGeom>
-          <a:noFill/>
-          <a:ln w="0">
-            <a:noFill/>
-          </a:ln>
-        </p:spPr>
-        <p:txBody>
-          <a:bodyPr lIns="0" rIns="0" tIns="0" bIns="0" anchor="b">
-            <a:noAutofit/>
-          </a:bodyPr>
-          <a:lstStyle>
-            <a:lvl1pPr indent="0" algn="r">
-              <a:buNone/>
-              <a:defRPr b="0" lang="en-US" sz="1400" strike="noStrike" u="none">
-                <a:solidFill>
-                  <a:srgbClr val="ffffff"/>
-                </a:solidFill>
-                <a:uFillTx/>
-                <a:latin typeface="Arial"/>
-              </a:defRPr>
-            </a:lvl1pPr>
-          </a:lstStyle>
-          <a:p>
-            <a:pPr indent="0" algn="r">
-              <a:buNone/>
-            </a:pPr>
-            <a:fld id="{3DE1FE46-34E0-470C-81AC-CDC8170AE54B}" type="slidenum">
-              <a:rPr b="0" lang="en-US" sz="1400" strike="noStrike" u="none">
-                <a:solidFill>
-                  <a:srgbClr val="ffffff"/>
-                </a:solidFill>
-                <a:uFillTx/>
-                <a:latin typeface="Arial"/>
-              </a:rPr>
-              <a:t>&lt;number&gt;</a:t>
-            </a:fld>
-            <a:endParaRPr b="0" lang="en-US" sz="1400" strike="noStrike" u="none">
-              <a:solidFill>
-                <a:srgbClr val="ffffff"/>
-              </a:solidFill>
-              <a:uFillTx/>
-              <a:latin typeface="Arial"/>
+                <a:srgbClr val="000000"/>
+              </a:solidFill>
+              <a:uFillTx/>
+              <a:latin typeface="Times New Roman"/>
             </a:endParaRPr>
           </a:p>
         </p:txBody>
@@ -3062,14 +3373,14 @@
       </p:grpSpPr>
       <p:sp>
         <p:nvSpPr>
-          <p:cNvPr id="41" name=""/>
+          <p:cNvPr id="40" name=""/>
           <p:cNvSpPr/>
           <p:nvPr/>
         </p:nvSpPr>
         <p:spPr>
           <a:xfrm>
             <a:off x="0" y="360"/>
-            <a:ext cx="10080000" cy="5669640"/>
+            <a:ext cx="10079640" cy="5669280"/>
           </a:xfrm>
           <a:prstGeom prst="rect">
             <a:avLst/>
@@ -3100,26 +3411,32 @@
             <a:noAutofit/>
           </a:bodyPr>
           <a:p>
+            <a:pPr>
+              <a:lnSpc>
+                <a:spcPct val="100000"/>
+              </a:lnSpc>
+            </a:pPr>
             <a:endParaRPr b="0" lang="en-US" sz="2400" strike="noStrike" u="none">
               <a:solidFill>
                 <a:srgbClr val="000000"/>
               </a:solidFill>
               <a:uFillTx/>
               <a:latin typeface="Arial"/>
-            </a:endParaRPr>
-          </a:p>
-        </p:txBody>
-      </p:sp>
-      <p:sp>
-        <p:nvSpPr>
-          <p:cNvPr id="42" name=""/>
+              <a:ea typeface="DejaVu Sans"/>
+            </a:endParaRPr>
+          </a:p>
+        </p:txBody>
+      </p:sp>
+      <p:sp>
+        <p:nvSpPr>
+          <p:cNvPr id="41" name=""/>
           <p:cNvSpPr/>
           <p:nvPr/>
         </p:nvSpPr>
         <p:spPr>
           <a:xfrm flipH="1">
             <a:off x="-2520" y="0"/>
-            <a:ext cx="10080360" cy="5670360"/>
+            <a:ext cx="10080000" cy="5670000"/>
           </a:xfrm>
           <a:prstGeom prst="rect">
             <a:avLst/>
@@ -3128,7 +3445,7 @@
             <a:gsLst>
               <a:gs pos="0">
                 <a:srgbClr val="ffffff">
-                  <a:alpha val="90196"/>
+                  <a:alpha val="90000"/>
                 </a:srgbClr>
               </a:gs>
               <a:gs pos="75000">
@@ -3156,26 +3473,32 @@
             <a:noAutofit/>
           </a:bodyPr>
           <a:p>
+            <a:pPr>
+              <a:lnSpc>
+                <a:spcPct val="100000"/>
+              </a:lnSpc>
+            </a:pPr>
             <a:endParaRPr b="0" lang="en-US" sz="2400" strike="noStrike" u="none">
               <a:solidFill>
                 <a:srgbClr val="000000"/>
               </a:solidFill>
               <a:uFillTx/>
               <a:latin typeface="Arial"/>
-            </a:endParaRPr>
-          </a:p>
-        </p:txBody>
-      </p:sp>
-      <p:sp>
-        <p:nvSpPr>
-          <p:cNvPr id="43" name=""/>
+              <a:ea typeface="DejaVu Sans"/>
+            </a:endParaRPr>
+          </a:p>
+        </p:txBody>
+      </p:sp>
+      <p:sp>
+        <p:nvSpPr>
+          <p:cNvPr id="42" name=""/>
           <p:cNvSpPr/>
           <p:nvPr/>
         </p:nvSpPr>
         <p:spPr>
           <a:xfrm>
             <a:off x="0" y="1260360"/>
-            <a:ext cx="10260000" cy="4499640"/>
+            <a:ext cx="10259640" cy="4499280"/>
           </a:xfrm>
           <a:prstGeom prst="rect">
             <a:avLst/>
@@ -3198,124 +3521,37 @@
             <a:noAutofit/>
           </a:bodyPr>
           <a:p>
+            <a:pPr>
+              <a:lnSpc>
+                <a:spcPct val="100000"/>
+              </a:lnSpc>
+            </a:pPr>
             <a:endParaRPr b="0" lang="en-US" sz="2400" strike="noStrike" u="none">
               <a:solidFill>
                 <a:srgbClr val="000000"/>
               </a:solidFill>
               <a:uFillTx/>
               <a:latin typeface="Arial"/>
-            </a:endParaRPr>
-          </a:p>
-        </p:txBody>
-      </p:sp>
-      <p:sp>
-        <p:nvSpPr>
-          <p:cNvPr id="44" name=""/>
-          <p:cNvSpPr txBox="1"/>
-          <p:nvPr/>
-        </p:nvSpPr>
-        <p:spPr>
-          <a:xfrm>
-            <a:off x="180360" y="5130360"/>
-            <a:ext cx="2340000" cy="392400"/>
-          </a:xfrm>
-          <a:prstGeom prst="rect">
-            <a:avLst/>
-          </a:prstGeom>
-          <a:noFill/>
-          <a:ln w="0">
-            <a:noFill/>
-          </a:ln>
-        </p:spPr>
-        <p:txBody>
-          <a:bodyPr lIns="0" rIns="0" tIns="0" bIns="0" anchor="b">
-            <a:noAutofit/>
-          </a:bodyPr>
-          <a:p>
-            <a:r>
-              <a:rPr b="0" lang="en-US" sz="1400" strike="noStrike" u="none">
-                <a:solidFill>
-                  <a:srgbClr val="000000"/>
-                </a:solidFill>
-                <a:uFillTx/>
-                <a:latin typeface="Arial"/>
-              </a:rPr>
-              <a:t>&lt;date/time&gt;</a:t>
-            </a:r>
-            <a:endParaRPr b="0" lang="en-US" sz="1400" strike="noStrike" u="none">
-              <a:solidFill>
-                <a:srgbClr val="000000"/>
-              </a:solidFill>
-              <a:uFillTx/>
-              <a:latin typeface="Arial"/>
-            </a:endParaRPr>
-          </a:p>
-        </p:txBody>
-      </p:sp>
-      <p:sp>
-        <p:nvSpPr>
-          <p:cNvPr id="45" name=""/>
-          <p:cNvSpPr txBox="1"/>
-          <p:nvPr/>
-        </p:nvSpPr>
-        <p:spPr>
-          <a:xfrm>
-            <a:off x="7560360" y="5130360"/>
-            <a:ext cx="2340000" cy="392400"/>
-          </a:xfrm>
-          <a:prstGeom prst="rect">
-            <a:avLst/>
-          </a:prstGeom>
-          <a:noFill/>
-          <a:ln w="0">
-            <a:noFill/>
-          </a:ln>
-        </p:spPr>
-        <p:txBody>
-          <a:bodyPr lIns="0" rIns="0" tIns="0" bIns="0" anchor="b">
-            <a:noAutofit/>
-          </a:bodyPr>
-          <a:p>
-            <a:pPr algn="r"/>
-            <a:fld id="{006C2F98-7BEC-4279-9B06-775860B0433F}" type="slidenum">
-              <a:rPr b="0" lang="en-US" sz="1400" strike="noStrike" u="none">
-                <a:solidFill>
-                  <a:srgbClr val="000000"/>
-                </a:solidFill>
-                <a:uFillTx/>
-                <a:latin typeface="Arial"/>
-              </a:rPr>
-              <a:t>&lt;number&gt;</a:t>
-            </a:fld>
-            <a:endParaRPr b="0" lang="en-US" sz="1400" strike="noStrike" u="none">
-              <a:solidFill>
-                <a:srgbClr val="000000"/>
-              </a:solidFill>
-              <a:uFillTx/>
-              <a:latin typeface="Arial"/>
-            </a:endParaRPr>
-          </a:p>
-        </p:txBody>
-      </p:sp>
-      <p:sp>
-        <p:nvSpPr>
-          <p:cNvPr id="46" name=""/>
+              <a:ea typeface="DejaVu Sans"/>
+            </a:endParaRPr>
+          </a:p>
+        </p:txBody>
+      </p:sp>
+      <p:sp>
+        <p:nvSpPr>
+          <p:cNvPr id="43" name=""/>
           <p:cNvSpPr/>
           <p:nvPr/>
         </p:nvSpPr>
         <p:spPr>
           <a:xfrm>
-            <a:off x="1440360" y="1080360"/>
-            <a:ext cx="1440000" cy="1260000"/>
-          </a:xfrm>
-          <a:prstGeom prst="ellipse">
-            <a:avLst/>
-          </a:prstGeom>
-          <a:solidFill>
-            <a:srgbClr val="ffffff">
-              <a:alpha val="30000"/>
-            </a:srgbClr>
-          </a:solidFill>
+            <a:off x="180360" y="5130360"/>
+            <a:ext cx="2339640" cy="392040"/>
+          </a:xfrm>
+          <a:prstGeom prst="rect">
+            <a:avLst/>
+          </a:prstGeom>
+          <a:noFill/>
           <a:ln w="0">
             <a:noFill/>
           </a:ln>
@@ -3327,39 +3563,50 @@
           <a:fontRef idx="minor"/>
         </p:style>
         <p:txBody>
-          <a:bodyPr wrap="none" lIns="0" rIns="0" tIns="0" bIns="0" anchor="b">
+          <a:bodyPr lIns="0" rIns="0" tIns="0" bIns="0" anchor="b">
             <a:noAutofit/>
           </a:bodyPr>
           <a:p>
-            <a:endParaRPr b="0" lang="en-US" sz="2400" strike="noStrike" u="none">
-              <a:solidFill>
-                <a:srgbClr val="000000"/>
-              </a:solidFill>
-              <a:uFillTx/>
-              <a:latin typeface="Arial"/>
-            </a:endParaRPr>
-          </a:p>
-        </p:txBody>
-      </p:sp>
-      <p:sp>
-        <p:nvSpPr>
-          <p:cNvPr id="47" name=""/>
+            <a:pPr>
+              <a:lnSpc>
+                <a:spcPct val="100000"/>
+              </a:lnSpc>
+            </a:pPr>
+            <a:r>
+              <a:rPr b="0" lang="en-US" sz="1400" strike="noStrike" u="none">
+                <a:solidFill>
+                  <a:srgbClr val="000000"/>
+                </a:solidFill>
+                <a:uFillTx/>
+                <a:latin typeface="Arial"/>
+              </a:rPr>
+              <a:t>&lt;date/time&gt;</a:t>
+            </a:r>
+            <a:endParaRPr b="0" lang="en-US" sz="1400" strike="noStrike" u="none">
+              <a:solidFill>
+                <a:srgbClr val="000000"/>
+              </a:solidFill>
+              <a:uFillTx/>
+              <a:latin typeface="Arial"/>
+            </a:endParaRPr>
+          </a:p>
+        </p:txBody>
+      </p:sp>
+      <p:sp>
+        <p:nvSpPr>
+          <p:cNvPr id="44" name=""/>
           <p:cNvSpPr/>
           <p:nvPr/>
         </p:nvSpPr>
         <p:spPr>
           <a:xfrm>
-            <a:off x="7380360" y="3960360"/>
-            <a:ext cx="1440000" cy="1260000"/>
-          </a:xfrm>
-          <a:prstGeom prst="ellipse">
-            <a:avLst/>
-          </a:prstGeom>
-          <a:solidFill>
-            <a:srgbClr val="ffffff">
-              <a:alpha val="30000"/>
-            </a:srgbClr>
-          </a:solidFill>
+            <a:off x="7560360" y="5130360"/>
+            <a:ext cx="2339640" cy="392040"/>
+          </a:xfrm>
+          <a:prstGeom prst="rect">
+            <a:avLst/>
+          </a:prstGeom>
+          <a:noFill/>
           <a:ln w="0">
             <a:noFill/>
           </a:ln>
@@ -3371,37 +3618,52 @@
           <a:fontRef idx="minor"/>
         </p:style>
         <p:txBody>
-          <a:bodyPr wrap="none" lIns="0" rIns="0" tIns="0" bIns="0" anchor="b">
+          <a:bodyPr lIns="0" rIns="0" tIns="0" bIns="0" anchor="b">
             <a:noAutofit/>
           </a:bodyPr>
           <a:p>
-            <a:endParaRPr b="0" lang="en-US" sz="2400" strike="noStrike" u="none">
-              <a:solidFill>
-                <a:srgbClr val="000000"/>
-              </a:solidFill>
-              <a:uFillTx/>
-              <a:latin typeface="Arial"/>
-            </a:endParaRPr>
-          </a:p>
-        </p:txBody>
-      </p:sp>
-      <p:sp>
-        <p:nvSpPr>
-          <p:cNvPr id="48" name=""/>
+            <a:pPr algn="r">
+              <a:lnSpc>
+                <a:spcPct val="100000"/>
+              </a:lnSpc>
+            </a:pPr>
+            <a:fld id="{6EE46258-441A-4E41-A770-5B388A0EF644}" type="slidenum">
+              <a:rPr b="0" lang="en-US" sz="1400" strike="noStrike" u="none">
+                <a:solidFill>
+                  <a:srgbClr val="000000"/>
+                </a:solidFill>
+                <a:uFillTx/>
+                <a:latin typeface="Arial"/>
+              </a:rPr>
+              <a:t>1</a:t>
+            </a:fld>
+            <a:endParaRPr b="0" lang="en-US" sz="1400" strike="noStrike" u="none">
+              <a:solidFill>
+                <a:srgbClr val="000000"/>
+              </a:solidFill>
+              <a:uFillTx/>
+              <a:latin typeface="Arial"/>
+            </a:endParaRPr>
+          </a:p>
+        </p:txBody>
+      </p:sp>
+      <p:sp>
+        <p:nvSpPr>
+          <p:cNvPr id="45" name=""/>
           <p:cNvSpPr/>
           <p:nvPr/>
         </p:nvSpPr>
         <p:spPr>
           <a:xfrm>
-            <a:off x="540360" y="1080360"/>
-            <a:ext cx="720000" cy="720000"/>
+            <a:off x="1440360" y="1080360"/>
+            <a:ext cx="1439640" cy="1259640"/>
           </a:xfrm>
           <a:prstGeom prst="ellipse">
             <a:avLst/>
           </a:prstGeom>
           <a:solidFill>
             <a:srgbClr val="ffffff">
-              <a:alpha val="20000"/>
+              <a:alpha val="30000"/>
             </a:srgbClr>
           </a:solidFill>
           <a:ln w="0">
@@ -3419,33 +3681,39 @@
             <a:noAutofit/>
           </a:bodyPr>
           <a:p>
+            <a:pPr>
+              <a:lnSpc>
+                <a:spcPct val="100000"/>
+              </a:lnSpc>
+            </a:pPr>
             <a:endParaRPr b="0" lang="en-US" sz="2400" strike="noStrike" u="none">
               <a:solidFill>
                 <a:srgbClr val="000000"/>
               </a:solidFill>
               <a:uFillTx/>
               <a:latin typeface="Arial"/>
-            </a:endParaRPr>
-          </a:p>
-        </p:txBody>
-      </p:sp>
-      <p:sp>
-        <p:nvSpPr>
-          <p:cNvPr id="49" name=""/>
+              <a:ea typeface="DejaVu Sans"/>
+            </a:endParaRPr>
+          </a:p>
+        </p:txBody>
+      </p:sp>
+      <p:sp>
+        <p:nvSpPr>
+          <p:cNvPr id="46" name=""/>
           <p:cNvSpPr/>
           <p:nvPr/>
         </p:nvSpPr>
         <p:spPr>
           <a:xfrm>
-            <a:off x="360" y="1260360"/>
-            <a:ext cx="720000" cy="720000"/>
+            <a:off x="7380360" y="3960360"/>
+            <a:ext cx="1439640" cy="1259640"/>
           </a:xfrm>
           <a:prstGeom prst="ellipse">
             <a:avLst/>
           </a:prstGeom>
           <a:solidFill>
             <a:srgbClr val="ffffff">
-              <a:alpha val="10000"/>
+              <a:alpha val="30000"/>
             </a:srgbClr>
           </a:solidFill>
           <a:ln w="0">
@@ -3463,19 +3731,125 @@
             <a:noAutofit/>
           </a:bodyPr>
           <a:p>
+            <a:pPr>
+              <a:lnSpc>
+                <a:spcPct val="100000"/>
+              </a:lnSpc>
+            </a:pPr>
             <a:endParaRPr b="0" lang="en-US" sz="2400" strike="noStrike" u="none">
               <a:solidFill>
                 <a:srgbClr val="000000"/>
               </a:solidFill>
               <a:uFillTx/>
               <a:latin typeface="Arial"/>
-            </a:endParaRPr>
-          </a:p>
-        </p:txBody>
-      </p:sp>
-      <p:sp>
-        <p:nvSpPr>
-          <p:cNvPr id="50" name="PlaceHolder 1"/>
+              <a:ea typeface="DejaVu Sans"/>
+            </a:endParaRPr>
+          </a:p>
+        </p:txBody>
+      </p:sp>
+      <p:sp>
+        <p:nvSpPr>
+          <p:cNvPr id="47" name=""/>
+          <p:cNvSpPr/>
+          <p:nvPr/>
+        </p:nvSpPr>
+        <p:spPr>
+          <a:xfrm>
+            <a:off x="540360" y="1080360"/>
+            <a:ext cx="719640" cy="719640"/>
+          </a:xfrm>
+          <a:prstGeom prst="ellipse">
+            <a:avLst/>
+          </a:prstGeom>
+          <a:solidFill>
+            <a:srgbClr val="ffffff">
+              <a:alpha val="20000"/>
+            </a:srgbClr>
+          </a:solidFill>
+          <a:ln w="0">
+            <a:noFill/>
+          </a:ln>
+        </p:spPr>
+        <p:style>
+          <a:lnRef idx="0"/>
+          <a:fillRef idx="0"/>
+          <a:effectRef idx="0"/>
+          <a:fontRef idx="minor"/>
+        </p:style>
+        <p:txBody>
+          <a:bodyPr wrap="none" lIns="0" rIns="0" tIns="0" bIns="0" anchor="b">
+            <a:noAutofit/>
+          </a:bodyPr>
+          <a:p>
+            <a:pPr>
+              <a:lnSpc>
+                <a:spcPct val="100000"/>
+              </a:lnSpc>
+            </a:pPr>
+            <a:endParaRPr b="0" lang="en-US" sz="2400" strike="noStrike" u="none">
+              <a:solidFill>
+                <a:srgbClr val="000000"/>
+              </a:solidFill>
+              <a:uFillTx/>
+              <a:latin typeface="Arial"/>
+              <a:ea typeface="DejaVu Sans"/>
+            </a:endParaRPr>
+          </a:p>
+        </p:txBody>
+      </p:sp>
+      <p:sp>
+        <p:nvSpPr>
+          <p:cNvPr id="48" name=""/>
+          <p:cNvSpPr/>
+          <p:nvPr/>
+        </p:nvSpPr>
+        <p:spPr>
+          <a:xfrm>
+            <a:off x="360" y="1260360"/>
+            <a:ext cx="719640" cy="719640"/>
+          </a:xfrm>
+          <a:prstGeom prst="ellipse">
+            <a:avLst/>
+          </a:prstGeom>
+          <a:solidFill>
+            <a:srgbClr val="ffffff">
+              <a:alpha val="10000"/>
+            </a:srgbClr>
+          </a:solidFill>
+          <a:ln w="0">
+            <a:noFill/>
+          </a:ln>
+        </p:spPr>
+        <p:style>
+          <a:lnRef idx="0"/>
+          <a:fillRef idx="0"/>
+          <a:effectRef idx="0"/>
+          <a:fontRef idx="minor"/>
+        </p:style>
+        <p:txBody>
+          <a:bodyPr wrap="none" lIns="0" rIns="0" tIns="0" bIns="0" anchor="b">
+            <a:noAutofit/>
+          </a:bodyPr>
+          <a:p>
+            <a:pPr>
+              <a:lnSpc>
+                <a:spcPct val="100000"/>
+              </a:lnSpc>
+            </a:pPr>
+            <a:endParaRPr b="0" lang="en-US" sz="2400" strike="noStrike" u="none">
+              <a:solidFill>
+                <a:srgbClr val="000000"/>
+              </a:solidFill>
+              <a:uFillTx/>
+              <a:latin typeface="Arial"/>
+              <a:ea typeface="DejaVu Sans"/>
+            </a:endParaRPr>
+          </a:p>
+        </p:txBody>
+      </p:sp>
+      <p:sp>
+        <p:nvSpPr>
+          <p:cNvPr id="49" name="PlaceHolder 1"/>
           <p:cNvSpPr>
             <a:spLocks noGrp="1"/>
           </p:cNvSpPr>
@@ -3486,7 +3860,7 @@
         <p:spPr>
           <a:xfrm>
             <a:off x="540000" y="270000"/>
-            <a:ext cx="9000000" cy="990000"/>
+            <a:ext cx="8999640" cy="989640"/>
           </a:xfrm>
           <a:prstGeom prst="rect">
             <a:avLst/>
@@ -3501,32 +3875,798 @@
             <a:noAutofit/>
           </a:bodyPr>
           <a:p>
+            <a:pPr indent="0">
+              <a:buNone/>
+            </a:pPr>
+            <a:r>
+              <a:rPr b="0" lang="en-US" sz="1800" strike="noStrike" u="none">
+                <a:solidFill>
+                  <a:srgbClr val="000000"/>
+                </a:solidFill>
+                <a:uFillTx/>
+                <a:latin typeface="Arial"/>
+              </a:rPr>
+              <a:t>Click to edit the title text format</a:t>
+            </a:r>
+            <a:endParaRPr b="0" lang="en-US" sz="1800" strike="noStrike" u="none">
+              <a:solidFill>
+                <a:srgbClr val="000000"/>
+              </a:solidFill>
+              <a:uFillTx/>
+              <a:latin typeface="Arial"/>
+            </a:endParaRPr>
+          </a:p>
+        </p:txBody>
+      </p:sp>
+      <p:sp>
+        <p:nvSpPr>
+          <p:cNvPr id="50" name="PlaceHolder 2"/>
+          <p:cNvSpPr>
+            <a:spLocks noGrp="1"/>
+          </p:cNvSpPr>
+          <p:nvPr>
+            <p:ph type="ftr" idx="7"/>
+          </p:nvPr>
+        </p:nvSpPr>
+        <p:spPr>
+          <a:xfrm>
+            <a:off x="3420000" y="5130000"/>
+            <a:ext cx="3239640" cy="392040"/>
+          </a:xfrm>
+          <a:prstGeom prst="rect">
+            <a:avLst/>
+          </a:prstGeom>
+          <a:noFill/>
+          <a:ln w="0">
+            <a:noFill/>
+          </a:ln>
+        </p:spPr>
+        <p:txBody>
+          <a:bodyPr lIns="0" rIns="0" tIns="0" bIns="0" anchor="b">
+            <a:noAutofit/>
+          </a:bodyPr>
+          <a:lstStyle>
+            <a:lvl1pPr indent="0" algn="ctr">
+              <a:lnSpc>
+                <a:spcPct val="100000"/>
+              </a:lnSpc>
+              <a:buNone/>
+              <a:tabLst>
+                <a:tab algn="l" pos="0"/>
+              </a:tabLst>
+              <a:defRPr b="0" lang="en-US" sz="1400" strike="noStrike" u="none">
+                <a:solidFill>
+                  <a:srgbClr val="000000"/>
+                </a:solidFill>
+                <a:uFillTx/>
+                <a:latin typeface="Arial"/>
+              </a:defRPr>
+            </a:lvl1pPr>
+          </a:lstStyle>
+          <a:p>
             <a:pPr indent="0" algn="ctr">
+              <a:lnSpc>
+                <a:spcPct val="100000"/>
+              </a:lnSpc>
               <a:buNone/>
-            </a:pPr>
-            <a:r>
-              <a:rPr b="0" lang="en-US" sz="3300" strike="noStrike" u="none">
-                <a:solidFill>
-                  <a:srgbClr val="ffffff"/>
+              <a:tabLst>
+                <a:tab algn="l" pos="0"/>
+              </a:tabLst>
+            </a:pPr>
+            <a:r>
+              <a:rPr b="0" lang="en-US" sz="1400" strike="noStrike" u="none">
+                <a:solidFill>
+                  <a:srgbClr val="000000"/>
+                </a:solidFill>
+                <a:uFillTx/>
+                <a:latin typeface="Arial"/>
+              </a:rPr>
+              <a:t> </a:t>
+            </a:r>
+            <a:endParaRPr b="0" lang="en-US" sz="1400" strike="noStrike" u="none">
+              <a:solidFill>
+                <a:srgbClr val="000000"/>
+              </a:solidFill>
+              <a:uFillTx/>
+              <a:latin typeface="Times New Roman"/>
+            </a:endParaRPr>
+          </a:p>
+        </p:txBody>
+      </p:sp>
+      <p:sp>
+        <p:nvSpPr>
+          <p:cNvPr id="51" name="PlaceHolder 3"/>
+          <p:cNvSpPr>
+            <a:spLocks noGrp="1"/>
+          </p:cNvSpPr>
+          <p:nvPr>
+            <p:ph type="sldNum" idx="8"/>
+          </p:nvPr>
+        </p:nvSpPr>
+        <p:spPr>
+          <a:xfrm>
+            <a:off x="7560000" y="5130000"/>
+            <a:ext cx="2339640" cy="392040"/>
+          </a:xfrm>
+          <a:prstGeom prst="rect">
+            <a:avLst/>
+          </a:prstGeom>
+          <a:noFill/>
+          <a:ln w="0">
+            <a:noFill/>
+          </a:ln>
+        </p:spPr>
+        <p:txBody>
+          <a:bodyPr lIns="0" rIns="0" tIns="0" bIns="0" anchor="b">
+            <a:noAutofit/>
+          </a:bodyPr>
+          <a:lstStyle>
+            <a:lvl1pPr indent="0" algn="r">
+              <a:lnSpc>
+                <a:spcPct val="100000"/>
+              </a:lnSpc>
+              <a:buNone/>
+              <a:tabLst>
+                <a:tab algn="l" pos="0"/>
+              </a:tabLst>
+              <a:defRPr b="0" lang="en-US" sz="1400" strike="noStrike" u="none">
+                <a:solidFill>
+                  <a:srgbClr val="000000"/>
+                </a:solidFill>
+                <a:uFillTx/>
+                <a:latin typeface="Arial"/>
+              </a:defRPr>
+            </a:lvl1pPr>
+          </a:lstStyle>
+          <a:p>
+            <a:pPr indent="0" algn="r">
+              <a:lnSpc>
+                <a:spcPct val="100000"/>
+              </a:lnSpc>
+              <a:buNone/>
+              <a:tabLst>
+                <a:tab algn="l" pos="0"/>
+              </a:tabLst>
+            </a:pPr>
+            <a:fld id="{FBE04326-49B6-4E53-AACC-F78A962D1683}" type="slidenum">
+              <a:rPr b="0" lang="en-US" sz="1400" strike="noStrike" u="none">
+                <a:solidFill>
+                  <a:srgbClr val="000000"/>
+                </a:solidFill>
+                <a:uFillTx/>
+                <a:latin typeface="Arial"/>
+              </a:rPr>
+              <a:t>1</a:t>
+            </a:fld>
+            <a:endParaRPr b="0" lang="en-US" sz="1400" strike="noStrike" u="none">
+              <a:solidFill>
+                <a:srgbClr val="000000"/>
+              </a:solidFill>
+              <a:uFillTx/>
+              <a:latin typeface="Times New Roman"/>
+            </a:endParaRPr>
+          </a:p>
+        </p:txBody>
+      </p:sp>
+      <p:sp>
+        <p:nvSpPr>
+          <p:cNvPr id="52" name="PlaceHolder 4"/>
+          <p:cNvSpPr>
+            <a:spLocks noGrp="1"/>
+          </p:cNvSpPr>
+          <p:nvPr>
+            <p:ph type="dt" idx="9"/>
+          </p:nvPr>
+        </p:nvSpPr>
+        <p:spPr>
+          <a:xfrm>
+            <a:off x="180000" y="5130000"/>
+            <a:ext cx="2339640" cy="392040"/>
+          </a:xfrm>
+          <a:prstGeom prst="rect">
+            <a:avLst/>
+          </a:prstGeom>
+          <a:noFill/>
+          <a:ln w="0">
+            <a:noFill/>
+          </a:ln>
+        </p:spPr>
+        <p:txBody>
+          <a:bodyPr lIns="0" rIns="0" tIns="0" bIns="0" anchor="b">
+            <a:noAutofit/>
+          </a:bodyPr>
+          <a:lstStyle>
+            <a:lvl1pPr indent="0">
+              <a:buNone/>
+              <a:defRPr b="0" lang="en-US" sz="1400" strike="noStrike" u="none">
+                <a:solidFill>
+                  <a:srgbClr val="000000"/>
+                </a:solidFill>
+                <a:uFillTx/>
+                <a:latin typeface="Times New Roman"/>
+              </a:defRPr>
+            </a:lvl1pPr>
+          </a:lstStyle>
+          <a:p>
+            <a:pPr indent="0">
+              <a:buNone/>
+            </a:pPr>
+            <a:r>
+              <a:rPr b="0" lang="en-US" sz="1400" strike="noStrike" u="none">
+                <a:solidFill>
+                  <a:srgbClr val="000000"/>
+                </a:solidFill>
+                <a:uFillTx/>
+                <a:latin typeface="Times New Roman"/>
+              </a:rPr>
+              <a:t> </a:t>
+            </a:r>
+            <a:endParaRPr b="0" lang="en-US" sz="1400" strike="noStrike" u="none">
+              <a:solidFill>
+                <a:srgbClr val="000000"/>
+              </a:solidFill>
+              <a:uFillTx/>
+              <a:latin typeface="Times New Roman"/>
+            </a:endParaRPr>
+          </a:p>
+        </p:txBody>
+      </p:sp>
+    </p:spTree>
+  </p:cSld>
+  <p:clrMap bg1="lt1" tx1="dk1" bg2="lt2" tx2="dk2" accent1="accent1" accent2="accent2" accent3="accent3" accent4="accent4" accent5="accent5" accent6="accent6" hlink="hlink" folHlink="folHlink"/>
+  <p:sldLayoutIdLst>
+    <p:sldLayoutId id="2147483653" r:id="rId2"/>
+  </p:sldLayoutIdLst>
+</p:sldMaster>
+</file>
+
+<file path=ppt/slideMasters/slideMaster4.xml><?xml version="1.0" encoding="utf-8"?>
+<p:sldMaster xmlns:a="http://schemas.openxmlformats.org/drawingml/2006/main" xmlns:p="http://schemas.openxmlformats.org/presentationml/2006/main" xmlns:r="http://schemas.openxmlformats.org/officeDocument/2006/relationships" xmlns:p14="http://schemas.microsoft.com/office/powerpoint/2010/main" xmlns:p15="http://schemas.microsoft.com/office/powerpoint/2012/main" xmlns:mc="http://schemas.openxmlformats.org/markup-compatibility/2006">
+  <p:cSld>
+    <p:spTree>
+      <p:nvGrpSpPr>
+        <p:cNvPr id="1" name=""/>
+        <p:cNvGrpSpPr/>
+        <p:nvPr/>
+      </p:nvGrpSpPr>
+      <p:grpSpPr>
+        <a:xfrm>
+          <a:off x="0" y="0"/>
+          <a:ext cx="0" cy="0"/>
+          <a:chOff x="0" y="0"/>
+          <a:chExt cx="0" cy="0"/>
+        </a:xfrm>
+      </p:grpSpPr>
+      <p:sp>
+        <p:nvSpPr>
+          <p:cNvPr id="55" name=""/>
+          <p:cNvSpPr/>
+          <p:nvPr/>
+        </p:nvSpPr>
+        <p:spPr>
+          <a:xfrm>
+            <a:off x="0" y="360"/>
+            <a:ext cx="10079640" cy="5669280"/>
+          </a:xfrm>
+          <a:prstGeom prst="rect">
+            <a:avLst/>
+          </a:prstGeom>
+          <a:gradFill rotWithShape="0">
+            <a:gsLst>
+              <a:gs pos="30000">
+                <a:srgbClr val="000032"/>
+              </a:gs>
+              <a:gs pos="100000">
+                <a:srgbClr val="f60063"/>
+              </a:gs>
+            </a:gsLst>
+            <a:lin ang="4200000"/>
+          </a:gradFill>
+          <a:ln w="0">
+            <a:noFill/>
+          </a:ln>
+        </p:spPr>
+        <p:style>
+          <a:lnRef idx="0"/>
+          <a:fillRef idx="0"/>
+          <a:effectRef idx="0"/>
+          <a:fontRef idx="minor"/>
+        </p:style>
+        <p:txBody>
+          <a:bodyPr wrap="none" lIns="0" rIns="0" tIns="0" bIns="0" anchor="b">
+            <a:noAutofit/>
+          </a:bodyPr>
+          <a:p>
+            <a:pPr>
+              <a:lnSpc>
+                <a:spcPct val="100000"/>
+              </a:lnSpc>
+            </a:pPr>
+            <a:endParaRPr b="0" lang="en-US" sz="2400" strike="noStrike" u="none">
+              <a:solidFill>
+                <a:srgbClr val="000000"/>
+              </a:solidFill>
+              <a:uFillTx/>
+              <a:latin typeface="Arial"/>
+              <a:ea typeface="DejaVu Sans"/>
+            </a:endParaRPr>
+          </a:p>
+        </p:txBody>
+      </p:sp>
+      <p:sp>
+        <p:nvSpPr>
+          <p:cNvPr id="56" name=""/>
+          <p:cNvSpPr/>
+          <p:nvPr/>
+        </p:nvSpPr>
+        <p:spPr>
+          <a:xfrm flipH="1">
+            <a:off x="-2520" y="0"/>
+            <a:ext cx="10080000" cy="5670000"/>
+          </a:xfrm>
+          <a:prstGeom prst="rect">
+            <a:avLst/>
+          </a:prstGeom>
+          <a:gradFill rotWithShape="0">
+            <a:gsLst>
+              <a:gs pos="0">
+                <a:srgbClr val="ffffff">
+                  <a:alpha val="90000"/>
+                </a:srgbClr>
+              </a:gs>
+              <a:gs pos="75000">
+                <a:srgbClr val="ffffff">
+                  <a:alpha val="20000"/>
+                </a:srgbClr>
+              </a:gs>
+            </a:gsLst>
+            <a:path path="circle">
+              <a:fillToRect l="50000" t="85000" r="50000" b="15000"/>
+            </a:path>
+          </a:gradFill>
+          <a:ln w="0">
+            <a:noFill/>
+          </a:ln>
+        </p:spPr>
+        <p:style>
+          <a:lnRef idx="0"/>
+          <a:fillRef idx="0"/>
+          <a:effectRef idx="0"/>
+          <a:fontRef idx="minor"/>
+        </p:style>
+        <p:txBody>
+          <a:bodyPr wrap="none" lIns="0" rIns="0" tIns="0" bIns="0" anchor="b">
+            <a:noAutofit/>
+          </a:bodyPr>
+          <a:p>
+            <a:pPr>
+              <a:lnSpc>
+                <a:spcPct val="100000"/>
+              </a:lnSpc>
+            </a:pPr>
+            <a:endParaRPr b="0" lang="en-US" sz="2400" strike="noStrike" u="none">
+              <a:solidFill>
+                <a:srgbClr val="000000"/>
+              </a:solidFill>
+              <a:uFillTx/>
+              <a:latin typeface="Arial"/>
+              <a:ea typeface="DejaVu Sans"/>
+            </a:endParaRPr>
+          </a:p>
+        </p:txBody>
+      </p:sp>
+      <p:sp>
+        <p:nvSpPr>
+          <p:cNvPr id="57" name=""/>
+          <p:cNvSpPr/>
+          <p:nvPr/>
+        </p:nvSpPr>
+        <p:spPr>
+          <a:xfrm>
+            <a:off x="0" y="1260360"/>
+            <a:ext cx="10259640" cy="4499280"/>
+          </a:xfrm>
+          <a:prstGeom prst="rect">
+            <a:avLst/>
+          </a:prstGeom>
+          <a:solidFill>
+            <a:srgbClr val="ffffff"/>
+          </a:solidFill>
+          <a:ln w="0">
+            <a:noFill/>
+          </a:ln>
+        </p:spPr>
+        <p:style>
+          <a:lnRef idx="0"/>
+          <a:fillRef idx="0"/>
+          <a:effectRef idx="0"/>
+          <a:fontRef idx="minor"/>
+        </p:style>
+        <p:txBody>
+          <a:bodyPr wrap="none" lIns="0" rIns="0" tIns="0" bIns="0" anchor="b">
+            <a:noAutofit/>
+          </a:bodyPr>
+          <a:p>
+            <a:pPr>
+              <a:lnSpc>
+                <a:spcPct val="100000"/>
+              </a:lnSpc>
+            </a:pPr>
+            <a:endParaRPr b="0" lang="en-US" sz="2400" strike="noStrike" u="none">
+              <a:solidFill>
+                <a:srgbClr val="000000"/>
+              </a:solidFill>
+              <a:uFillTx/>
+              <a:latin typeface="Arial"/>
+              <a:ea typeface="DejaVu Sans"/>
+            </a:endParaRPr>
+          </a:p>
+        </p:txBody>
+      </p:sp>
+      <p:sp>
+        <p:nvSpPr>
+          <p:cNvPr id="58" name=""/>
+          <p:cNvSpPr/>
+          <p:nvPr/>
+        </p:nvSpPr>
+        <p:spPr>
+          <a:xfrm>
+            <a:off x="180360" y="5130360"/>
+            <a:ext cx="2339640" cy="392040"/>
+          </a:xfrm>
+          <a:prstGeom prst="rect">
+            <a:avLst/>
+          </a:prstGeom>
+          <a:noFill/>
+          <a:ln w="0">
+            <a:noFill/>
+          </a:ln>
+        </p:spPr>
+        <p:style>
+          <a:lnRef idx="0"/>
+          <a:fillRef idx="0"/>
+          <a:effectRef idx="0"/>
+          <a:fontRef idx="minor"/>
+        </p:style>
+        <p:txBody>
+          <a:bodyPr lIns="0" rIns="0" tIns="0" bIns="0" anchor="b">
+            <a:noAutofit/>
+          </a:bodyPr>
+          <a:p>
+            <a:pPr>
+              <a:lnSpc>
+                <a:spcPct val="100000"/>
+              </a:lnSpc>
+            </a:pPr>
+            <a:r>
+              <a:rPr b="0" lang="en-US" sz="1400" strike="noStrike" u="none">
+                <a:solidFill>
+                  <a:srgbClr val="000000"/>
+                </a:solidFill>
+                <a:uFillTx/>
+                <a:latin typeface="Arial"/>
+              </a:rPr>
+              <a:t>&lt;date/time&gt;</a:t>
+            </a:r>
+            <a:endParaRPr b="0" lang="en-US" sz="1400" strike="noStrike" u="none">
+              <a:solidFill>
+                <a:srgbClr val="000000"/>
+              </a:solidFill>
+              <a:uFillTx/>
+              <a:latin typeface="Arial"/>
+            </a:endParaRPr>
+          </a:p>
+        </p:txBody>
+      </p:sp>
+      <p:sp>
+        <p:nvSpPr>
+          <p:cNvPr id="59" name=""/>
+          <p:cNvSpPr/>
+          <p:nvPr/>
+        </p:nvSpPr>
+        <p:spPr>
+          <a:xfrm>
+            <a:off x="7560360" y="5130360"/>
+            <a:ext cx="2339640" cy="392040"/>
+          </a:xfrm>
+          <a:prstGeom prst="rect">
+            <a:avLst/>
+          </a:prstGeom>
+          <a:noFill/>
+          <a:ln w="0">
+            <a:noFill/>
+          </a:ln>
+        </p:spPr>
+        <p:style>
+          <a:lnRef idx="0"/>
+          <a:fillRef idx="0"/>
+          <a:effectRef idx="0"/>
+          <a:fontRef idx="minor"/>
+        </p:style>
+        <p:txBody>
+          <a:bodyPr lIns="0" rIns="0" tIns="0" bIns="0" anchor="b">
+            <a:noAutofit/>
+          </a:bodyPr>
+          <a:p>
+            <a:pPr algn="r">
+              <a:lnSpc>
+                <a:spcPct val="100000"/>
+              </a:lnSpc>
+            </a:pPr>
+            <a:fld id="{E1CF92A3-9634-44C0-AAFE-E904A91C016C}" type="slidenum">
+              <a:rPr b="0" lang="en-US" sz="1400" strike="noStrike" u="none">
+                <a:solidFill>
+                  <a:srgbClr val="000000"/>
+                </a:solidFill>
+                <a:uFillTx/>
+                <a:latin typeface="Arial"/>
+              </a:rPr>
+              <a:t>1</a:t>
+            </a:fld>
+            <a:endParaRPr b="0" lang="en-US" sz="1400" strike="noStrike" u="none">
+              <a:solidFill>
+                <a:srgbClr val="000000"/>
+              </a:solidFill>
+              <a:uFillTx/>
+              <a:latin typeface="Arial"/>
+            </a:endParaRPr>
+          </a:p>
+        </p:txBody>
+      </p:sp>
+      <p:sp>
+        <p:nvSpPr>
+          <p:cNvPr id="60" name=""/>
+          <p:cNvSpPr/>
+          <p:nvPr/>
+        </p:nvSpPr>
+        <p:spPr>
+          <a:xfrm>
+            <a:off x="1440360" y="1080360"/>
+            <a:ext cx="1439640" cy="1259640"/>
+          </a:xfrm>
+          <a:prstGeom prst="ellipse">
+            <a:avLst/>
+          </a:prstGeom>
+          <a:solidFill>
+            <a:srgbClr val="ffffff">
+              <a:alpha val="30000"/>
+            </a:srgbClr>
+          </a:solidFill>
+          <a:ln w="0">
+            <a:noFill/>
+          </a:ln>
+        </p:spPr>
+        <p:style>
+          <a:lnRef idx="0"/>
+          <a:fillRef idx="0"/>
+          <a:effectRef idx="0"/>
+          <a:fontRef idx="minor"/>
+        </p:style>
+        <p:txBody>
+          <a:bodyPr wrap="none" lIns="0" rIns="0" tIns="0" bIns="0" anchor="b">
+            <a:noAutofit/>
+          </a:bodyPr>
+          <a:p>
+            <a:pPr>
+              <a:lnSpc>
+                <a:spcPct val="100000"/>
+              </a:lnSpc>
+            </a:pPr>
+            <a:endParaRPr b="0" lang="en-US" sz="2400" strike="noStrike" u="none">
+              <a:solidFill>
+                <a:srgbClr val="000000"/>
+              </a:solidFill>
+              <a:uFillTx/>
+              <a:latin typeface="Arial"/>
+              <a:ea typeface="DejaVu Sans"/>
+            </a:endParaRPr>
+          </a:p>
+        </p:txBody>
+      </p:sp>
+      <p:sp>
+        <p:nvSpPr>
+          <p:cNvPr id="61" name=""/>
+          <p:cNvSpPr/>
+          <p:nvPr/>
+        </p:nvSpPr>
+        <p:spPr>
+          <a:xfrm>
+            <a:off x="7380360" y="3960360"/>
+            <a:ext cx="1439640" cy="1259640"/>
+          </a:xfrm>
+          <a:prstGeom prst="ellipse">
+            <a:avLst/>
+          </a:prstGeom>
+          <a:solidFill>
+            <a:srgbClr val="ffffff">
+              <a:alpha val="30000"/>
+            </a:srgbClr>
+          </a:solidFill>
+          <a:ln w="0">
+            <a:noFill/>
+          </a:ln>
+        </p:spPr>
+        <p:style>
+          <a:lnRef idx="0"/>
+          <a:fillRef idx="0"/>
+          <a:effectRef idx="0"/>
+          <a:fontRef idx="minor"/>
+        </p:style>
+        <p:txBody>
+          <a:bodyPr wrap="none" lIns="0" rIns="0" tIns="0" bIns="0" anchor="b">
+            <a:noAutofit/>
+          </a:bodyPr>
+          <a:p>
+            <a:pPr>
+              <a:lnSpc>
+                <a:spcPct val="100000"/>
+              </a:lnSpc>
+            </a:pPr>
+            <a:endParaRPr b="0" lang="en-US" sz="2400" strike="noStrike" u="none">
+              <a:solidFill>
+                <a:srgbClr val="000000"/>
+              </a:solidFill>
+              <a:uFillTx/>
+              <a:latin typeface="Arial"/>
+              <a:ea typeface="DejaVu Sans"/>
+            </a:endParaRPr>
+          </a:p>
+        </p:txBody>
+      </p:sp>
+      <p:sp>
+        <p:nvSpPr>
+          <p:cNvPr id="62" name=""/>
+          <p:cNvSpPr/>
+          <p:nvPr/>
+        </p:nvSpPr>
+        <p:spPr>
+          <a:xfrm>
+            <a:off x="540360" y="1080360"/>
+            <a:ext cx="719640" cy="719640"/>
+          </a:xfrm>
+          <a:prstGeom prst="ellipse">
+            <a:avLst/>
+          </a:prstGeom>
+          <a:solidFill>
+            <a:srgbClr val="ffffff">
+              <a:alpha val="20000"/>
+            </a:srgbClr>
+          </a:solidFill>
+          <a:ln w="0">
+            <a:noFill/>
+          </a:ln>
+        </p:spPr>
+        <p:style>
+          <a:lnRef idx="0"/>
+          <a:fillRef idx="0"/>
+          <a:effectRef idx="0"/>
+          <a:fontRef idx="minor"/>
+        </p:style>
+        <p:txBody>
+          <a:bodyPr wrap="none" lIns="0" rIns="0" tIns="0" bIns="0" anchor="b">
+            <a:noAutofit/>
+          </a:bodyPr>
+          <a:p>
+            <a:pPr>
+              <a:lnSpc>
+                <a:spcPct val="100000"/>
+              </a:lnSpc>
+            </a:pPr>
+            <a:endParaRPr b="0" lang="en-US" sz="2400" strike="noStrike" u="none">
+              <a:solidFill>
+                <a:srgbClr val="000000"/>
+              </a:solidFill>
+              <a:uFillTx/>
+              <a:latin typeface="Arial"/>
+              <a:ea typeface="DejaVu Sans"/>
+            </a:endParaRPr>
+          </a:p>
+        </p:txBody>
+      </p:sp>
+      <p:sp>
+        <p:nvSpPr>
+          <p:cNvPr id="63" name=""/>
+          <p:cNvSpPr/>
+          <p:nvPr/>
+        </p:nvSpPr>
+        <p:spPr>
+          <a:xfrm>
+            <a:off x="360" y="1260360"/>
+            <a:ext cx="719640" cy="719640"/>
+          </a:xfrm>
+          <a:prstGeom prst="ellipse">
+            <a:avLst/>
+          </a:prstGeom>
+          <a:solidFill>
+            <a:srgbClr val="ffffff">
+              <a:alpha val="10000"/>
+            </a:srgbClr>
+          </a:solidFill>
+          <a:ln w="0">
+            <a:noFill/>
+          </a:ln>
+        </p:spPr>
+        <p:style>
+          <a:lnRef idx="0"/>
+          <a:fillRef idx="0"/>
+          <a:effectRef idx="0"/>
+          <a:fontRef idx="minor"/>
+        </p:style>
+        <p:txBody>
+          <a:bodyPr wrap="none" lIns="0" rIns="0" tIns="0" bIns="0" anchor="b">
+            <a:noAutofit/>
+          </a:bodyPr>
+          <a:p>
+            <a:pPr>
+              <a:lnSpc>
+                <a:spcPct val="100000"/>
+              </a:lnSpc>
+            </a:pPr>
+            <a:endParaRPr b="0" lang="en-US" sz="2400" strike="noStrike" u="none">
+              <a:solidFill>
+                <a:srgbClr val="000000"/>
+              </a:solidFill>
+              <a:uFillTx/>
+              <a:latin typeface="Arial"/>
+              <a:ea typeface="DejaVu Sans"/>
+            </a:endParaRPr>
+          </a:p>
+        </p:txBody>
+      </p:sp>
+      <p:sp>
+        <p:nvSpPr>
+          <p:cNvPr id="64" name="PlaceHolder 1"/>
+          <p:cNvSpPr>
+            <a:spLocks noGrp="1"/>
+          </p:cNvSpPr>
+          <p:nvPr>
+            <p:ph type="title"/>
+          </p:nvPr>
+        </p:nvSpPr>
+        <p:spPr>
+          <a:xfrm>
+            <a:off x="540000" y="270000"/>
+            <a:ext cx="8999640" cy="989640"/>
+          </a:xfrm>
+          <a:prstGeom prst="rect">
+            <a:avLst/>
+          </a:prstGeom>
+          <a:noFill/>
+          <a:ln w="0">
+            <a:noFill/>
+          </a:ln>
+        </p:spPr>
+        <p:txBody>
+          <a:bodyPr lIns="0" rIns="0" tIns="0" bIns="0" anchor="ctr">
+            <a:noAutofit/>
+          </a:bodyPr>
+          <a:p>
+            <a:pPr indent="0">
+              <a:buNone/>
+            </a:pPr>
+            <a:r>
+              <a:rPr b="0" lang="en-US" sz="1800" strike="noStrike" u="none">
+                <a:solidFill>
+                  <a:srgbClr val="000000"/>
                 </a:solidFill>
                 <a:uFillTx/>
                 <a:latin typeface="Arial"/>
               </a:rPr>
               <a:t>Click to edit the title text format</a:t>
             </a:r>
-            <a:endParaRPr b="0" lang="en-US" sz="3300" strike="noStrike" u="none">
-              <a:solidFill>
-                <a:srgbClr val="ffffff"/>
-              </a:solidFill>
-              <a:uFillTx/>
-              <a:latin typeface="Arial"/>
-            </a:endParaRPr>
-          </a:p>
-        </p:txBody>
-      </p:sp>
-      <p:sp>
-        <p:nvSpPr>
-          <p:cNvPr id="51" name="PlaceHolder 2"/>
+            <a:endParaRPr b="0" lang="en-US" sz="1800" strike="noStrike" u="none">
+              <a:solidFill>
+                <a:srgbClr val="000000"/>
+              </a:solidFill>
+              <a:uFillTx/>
+              <a:latin typeface="Arial"/>
+            </a:endParaRPr>
+          </a:p>
+        </p:txBody>
+      </p:sp>
+      <p:sp>
+        <p:nvSpPr>
+          <p:cNvPr id="65" name="PlaceHolder 2"/>
           <p:cNvSpPr>
             <a:spLocks noGrp="1"/>
           </p:cNvSpPr>
@@ -3537,7 +4677,7 @@
         <p:spPr>
           <a:xfrm>
             <a:off x="540000" y="1440000"/>
-            <a:ext cx="9000000" cy="3600000"/>
+            <a:ext cx="8999640" cy="3599640"/>
           </a:xfrm>
           <a:prstGeom prst="rect">
             <a:avLst/>
@@ -3553,9 +4693,9 @@
           </a:bodyPr>
           <a:p>
             <a:pPr marL="432000" indent="-324000">
-              <a:spcAft>
-                <a:spcPts val="1060"/>
-              </a:spcAft>
+              <a:spcBef>
+                <a:spcPts val="1417"/>
+              </a:spcBef>
               <a:buClr>
                 <a:srgbClr val="000000"/>
               </a:buClr>
@@ -3564,7 +4704,7 @@
               <a:buChar char=""/>
             </a:pPr>
             <a:r>
-              <a:rPr b="0" lang="en-US" sz="2400" strike="noStrike" u="none">
+              <a:rPr b="0" lang="en-US" sz="1800" strike="noStrike" u="none">
                 <a:solidFill>
                   <a:srgbClr val="000000"/>
                 </a:solidFill>
@@ -3573,7 +4713,7 @@
               </a:rPr>
               <a:t>Click to edit the outline text format</a:t>
             </a:r>
-            <a:endParaRPr b="0" lang="en-US" sz="2400" strike="noStrike" u="none">
+            <a:endParaRPr b="0" lang="en-US" sz="1800" strike="noStrike" u="none">
               <a:solidFill>
                 <a:srgbClr val="000000"/>
               </a:solidFill>
@@ -3583,9 +4723,9 @@
           </a:p>
           <a:p>
             <a:pPr lvl="1" marL="864000" indent="-324000">
-              <a:spcAft>
-                <a:spcPts val="850"/>
-              </a:spcAft>
+              <a:spcBef>
+                <a:spcPts val="1134"/>
+              </a:spcBef>
               <a:buClr>
                 <a:srgbClr val="000000"/>
               </a:buClr>
@@ -3594,7 +4734,7 @@
               <a:buChar char=""/>
             </a:pPr>
             <a:r>
-              <a:rPr b="0" lang="en-US" sz="2100" strike="noStrike" u="none">
+              <a:rPr b="0" lang="en-US" sz="1800" strike="noStrike" u="none">
                 <a:solidFill>
                   <a:srgbClr val="000000"/>
                 </a:solidFill>
@@ -3603,7 +4743,7 @@
               </a:rPr>
               <a:t>Second Outline Level</a:t>
             </a:r>
-            <a:endParaRPr b="0" lang="en-US" sz="2100" strike="noStrike" u="none">
+            <a:endParaRPr b="0" lang="en-US" sz="1800" strike="noStrike" u="none">
               <a:solidFill>
                 <a:srgbClr val="000000"/>
               </a:solidFill>
@@ -3613,9 +4753,9 @@
           </a:p>
           <a:p>
             <a:pPr lvl="2" marL="1296000" indent="-288000">
-              <a:spcAft>
-                <a:spcPts val="635"/>
-              </a:spcAft>
+              <a:spcBef>
+                <a:spcPts val="850"/>
+              </a:spcBef>
               <a:buClr>
                 <a:srgbClr val="000000"/>
               </a:buClr>
@@ -3643,9 +4783,9 @@
           </a:p>
           <a:p>
             <a:pPr lvl="3" marL="1728000" indent="-216000">
-              <a:spcAft>
-                <a:spcPts val="425"/>
-              </a:spcAft>
+              <a:spcBef>
+                <a:spcPts val="567"/>
+              </a:spcBef>
               <a:buClr>
                 <a:srgbClr val="000000"/>
               </a:buClr>
@@ -3654,7 +4794,7 @@
               <a:buChar char=""/>
             </a:pPr>
             <a:r>
-              <a:rPr b="0" lang="en-US" sz="1500" strike="noStrike" u="none">
+              <a:rPr b="0" lang="en-US" sz="1800" strike="noStrike" u="none">
                 <a:solidFill>
                   <a:srgbClr val="000000"/>
                 </a:solidFill>
@@ -3663,7 +4803,7 @@
               </a:rPr>
               <a:t>Fourth Outline Level</a:t>
             </a:r>
-            <a:endParaRPr b="0" lang="en-US" sz="1500" strike="noStrike" u="none">
+            <a:endParaRPr b="0" lang="en-US" sz="1800" strike="noStrike" u="none">
               <a:solidFill>
                 <a:srgbClr val="000000"/>
               </a:solidFill>
@@ -3673,9 +4813,9 @@
           </a:p>
           <a:p>
             <a:pPr lvl="4" marL="2160000" indent="-216000">
-              <a:spcAft>
-                <a:spcPts val="213"/>
-              </a:spcAft>
+              <a:spcBef>
+                <a:spcPts val="283"/>
+              </a:spcBef>
               <a:buClr>
                 <a:srgbClr val="000000"/>
               </a:buClr>
@@ -3684,7 +4824,7 @@
               <a:buChar char=""/>
             </a:pPr>
             <a:r>
-              <a:rPr b="0" lang="en-US" sz="1500" strike="noStrike" u="none">
+              <a:rPr b="0" lang="en-US" sz="1800" strike="noStrike" u="none">
                 <a:solidFill>
                   <a:srgbClr val="000000"/>
                 </a:solidFill>
@@ -3693,7 +4833,7 @@
               </a:rPr>
               <a:t>Fifth Outline Level</a:t>
             </a:r>
-            <a:endParaRPr b="0" lang="en-US" sz="1500" strike="noStrike" u="none">
+            <a:endParaRPr b="0" lang="en-US" sz="1800" strike="noStrike" u="none">
               <a:solidFill>
                 <a:srgbClr val="000000"/>
               </a:solidFill>
@@ -3703,9 +4843,9 @@
           </a:p>
           <a:p>
             <a:pPr lvl="5" marL="2592000" indent="-216000">
-              <a:spcAft>
-                <a:spcPts val="213"/>
-              </a:spcAft>
+              <a:spcBef>
+                <a:spcPts val="283"/>
+              </a:spcBef>
               <a:buClr>
                 <a:srgbClr val="000000"/>
               </a:buClr>
@@ -3714,7 +4854,7 @@
               <a:buChar char=""/>
             </a:pPr>
             <a:r>
-              <a:rPr b="0" lang="en-US" sz="1500" strike="noStrike" u="none">
+              <a:rPr b="0" lang="en-US" sz="1800" strike="noStrike" u="none">
                 <a:solidFill>
                   <a:srgbClr val="000000"/>
                 </a:solidFill>
@@ -3723,7 +4863,7 @@
               </a:rPr>
               <a:t>Sixth Outline Level</a:t>
             </a:r>
-            <a:endParaRPr b="0" lang="en-US" sz="1500" strike="noStrike" u="none">
+            <a:endParaRPr b="0" lang="en-US" sz="1800" strike="noStrike" u="none">
               <a:solidFill>
                 <a:srgbClr val="000000"/>
               </a:solidFill>
@@ -3733,9 +4873,9 @@
           </a:p>
           <a:p>
             <a:pPr lvl="6" marL="3024000" indent="-216000">
-              <a:spcAft>
-                <a:spcPts val="213"/>
-              </a:spcAft>
+              <a:spcBef>
+                <a:spcPts val="283"/>
+              </a:spcBef>
               <a:buClr>
                 <a:srgbClr val="000000"/>
               </a:buClr>
@@ -3744,7 +4884,7 @@
               <a:buChar char=""/>
             </a:pPr>
             <a:r>
-              <a:rPr b="0" lang="en-US" sz="1500" strike="noStrike" u="none">
+              <a:rPr b="0" lang="en-US" sz="1800" strike="noStrike" u="none">
                 <a:solidFill>
                   <a:srgbClr val="000000"/>
                 </a:solidFill>
@@ -3753,30 +4893,180 @@
               </a:rPr>
               <a:t>Seventh Outline Level</a:t>
             </a:r>
-            <a:endParaRPr b="0" lang="en-US" sz="1500" strike="noStrike" u="none">
-              <a:solidFill>
-                <a:srgbClr val="000000"/>
-              </a:solidFill>
-              <a:uFillTx/>
-              <a:latin typeface="Arial"/>
-            </a:endParaRPr>
-          </a:p>
-        </p:txBody>
-      </p:sp>
-      <p:sp>
-        <p:nvSpPr>
-          <p:cNvPr id="52" name="PlaceHolder 3"/>
+            <a:endParaRPr b="0" lang="en-US" sz="1800" strike="noStrike" u="none">
+              <a:solidFill>
+                <a:srgbClr val="000000"/>
+              </a:solidFill>
+              <a:uFillTx/>
+              <a:latin typeface="Arial"/>
+            </a:endParaRPr>
+          </a:p>
+        </p:txBody>
+      </p:sp>
+      <p:sp>
+        <p:nvSpPr>
+          <p:cNvPr id="66" name="PlaceHolder 3"/>
           <p:cNvSpPr>
             <a:spLocks noGrp="1"/>
           </p:cNvSpPr>
           <p:nvPr>
-            <p:ph type="dt" idx="7"/>
+            <p:ph type="ftr" idx="10"/>
           </p:nvPr>
         </p:nvSpPr>
         <p:spPr>
           <a:xfrm>
+            <a:off x="3420000" y="5130000"/>
+            <a:ext cx="3239640" cy="392040"/>
+          </a:xfrm>
+          <a:prstGeom prst="rect">
+            <a:avLst/>
+          </a:prstGeom>
+          <a:noFill/>
+          <a:ln w="0">
+            <a:noFill/>
+          </a:ln>
+        </p:spPr>
+        <p:txBody>
+          <a:bodyPr lIns="0" rIns="0" tIns="0" bIns="0" anchor="b">
+            <a:noAutofit/>
+          </a:bodyPr>
+          <a:lstStyle>
+            <a:lvl1pPr indent="0" algn="ctr">
+              <a:lnSpc>
+                <a:spcPct val="100000"/>
+              </a:lnSpc>
+              <a:buNone/>
+              <a:tabLst>
+                <a:tab algn="l" pos="0"/>
+              </a:tabLst>
+              <a:defRPr b="0" lang="en-US" sz="1400" strike="noStrike" u="none">
+                <a:solidFill>
+                  <a:srgbClr val="000000"/>
+                </a:solidFill>
+                <a:uFillTx/>
+                <a:latin typeface="Arial"/>
+              </a:defRPr>
+            </a:lvl1pPr>
+          </a:lstStyle>
+          <a:p>
+            <a:pPr indent="0" algn="ctr">
+              <a:lnSpc>
+                <a:spcPct val="100000"/>
+              </a:lnSpc>
+              <a:buNone/>
+              <a:tabLst>
+                <a:tab algn="l" pos="0"/>
+              </a:tabLst>
+            </a:pPr>
+            <a:r>
+              <a:rPr b="0" lang="en-US" sz="1400" strike="noStrike" u="none">
+                <a:solidFill>
+                  <a:srgbClr val="000000"/>
+                </a:solidFill>
+                <a:uFillTx/>
+                <a:latin typeface="Arial"/>
+              </a:rPr>
+              <a:t>&lt;footer&gt;</a:t>
+            </a:r>
+            <a:endParaRPr b="0" lang="en-US" sz="1400" strike="noStrike" u="none">
+              <a:solidFill>
+                <a:srgbClr val="000000"/>
+              </a:solidFill>
+              <a:uFillTx/>
+              <a:latin typeface="Times New Roman"/>
+            </a:endParaRPr>
+          </a:p>
+        </p:txBody>
+      </p:sp>
+      <p:sp>
+        <p:nvSpPr>
+          <p:cNvPr id="67" name="PlaceHolder 4"/>
+          <p:cNvSpPr>
+            <a:spLocks noGrp="1"/>
+          </p:cNvSpPr>
+          <p:nvPr>
+            <p:ph type="sldNum" idx="11"/>
+          </p:nvPr>
+        </p:nvSpPr>
+        <p:spPr>
+          <a:xfrm>
+            <a:off x="7560000" y="5130000"/>
+            <a:ext cx="2339640" cy="392040"/>
+          </a:xfrm>
+          <a:prstGeom prst="rect">
+            <a:avLst/>
+          </a:prstGeom>
+          <a:noFill/>
+          <a:ln w="0">
+            <a:noFill/>
+          </a:ln>
+        </p:spPr>
+        <p:txBody>
+          <a:bodyPr lIns="0" rIns="0" tIns="0" bIns="0" anchor="b">
+            <a:noAutofit/>
+          </a:bodyPr>
+          <a:lstStyle>
+            <a:lvl1pPr indent="0" algn="r">
+              <a:lnSpc>
+                <a:spcPct val="100000"/>
+              </a:lnSpc>
+              <a:buNone/>
+              <a:tabLst>
+                <a:tab algn="l" pos="0"/>
+              </a:tabLst>
+              <a:defRPr b="0" lang="en-US" sz="1400" strike="noStrike" u="none">
+                <a:solidFill>
+                  <a:srgbClr val="000000"/>
+                </a:solidFill>
+                <a:uFillTx/>
+                <a:latin typeface="Arial"/>
+              </a:defRPr>
+            </a:lvl1pPr>
+          </a:lstStyle>
+          <a:p>
+            <a:pPr indent="0" algn="r">
+              <a:lnSpc>
+                <a:spcPct val="100000"/>
+              </a:lnSpc>
+              <a:buNone/>
+              <a:tabLst>
+                <a:tab algn="l" pos="0"/>
+              </a:tabLst>
+            </a:pPr>
+            <a:fld id="{8D4F78F3-BDD5-43B9-9B3C-D5361149E638}" type="slidenum">
+              <a:rPr b="0" lang="en-US" sz="1400" strike="noStrike" u="none">
+                <a:solidFill>
+                  <a:srgbClr val="000000"/>
+                </a:solidFill>
+                <a:uFillTx/>
+                <a:latin typeface="Arial"/>
+              </a:rPr>
+              <a:t>&lt;number&gt;</a:t>
+            </a:fld>
+            <a:endParaRPr b="0" lang="en-US" sz="1400" strike="noStrike" u="none">
+              <a:solidFill>
+                <a:srgbClr val="000000"/>
+              </a:solidFill>
+              <a:uFillTx/>
+              <a:latin typeface="Times New Roman"/>
+            </a:endParaRPr>
+          </a:p>
+        </p:txBody>
+      </p:sp>
+      <p:sp>
+        <p:nvSpPr>
+          <p:cNvPr id="68" name="PlaceHolder 5"/>
+          <p:cNvSpPr>
+            <a:spLocks noGrp="1"/>
+          </p:cNvSpPr>
+          <p:nvPr>
+            <p:ph type="dt" idx="12"/>
+          </p:nvPr>
+        </p:nvSpPr>
+        <p:spPr>
+          <a:xfrm>
             <a:off x="180000" y="5130000"/>
-            <a:ext cx="2340000" cy="392400"/>
+            <a:ext cx="2339640" cy="392040"/>
           </a:xfrm>
           <a:prstGeom prst="rect">
             <a:avLst/>
@@ -3798,7 +5088,7 @@
                   <a:srgbClr val="000000"/>
                 </a:solidFill>
                 <a:uFillTx/>
-                <a:latin typeface="Arial"/>
+                <a:latin typeface="Times New Roman"/>
               </a:defRPr>
             </a:lvl1pPr>
           </a:lstStyle>
@@ -3812,7 +5102,7 @@
                   <a:srgbClr val="000000"/>
                 </a:solidFill>
                 <a:uFillTx/>
-                <a:latin typeface="Arial"/>
+                <a:latin typeface="Times New Roman"/>
               </a:rPr>
               <a:t>&lt;date/time&gt;</a:t>
             </a:r>
@@ -3821,25 +5111,527 @@
                 <a:srgbClr val="000000"/>
               </a:solidFill>
               <a:uFillTx/>
-              <a:latin typeface="Arial"/>
-            </a:endParaRPr>
-          </a:p>
-        </p:txBody>
-      </p:sp>
-      <p:sp>
-        <p:nvSpPr>
-          <p:cNvPr id="53" name="PlaceHolder 4"/>
+              <a:latin typeface="Times New Roman"/>
+            </a:endParaRPr>
+          </a:p>
+        </p:txBody>
+      </p:sp>
+    </p:spTree>
+  </p:cSld>
+  <p:clrMap bg1="lt1" tx1="dk1" bg2="lt2" tx2="dk2" accent1="accent1" accent2="accent2" accent3="accent3" accent4="accent4" accent5="accent5" accent6="accent6" hlink="hlink" folHlink="folHlink"/>
+  <p:sldLayoutIdLst>
+    <p:sldLayoutId id="2147483655" r:id="rId2"/>
+  </p:sldLayoutIdLst>
+</p:sldMaster>
+</file>
+
+<file path=ppt/slideMasters/slideMaster5.xml><?xml version="1.0" encoding="utf-8"?>
+<p:sldMaster xmlns:a="http://schemas.openxmlformats.org/drawingml/2006/main" xmlns:p="http://schemas.openxmlformats.org/presentationml/2006/main" xmlns:r="http://schemas.openxmlformats.org/officeDocument/2006/relationships" xmlns:p14="http://schemas.microsoft.com/office/powerpoint/2010/main" xmlns:p15="http://schemas.microsoft.com/office/powerpoint/2012/main" xmlns:mc="http://schemas.openxmlformats.org/markup-compatibility/2006">
+  <p:cSld>
+    <p:spTree>
+      <p:nvGrpSpPr>
+        <p:cNvPr id="1" name=""/>
+        <p:cNvGrpSpPr/>
+        <p:nvPr/>
+      </p:nvGrpSpPr>
+      <p:grpSpPr>
+        <a:xfrm>
+          <a:off x="0" y="0"/>
+          <a:ext cx="0" cy="0"/>
+          <a:chOff x="0" y="0"/>
+          <a:chExt cx="0" cy="0"/>
+        </a:xfrm>
+      </p:grpSpPr>
+      <p:sp>
+        <p:nvSpPr>
+          <p:cNvPr id="71" name=""/>
+          <p:cNvSpPr/>
+          <p:nvPr/>
+        </p:nvSpPr>
+        <p:spPr>
+          <a:xfrm>
+            <a:off x="0" y="360"/>
+            <a:ext cx="10079640" cy="5669280"/>
+          </a:xfrm>
+          <a:prstGeom prst="rect">
+            <a:avLst/>
+          </a:prstGeom>
+          <a:gradFill rotWithShape="0">
+            <a:gsLst>
+              <a:gs pos="30000">
+                <a:srgbClr val="000032"/>
+              </a:gs>
+              <a:gs pos="100000">
+                <a:srgbClr val="f60063"/>
+              </a:gs>
+            </a:gsLst>
+            <a:lin ang="4200000"/>
+          </a:gradFill>
+          <a:ln w="0">
+            <a:noFill/>
+          </a:ln>
+        </p:spPr>
+        <p:style>
+          <a:lnRef idx="0"/>
+          <a:fillRef idx="0"/>
+          <a:effectRef idx="0"/>
+          <a:fontRef idx="minor"/>
+        </p:style>
+        <p:txBody>
+          <a:bodyPr wrap="none" lIns="0" rIns="0" tIns="0" bIns="0" anchor="b">
+            <a:noAutofit/>
+          </a:bodyPr>
+          <a:p>
+            <a:pPr>
+              <a:lnSpc>
+                <a:spcPct val="100000"/>
+              </a:lnSpc>
+            </a:pPr>
+            <a:endParaRPr b="0" lang="en-US" sz="2400" strike="noStrike" u="none">
+              <a:solidFill>
+                <a:srgbClr val="000000"/>
+              </a:solidFill>
+              <a:uFillTx/>
+              <a:latin typeface="Arial"/>
+              <a:ea typeface="DejaVu Sans"/>
+            </a:endParaRPr>
+          </a:p>
+        </p:txBody>
+      </p:sp>
+      <p:sp>
+        <p:nvSpPr>
+          <p:cNvPr id="72" name=""/>
+          <p:cNvSpPr/>
+          <p:nvPr/>
+        </p:nvSpPr>
+        <p:spPr>
+          <a:xfrm flipH="1">
+            <a:off x="-2520" y="0"/>
+            <a:ext cx="10080000" cy="5670000"/>
+          </a:xfrm>
+          <a:prstGeom prst="rect">
+            <a:avLst/>
+          </a:prstGeom>
+          <a:gradFill rotWithShape="0">
+            <a:gsLst>
+              <a:gs pos="0">
+                <a:srgbClr val="ffffff">
+                  <a:alpha val="90000"/>
+                </a:srgbClr>
+              </a:gs>
+              <a:gs pos="75000">
+                <a:srgbClr val="ffffff">
+                  <a:alpha val="20000"/>
+                </a:srgbClr>
+              </a:gs>
+            </a:gsLst>
+            <a:path path="circle">
+              <a:fillToRect l="50000" t="85000" r="50000" b="15000"/>
+            </a:path>
+          </a:gradFill>
+          <a:ln w="0">
+            <a:noFill/>
+          </a:ln>
+        </p:spPr>
+        <p:style>
+          <a:lnRef idx="0"/>
+          <a:fillRef idx="0"/>
+          <a:effectRef idx="0"/>
+          <a:fontRef idx="minor"/>
+        </p:style>
+        <p:txBody>
+          <a:bodyPr wrap="none" lIns="0" rIns="0" tIns="0" bIns="0" anchor="b">
+            <a:noAutofit/>
+          </a:bodyPr>
+          <a:p>
+            <a:pPr>
+              <a:lnSpc>
+                <a:spcPct val="100000"/>
+              </a:lnSpc>
+            </a:pPr>
+            <a:endParaRPr b="0" lang="en-US" sz="2400" strike="noStrike" u="none">
+              <a:solidFill>
+                <a:srgbClr val="000000"/>
+              </a:solidFill>
+              <a:uFillTx/>
+              <a:latin typeface="Arial"/>
+              <a:ea typeface="DejaVu Sans"/>
+            </a:endParaRPr>
+          </a:p>
+        </p:txBody>
+      </p:sp>
+      <p:sp>
+        <p:nvSpPr>
+          <p:cNvPr id="73" name=""/>
+          <p:cNvSpPr/>
+          <p:nvPr/>
+        </p:nvSpPr>
+        <p:spPr>
+          <a:xfrm>
+            <a:off x="0" y="1260360"/>
+            <a:ext cx="10259640" cy="4499280"/>
+          </a:xfrm>
+          <a:prstGeom prst="rect">
+            <a:avLst/>
+          </a:prstGeom>
+          <a:solidFill>
+            <a:srgbClr val="ffffff"/>
+          </a:solidFill>
+          <a:ln w="0">
+            <a:noFill/>
+          </a:ln>
+        </p:spPr>
+        <p:style>
+          <a:lnRef idx="0"/>
+          <a:fillRef idx="0"/>
+          <a:effectRef idx="0"/>
+          <a:fontRef idx="minor"/>
+        </p:style>
+        <p:txBody>
+          <a:bodyPr wrap="none" lIns="0" rIns="0" tIns="0" bIns="0" anchor="b">
+            <a:noAutofit/>
+          </a:bodyPr>
+          <a:p>
+            <a:pPr>
+              <a:lnSpc>
+                <a:spcPct val="100000"/>
+              </a:lnSpc>
+            </a:pPr>
+            <a:endParaRPr b="0" lang="en-US" sz="2400" strike="noStrike" u="none">
+              <a:solidFill>
+                <a:srgbClr val="000000"/>
+              </a:solidFill>
+              <a:uFillTx/>
+              <a:latin typeface="Arial"/>
+              <a:ea typeface="DejaVu Sans"/>
+            </a:endParaRPr>
+          </a:p>
+        </p:txBody>
+      </p:sp>
+      <p:sp>
+        <p:nvSpPr>
+          <p:cNvPr id="74" name=""/>
+          <p:cNvSpPr/>
+          <p:nvPr/>
+        </p:nvSpPr>
+        <p:spPr>
+          <a:xfrm>
+            <a:off x="180360" y="5130360"/>
+            <a:ext cx="2339640" cy="392040"/>
+          </a:xfrm>
+          <a:prstGeom prst="rect">
+            <a:avLst/>
+          </a:prstGeom>
+          <a:noFill/>
+          <a:ln w="0">
+            <a:noFill/>
+          </a:ln>
+        </p:spPr>
+        <p:style>
+          <a:lnRef idx="0"/>
+          <a:fillRef idx="0"/>
+          <a:effectRef idx="0"/>
+          <a:fontRef idx="minor"/>
+        </p:style>
+        <p:txBody>
+          <a:bodyPr lIns="0" rIns="0" tIns="0" bIns="0" anchor="b">
+            <a:noAutofit/>
+          </a:bodyPr>
+          <a:p>
+            <a:pPr>
+              <a:lnSpc>
+                <a:spcPct val="100000"/>
+              </a:lnSpc>
+            </a:pPr>
+            <a:r>
+              <a:rPr b="0" lang="en-US" sz="1400" strike="noStrike" u="none">
+                <a:solidFill>
+                  <a:srgbClr val="000000"/>
+                </a:solidFill>
+                <a:uFillTx/>
+                <a:latin typeface="Arial"/>
+              </a:rPr>
+              <a:t>&lt;date/time&gt;</a:t>
+            </a:r>
+            <a:endParaRPr b="0" lang="en-US" sz="1400" strike="noStrike" u="none">
+              <a:solidFill>
+                <a:srgbClr val="000000"/>
+              </a:solidFill>
+              <a:uFillTx/>
+              <a:latin typeface="Arial"/>
+            </a:endParaRPr>
+          </a:p>
+        </p:txBody>
+      </p:sp>
+      <p:sp>
+        <p:nvSpPr>
+          <p:cNvPr id="75" name=""/>
+          <p:cNvSpPr/>
+          <p:nvPr/>
+        </p:nvSpPr>
+        <p:spPr>
+          <a:xfrm>
+            <a:off x="7560360" y="5130360"/>
+            <a:ext cx="2339640" cy="392040"/>
+          </a:xfrm>
+          <a:prstGeom prst="rect">
+            <a:avLst/>
+          </a:prstGeom>
+          <a:noFill/>
+          <a:ln w="0">
+            <a:noFill/>
+          </a:ln>
+        </p:spPr>
+        <p:style>
+          <a:lnRef idx="0"/>
+          <a:fillRef idx="0"/>
+          <a:effectRef idx="0"/>
+          <a:fontRef idx="minor"/>
+        </p:style>
+        <p:txBody>
+          <a:bodyPr lIns="0" rIns="0" tIns="0" bIns="0" anchor="b">
+            <a:noAutofit/>
+          </a:bodyPr>
+          <a:p>
+            <a:pPr algn="r">
+              <a:lnSpc>
+                <a:spcPct val="100000"/>
+              </a:lnSpc>
+            </a:pPr>
+            <a:fld id="{FBCF83FA-17B7-42C7-A32B-452C5B275B5E}" type="slidenum">
+              <a:rPr b="0" lang="en-US" sz="1400" strike="noStrike" u="none">
+                <a:solidFill>
+                  <a:srgbClr val="000000"/>
+                </a:solidFill>
+                <a:uFillTx/>
+                <a:latin typeface="Arial"/>
+              </a:rPr>
+              <a:t>1</a:t>
+            </a:fld>
+            <a:endParaRPr b="0" lang="en-US" sz="1400" strike="noStrike" u="none">
+              <a:solidFill>
+                <a:srgbClr val="000000"/>
+              </a:solidFill>
+              <a:uFillTx/>
+              <a:latin typeface="Arial"/>
+            </a:endParaRPr>
+          </a:p>
+        </p:txBody>
+      </p:sp>
+      <p:sp>
+        <p:nvSpPr>
+          <p:cNvPr id="76" name=""/>
+          <p:cNvSpPr/>
+          <p:nvPr/>
+        </p:nvSpPr>
+        <p:spPr>
+          <a:xfrm>
+            <a:off x="1440360" y="1080360"/>
+            <a:ext cx="1439640" cy="1259640"/>
+          </a:xfrm>
+          <a:prstGeom prst="ellipse">
+            <a:avLst/>
+          </a:prstGeom>
+          <a:solidFill>
+            <a:srgbClr val="ffffff">
+              <a:alpha val="30000"/>
+            </a:srgbClr>
+          </a:solidFill>
+          <a:ln w="0">
+            <a:noFill/>
+          </a:ln>
+        </p:spPr>
+        <p:style>
+          <a:lnRef idx="0"/>
+          <a:fillRef idx="0"/>
+          <a:effectRef idx="0"/>
+          <a:fontRef idx="minor"/>
+        </p:style>
+        <p:txBody>
+          <a:bodyPr wrap="none" lIns="0" rIns="0" tIns="0" bIns="0" anchor="b">
+            <a:noAutofit/>
+          </a:bodyPr>
+          <a:p>
+            <a:pPr>
+              <a:lnSpc>
+                <a:spcPct val="100000"/>
+              </a:lnSpc>
+            </a:pPr>
+            <a:endParaRPr b="0" lang="en-US" sz="2400" strike="noStrike" u="none">
+              <a:solidFill>
+                <a:srgbClr val="000000"/>
+              </a:solidFill>
+              <a:uFillTx/>
+              <a:latin typeface="Arial"/>
+              <a:ea typeface="DejaVu Sans"/>
+            </a:endParaRPr>
+          </a:p>
+        </p:txBody>
+      </p:sp>
+      <p:sp>
+        <p:nvSpPr>
+          <p:cNvPr id="77" name=""/>
+          <p:cNvSpPr/>
+          <p:nvPr/>
+        </p:nvSpPr>
+        <p:spPr>
+          <a:xfrm>
+            <a:off x="7380360" y="3960360"/>
+            <a:ext cx="1439640" cy="1259640"/>
+          </a:xfrm>
+          <a:prstGeom prst="ellipse">
+            <a:avLst/>
+          </a:prstGeom>
+          <a:solidFill>
+            <a:srgbClr val="ffffff">
+              <a:alpha val="30000"/>
+            </a:srgbClr>
+          </a:solidFill>
+          <a:ln w="0">
+            <a:noFill/>
+          </a:ln>
+        </p:spPr>
+        <p:style>
+          <a:lnRef idx="0"/>
+          <a:fillRef idx="0"/>
+          <a:effectRef idx="0"/>
+          <a:fontRef idx="minor"/>
+        </p:style>
+        <p:txBody>
+          <a:bodyPr wrap="none" lIns="0" rIns="0" tIns="0" bIns="0" anchor="b">
+            <a:noAutofit/>
+          </a:bodyPr>
+          <a:p>
+            <a:pPr>
+              <a:lnSpc>
+                <a:spcPct val="100000"/>
+              </a:lnSpc>
+            </a:pPr>
+            <a:endParaRPr b="0" lang="en-US" sz="2400" strike="noStrike" u="none">
+              <a:solidFill>
+                <a:srgbClr val="000000"/>
+              </a:solidFill>
+              <a:uFillTx/>
+              <a:latin typeface="Arial"/>
+              <a:ea typeface="DejaVu Sans"/>
+            </a:endParaRPr>
+          </a:p>
+        </p:txBody>
+      </p:sp>
+      <p:sp>
+        <p:nvSpPr>
+          <p:cNvPr id="78" name=""/>
+          <p:cNvSpPr/>
+          <p:nvPr/>
+        </p:nvSpPr>
+        <p:spPr>
+          <a:xfrm>
+            <a:off x="540360" y="1080360"/>
+            <a:ext cx="719640" cy="719640"/>
+          </a:xfrm>
+          <a:prstGeom prst="ellipse">
+            <a:avLst/>
+          </a:prstGeom>
+          <a:solidFill>
+            <a:srgbClr val="ffffff">
+              <a:alpha val="20000"/>
+            </a:srgbClr>
+          </a:solidFill>
+          <a:ln w="0">
+            <a:noFill/>
+          </a:ln>
+        </p:spPr>
+        <p:style>
+          <a:lnRef idx="0"/>
+          <a:fillRef idx="0"/>
+          <a:effectRef idx="0"/>
+          <a:fontRef idx="minor"/>
+        </p:style>
+        <p:txBody>
+          <a:bodyPr wrap="none" lIns="0" rIns="0" tIns="0" bIns="0" anchor="b">
+            <a:noAutofit/>
+          </a:bodyPr>
+          <a:p>
+            <a:pPr>
+              <a:lnSpc>
+                <a:spcPct val="100000"/>
+              </a:lnSpc>
+            </a:pPr>
+            <a:endParaRPr b="0" lang="en-US" sz="2400" strike="noStrike" u="none">
+              <a:solidFill>
+                <a:srgbClr val="000000"/>
+              </a:solidFill>
+              <a:uFillTx/>
+              <a:latin typeface="Arial"/>
+              <a:ea typeface="DejaVu Sans"/>
+            </a:endParaRPr>
+          </a:p>
+        </p:txBody>
+      </p:sp>
+      <p:sp>
+        <p:nvSpPr>
+          <p:cNvPr id="79" name=""/>
+          <p:cNvSpPr/>
+          <p:nvPr/>
+        </p:nvSpPr>
+        <p:spPr>
+          <a:xfrm>
+            <a:off x="360" y="1260360"/>
+            <a:ext cx="719640" cy="719640"/>
+          </a:xfrm>
+          <a:prstGeom prst="ellipse">
+            <a:avLst/>
+          </a:prstGeom>
+          <a:solidFill>
+            <a:srgbClr val="ffffff">
+              <a:alpha val="10000"/>
+            </a:srgbClr>
+          </a:solidFill>
+          <a:ln w="0">
+            <a:noFill/>
+          </a:ln>
+        </p:spPr>
+        <p:style>
+          <a:lnRef idx="0"/>
+          <a:fillRef idx="0"/>
+          <a:effectRef idx="0"/>
+          <a:fontRef idx="minor"/>
+        </p:style>
+        <p:txBody>
+          <a:bodyPr wrap="none" lIns="0" rIns="0" tIns="0" bIns="0" anchor="b">
+            <a:noAutofit/>
+          </a:bodyPr>
+          <a:p>
+            <a:pPr>
+              <a:lnSpc>
+                <a:spcPct val="100000"/>
+              </a:lnSpc>
+            </a:pPr>
+            <a:endParaRPr b="0" lang="en-US" sz="2400" strike="noStrike" u="none">
+              <a:solidFill>
+                <a:srgbClr val="000000"/>
+              </a:solidFill>
+              <a:uFillTx/>
+              <a:latin typeface="Arial"/>
+              <a:ea typeface="DejaVu Sans"/>
+            </a:endParaRPr>
+          </a:p>
+        </p:txBody>
+      </p:sp>
+      <p:sp>
+        <p:nvSpPr>
+          <p:cNvPr id="80" name="PlaceHolder 1"/>
           <p:cNvSpPr>
             <a:spLocks noGrp="1"/>
           </p:cNvSpPr>
           <p:nvPr>
-            <p:ph type="ftr" idx="8"/>
+            <p:ph type="title"/>
           </p:nvPr>
         </p:nvSpPr>
         <p:spPr>
           <a:xfrm>
-            <a:off x="3420000" y="5130000"/>
-            <a:ext cx="3240000" cy="392400"/>
+            <a:off x="540000" y="270000"/>
+            <a:ext cx="8999640" cy="989640"/>
           </a:xfrm>
           <a:prstGeom prst="rect">
             <a:avLst/>
@@ -3850,59 +5642,47 @@
           </a:ln>
         </p:spPr>
         <p:txBody>
-          <a:bodyPr lIns="0" rIns="0" tIns="0" bIns="0" anchor="b">
+          <a:bodyPr lIns="0" rIns="0" tIns="0" bIns="0" anchor="ctr">
             <a:noAutofit/>
           </a:bodyPr>
-          <a:lstStyle>
-            <a:lvl1pPr indent="0" algn="ctr">
+          <a:p>
+            <a:pPr indent="0">
               <a:buNone/>
-              <a:defRPr b="0" lang="en-US" sz="1400" strike="noStrike" u="none">
-                <a:solidFill>
-                  <a:srgbClr val="000000"/>
-                </a:solidFill>
-                <a:uFillTx/>
-                <a:latin typeface="Arial"/>
-              </a:defRPr>
-            </a:lvl1pPr>
-          </a:lstStyle>
-          <a:p>
-            <a:pPr indent="0" algn="ctr">
-              <a:buNone/>
-            </a:pPr>
-            <a:r>
-              <a:rPr b="0" lang="en-US" sz="1400" strike="noStrike" u="none">
-                <a:solidFill>
-                  <a:srgbClr val="000000"/>
-                </a:solidFill>
-                <a:uFillTx/>
-                <a:latin typeface="Arial"/>
-              </a:rPr>
-              <a:t>&lt;footer&gt;</a:t>
-            </a:r>
-            <a:endParaRPr b="0" lang="en-US" sz="1400" strike="noStrike" u="none">
-              <a:solidFill>
-                <a:srgbClr val="000000"/>
-              </a:solidFill>
-              <a:uFillTx/>
-              <a:latin typeface="Arial"/>
-            </a:endParaRPr>
-          </a:p>
-        </p:txBody>
-      </p:sp>
-      <p:sp>
-        <p:nvSpPr>
-          <p:cNvPr id="54" name="PlaceHolder 5"/>
+            </a:pPr>
+            <a:r>
+              <a:rPr b="0" lang="en-US" sz="1800" strike="noStrike" u="none">
+                <a:solidFill>
+                  <a:srgbClr val="000000"/>
+                </a:solidFill>
+                <a:uFillTx/>
+                <a:latin typeface="Arial"/>
+              </a:rPr>
+              <a:t>Click to edit the title text format</a:t>
+            </a:r>
+            <a:endParaRPr b="0" lang="en-US" sz="1800" strike="noStrike" u="none">
+              <a:solidFill>
+                <a:srgbClr val="000000"/>
+              </a:solidFill>
+              <a:uFillTx/>
+              <a:latin typeface="Arial"/>
+            </a:endParaRPr>
+          </a:p>
+        </p:txBody>
+      </p:sp>
+      <p:sp>
+        <p:nvSpPr>
+          <p:cNvPr id="81" name="PlaceHolder 2"/>
           <p:cNvSpPr>
             <a:spLocks noGrp="1"/>
           </p:cNvSpPr>
           <p:nvPr>
-            <p:ph type="sldNum" idx="9"/>
+            <p:ph type="ftr" idx="13"/>
           </p:nvPr>
         </p:nvSpPr>
         <p:spPr>
           <a:xfrm>
-            <a:off x="7560000" y="5130000"/>
-            <a:ext cx="2340000" cy="392400"/>
+            <a:off x="3420000" y="5130000"/>
+            <a:ext cx="3239640" cy="392040"/>
           </a:xfrm>
           <a:prstGeom prst="rect">
             <a:avLst/>
@@ -3917,8 +5697,14 @@
             <a:noAutofit/>
           </a:bodyPr>
           <a:lstStyle>
-            <a:lvl1pPr indent="0" algn="r">
+            <a:lvl1pPr indent="0" algn="ctr">
+              <a:lnSpc>
+                <a:spcPct val="100000"/>
+              </a:lnSpc>
               <a:buNone/>
+              <a:tabLst>
+                <a:tab algn="l" pos="0"/>
+              </a:tabLst>
               <a:defRPr b="0" lang="en-US" sz="1400" strike="noStrike" u="none">
                 <a:solidFill>
                   <a:srgbClr val="000000"/>
@@ -3929,10 +5715,91 @@
             </a:lvl1pPr>
           </a:lstStyle>
           <a:p>
+            <a:pPr indent="0" algn="ctr">
+              <a:lnSpc>
+                <a:spcPct val="100000"/>
+              </a:lnSpc>
+              <a:buNone/>
+              <a:tabLst>
+                <a:tab algn="l" pos="0"/>
+              </a:tabLst>
+            </a:pPr>
+            <a:r>
+              <a:rPr b="0" lang="en-US" sz="1400" strike="noStrike" u="none">
+                <a:solidFill>
+                  <a:srgbClr val="000000"/>
+                </a:solidFill>
+                <a:uFillTx/>
+                <a:latin typeface="Arial"/>
+              </a:rPr>
+              <a:t> </a:t>
+            </a:r>
+            <a:endParaRPr b="0" lang="en-US" sz="1400" strike="noStrike" u="none">
+              <a:solidFill>
+                <a:srgbClr val="000000"/>
+              </a:solidFill>
+              <a:uFillTx/>
+              <a:latin typeface="Times New Roman"/>
+            </a:endParaRPr>
+          </a:p>
+        </p:txBody>
+      </p:sp>
+      <p:sp>
+        <p:nvSpPr>
+          <p:cNvPr id="82" name="PlaceHolder 3"/>
+          <p:cNvSpPr>
+            <a:spLocks noGrp="1"/>
+          </p:cNvSpPr>
+          <p:nvPr>
+            <p:ph type="sldNum" idx="14"/>
+          </p:nvPr>
+        </p:nvSpPr>
+        <p:spPr>
+          <a:xfrm>
+            <a:off x="7560000" y="5130000"/>
+            <a:ext cx="2339640" cy="392040"/>
+          </a:xfrm>
+          <a:prstGeom prst="rect">
+            <a:avLst/>
+          </a:prstGeom>
+          <a:noFill/>
+          <a:ln w="0">
+            <a:noFill/>
+          </a:ln>
+        </p:spPr>
+        <p:txBody>
+          <a:bodyPr lIns="0" rIns="0" tIns="0" bIns="0" anchor="b">
+            <a:noAutofit/>
+          </a:bodyPr>
+          <a:lstStyle>
+            <a:lvl1pPr indent="0" algn="r">
+              <a:lnSpc>
+                <a:spcPct val="100000"/>
+              </a:lnSpc>
+              <a:buNone/>
+              <a:tabLst>
+                <a:tab algn="l" pos="0"/>
+              </a:tabLst>
+              <a:defRPr b="0" lang="en-US" sz="1400" strike="noStrike" u="none">
+                <a:solidFill>
+                  <a:srgbClr val="000000"/>
+                </a:solidFill>
+                <a:uFillTx/>
+                <a:latin typeface="Arial"/>
+              </a:defRPr>
+            </a:lvl1pPr>
+          </a:lstStyle>
+          <a:p>
             <a:pPr indent="0" algn="r">
+              <a:lnSpc>
+                <a:spcPct val="100000"/>
+              </a:lnSpc>
               <a:buNone/>
-            </a:pPr>
-            <a:fld id="{8DFD6ADE-B256-404C-9960-D6AB85E2BAAE}" type="slidenum">
+              <a:tabLst>
+                <a:tab algn="l" pos="0"/>
+              </a:tabLst>
+            </a:pPr>
+            <a:fld id="{21747D8F-F30D-460D-B97B-4B281E939A4C}" type="slidenum">
               <a:rPr b="0" lang="en-US" sz="1400" strike="noStrike" u="none">
                 <a:solidFill>
                   <a:srgbClr val="000000"/>
@@ -3940,9 +5807,311 @@
                 <a:uFillTx/>
                 <a:latin typeface="Arial"/>
               </a:rPr>
-              <a:t>&lt;number&gt;</a:t>
+              <a:t>1</a:t>
             </a:fld>
             <a:endParaRPr b="0" lang="en-US" sz="1400" strike="noStrike" u="none">
+              <a:solidFill>
+                <a:srgbClr val="000000"/>
+              </a:solidFill>
+              <a:uFillTx/>
+              <a:latin typeface="Times New Roman"/>
+            </a:endParaRPr>
+          </a:p>
+        </p:txBody>
+      </p:sp>
+      <p:sp>
+        <p:nvSpPr>
+          <p:cNvPr id="83" name="PlaceHolder 4"/>
+          <p:cNvSpPr>
+            <a:spLocks noGrp="1"/>
+          </p:cNvSpPr>
+          <p:nvPr>
+            <p:ph type="dt" idx="15"/>
+          </p:nvPr>
+        </p:nvSpPr>
+        <p:spPr>
+          <a:xfrm>
+            <a:off x="180000" y="5130000"/>
+            <a:ext cx="2339640" cy="392040"/>
+          </a:xfrm>
+          <a:prstGeom prst="rect">
+            <a:avLst/>
+          </a:prstGeom>
+          <a:noFill/>
+          <a:ln w="0">
+            <a:noFill/>
+          </a:ln>
+        </p:spPr>
+        <p:txBody>
+          <a:bodyPr lIns="0" rIns="0" tIns="0" bIns="0" anchor="b">
+            <a:noAutofit/>
+          </a:bodyPr>
+          <a:lstStyle>
+            <a:lvl1pPr indent="0">
+              <a:buNone/>
+              <a:defRPr b="0" lang="en-US" sz="1400" strike="noStrike" u="none">
+                <a:solidFill>
+                  <a:srgbClr val="000000"/>
+                </a:solidFill>
+                <a:uFillTx/>
+                <a:latin typeface="Times New Roman"/>
+              </a:defRPr>
+            </a:lvl1pPr>
+          </a:lstStyle>
+          <a:p>
+            <a:pPr indent="0">
+              <a:buNone/>
+            </a:pPr>
+            <a:r>
+              <a:rPr b="0" lang="en-US" sz="1400" strike="noStrike" u="none">
+                <a:solidFill>
+                  <a:srgbClr val="000000"/>
+                </a:solidFill>
+                <a:uFillTx/>
+                <a:latin typeface="Times New Roman"/>
+              </a:rPr>
+              <a:t> </a:t>
+            </a:r>
+            <a:endParaRPr b="0" lang="en-US" sz="1400" strike="noStrike" u="none">
+              <a:solidFill>
+                <a:srgbClr val="000000"/>
+              </a:solidFill>
+              <a:uFillTx/>
+              <a:latin typeface="Times New Roman"/>
+            </a:endParaRPr>
+          </a:p>
+        </p:txBody>
+      </p:sp>
+      <p:sp>
+        <p:nvSpPr>
+          <p:cNvPr id="84" name="PlaceHolder 5"/>
+          <p:cNvSpPr>
+            <a:spLocks noGrp="1"/>
+          </p:cNvSpPr>
+          <p:nvPr>
+            <p:ph type="body"/>
+          </p:nvPr>
+        </p:nvSpPr>
+        <p:spPr>
+          <a:xfrm>
+            <a:off x="504000" y="1326600"/>
+            <a:ext cx="9072000" cy="3288600"/>
+          </a:xfrm>
+          <a:prstGeom prst="rect">
+            <a:avLst/>
+          </a:prstGeom>
+          <a:noFill/>
+          <a:ln w="0">
+            <a:noFill/>
+          </a:ln>
+        </p:spPr>
+        <p:txBody>
+          <a:bodyPr lIns="0" rIns="0" tIns="0" bIns="0" anchor="t">
+            <a:normAutofit/>
+          </a:bodyPr>
+          <a:p>
+            <a:pPr marL="432000" indent="-324000">
+              <a:spcBef>
+                <a:spcPts val="1417"/>
+              </a:spcBef>
+              <a:buClr>
+                <a:srgbClr val="000000"/>
+              </a:buClr>
+              <a:buSzPct val="45000"/>
+              <a:buFont typeface="Wingdings" charset="2"/>
+              <a:buChar char=""/>
+            </a:pPr>
+            <a:r>
+              <a:rPr b="0" lang="en-US" sz="3200" strike="noStrike" u="none">
+                <a:solidFill>
+                  <a:srgbClr val="000000"/>
+                </a:solidFill>
+                <a:uFillTx/>
+                <a:latin typeface="Arial"/>
+              </a:rPr>
+              <a:t>Click to edit the outline text format</a:t>
+            </a:r>
+            <a:endParaRPr b="0" lang="en-US" sz="3200" strike="noStrike" u="none">
+              <a:solidFill>
+                <a:srgbClr val="000000"/>
+              </a:solidFill>
+              <a:uFillTx/>
+              <a:latin typeface="Arial"/>
+            </a:endParaRPr>
+          </a:p>
+          <a:p>
+            <a:pPr lvl="1" marL="864000" indent="-324000">
+              <a:spcBef>
+                <a:spcPts val="1134"/>
+              </a:spcBef>
+              <a:buClr>
+                <a:srgbClr val="000000"/>
+              </a:buClr>
+              <a:buSzPct val="75000"/>
+              <a:buFont typeface="Symbol" charset="2"/>
+              <a:buChar char=""/>
+            </a:pPr>
+            <a:r>
+              <a:rPr b="0" lang="en-US" sz="2800" strike="noStrike" u="none">
+                <a:solidFill>
+                  <a:srgbClr val="000000"/>
+                </a:solidFill>
+                <a:uFillTx/>
+                <a:latin typeface="Arial"/>
+              </a:rPr>
+              <a:t>Second Outline Level</a:t>
+            </a:r>
+            <a:endParaRPr b="0" lang="en-US" sz="2800" strike="noStrike" u="none">
+              <a:solidFill>
+                <a:srgbClr val="000000"/>
+              </a:solidFill>
+              <a:uFillTx/>
+              <a:latin typeface="Arial"/>
+            </a:endParaRPr>
+          </a:p>
+          <a:p>
+            <a:pPr lvl="2" marL="1296000" indent="-288000">
+              <a:spcBef>
+                <a:spcPts val="850"/>
+              </a:spcBef>
+              <a:buClr>
+                <a:srgbClr val="000000"/>
+              </a:buClr>
+              <a:buSzPct val="45000"/>
+              <a:buFont typeface="Wingdings" charset="2"/>
+              <a:buChar char=""/>
+            </a:pPr>
+            <a:r>
+              <a:rPr b="0" lang="en-US" sz="2400" strike="noStrike" u="none">
+                <a:solidFill>
+                  <a:srgbClr val="000000"/>
+                </a:solidFill>
+                <a:uFillTx/>
+                <a:latin typeface="Arial"/>
+              </a:rPr>
+              <a:t>Third Outline Level</a:t>
+            </a:r>
+            <a:endParaRPr b="0" lang="en-US" sz="2400" strike="noStrike" u="none">
+              <a:solidFill>
+                <a:srgbClr val="000000"/>
+              </a:solidFill>
+              <a:uFillTx/>
+              <a:latin typeface="Arial"/>
+            </a:endParaRPr>
+          </a:p>
+          <a:p>
+            <a:pPr lvl="3" marL="1728000" indent="-216000">
+              <a:spcBef>
+                <a:spcPts val="567"/>
+              </a:spcBef>
+              <a:buClr>
+                <a:srgbClr val="000000"/>
+              </a:buClr>
+              <a:buSzPct val="75000"/>
+              <a:buFont typeface="Symbol" charset="2"/>
+              <a:buChar char=""/>
+            </a:pPr>
+            <a:r>
+              <a:rPr b="0" lang="en-US" sz="2000" strike="noStrike" u="none">
+                <a:solidFill>
+                  <a:srgbClr val="000000"/>
+                </a:solidFill>
+                <a:uFillTx/>
+                <a:latin typeface="Arial"/>
+              </a:rPr>
+              <a:t>Fourth Outline Level</a:t>
+            </a:r>
+            <a:endParaRPr b="0" lang="en-US" sz="2000" strike="noStrike" u="none">
+              <a:solidFill>
+                <a:srgbClr val="000000"/>
+              </a:solidFill>
+              <a:uFillTx/>
+              <a:latin typeface="Arial"/>
+            </a:endParaRPr>
+          </a:p>
+          <a:p>
+            <a:pPr lvl="4" marL="2160000" indent="-216000">
+              <a:spcBef>
+                <a:spcPts val="283"/>
+              </a:spcBef>
+              <a:buClr>
+                <a:srgbClr val="000000"/>
+              </a:buClr>
+              <a:buSzPct val="45000"/>
+              <a:buFont typeface="Wingdings" charset="2"/>
+              <a:buChar char=""/>
+            </a:pPr>
+            <a:r>
+              <a:rPr b="0" lang="en-US" sz="2000" strike="noStrike" u="none">
+                <a:solidFill>
+                  <a:srgbClr val="000000"/>
+                </a:solidFill>
+                <a:uFillTx/>
+                <a:latin typeface="Arial"/>
+              </a:rPr>
+              <a:t>Fifth Outline Level</a:t>
+            </a:r>
+            <a:endParaRPr b="0" lang="en-US" sz="2000" strike="noStrike" u="none">
+              <a:solidFill>
+                <a:srgbClr val="000000"/>
+              </a:solidFill>
+              <a:uFillTx/>
+              <a:latin typeface="Arial"/>
+            </a:endParaRPr>
+          </a:p>
+          <a:p>
+            <a:pPr lvl="5" marL="2592000" indent="-216000">
+              <a:spcBef>
+                <a:spcPts val="283"/>
+              </a:spcBef>
+              <a:buClr>
+                <a:srgbClr val="000000"/>
+              </a:buClr>
+              <a:buSzPct val="45000"/>
+              <a:buFont typeface="Wingdings" charset="2"/>
+              <a:buChar char=""/>
+            </a:pPr>
+            <a:r>
+              <a:rPr b="0" lang="en-US" sz="2000" strike="noStrike" u="none">
+                <a:solidFill>
+                  <a:srgbClr val="000000"/>
+                </a:solidFill>
+                <a:uFillTx/>
+                <a:latin typeface="Arial"/>
+              </a:rPr>
+              <a:t>Sixth Outline Level</a:t>
+            </a:r>
+            <a:endParaRPr b="0" lang="en-US" sz="2000" strike="noStrike" u="none">
+              <a:solidFill>
+                <a:srgbClr val="000000"/>
+              </a:solidFill>
+              <a:uFillTx/>
+              <a:latin typeface="Arial"/>
+            </a:endParaRPr>
+          </a:p>
+          <a:p>
+            <a:pPr lvl="6" marL="3024000" indent="-216000">
+              <a:spcBef>
+                <a:spcPts val="283"/>
+              </a:spcBef>
+              <a:buClr>
+                <a:srgbClr val="000000"/>
+              </a:buClr>
+              <a:buSzPct val="45000"/>
+              <a:buFont typeface="Wingdings" charset="2"/>
+              <a:buChar char=""/>
+            </a:pPr>
+            <a:r>
+              <a:rPr b="0" lang="en-US" sz="2000" strike="noStrike" u="none">
+                <a:solidFill>
+                  <a:srgbClr val="000000"/>
+                </a:solidFill>
+                <a:uFillTx/>
+                <a:latin typeface="Arial"/>
+              </a:rPr>
+              <a:t>Seventh Outline Level</a:t>
+            </a:r>
+            <a:endParaRPr b="0" lang="en-US" sz="2000" strike="noStrike" u="none">
               <a:solidFill>
                 <a:srgbClr val="000000"/>
               </a:solidFill>
@@ -3956,9 +6125,9 @@
   </p:cSld>
   <p:clrMap bg1="lt1" tx1="dk1" bg2="lt2" tx2="dk2" accent1="accent1" accent2="accent2" accent3="accent3" accent4="accent4" accent5="accent5" accent6="accent6" hlink="hlink" folHlink="folHlink"/>
   <p:sldLayoutIdLst>
-    <p:sldLayoutId id="2147483653" r:id="rId2"/>
-    <p:sldLayoutId id="2147483654" r:id="rId3"/>
-    <p:sldLayoutId id="2147483655" r:id="rId4"/>
+    <p:sldLayoutId id="2147483657" r:id="rId2"/>
+    <p:sldLayoutId id="2147483658" r:id="rId3"/>
+    <p:sldLayoutId id="2147483659" r:id="rId4"/>
   </p:sldLayoutIdLst>
 </p:sldMaster>
 </file>
@@ -3982,7 +6151,7 @@
       </p:grpSpPr>
       <p:sp>
         <p:nvSpPr>
-          <p:cNvPr id="60" name="PlaceHolder 1"/>
+          <p:cNvPr id="90" name="PlaceHolder 1"/>
           <p:cNvSpPr>
             <a:spLocks noGrp="1"/>
           </p:cNvSpPr>
@@ -3993,7 +6162,7 @@
         <p:spPr>
           <a:xfrm>
             <a:off x="3018600" y="1428840"/>
-            <a:ext cx="4068000" cy="946800"/>
+            <a:ext cx="4067640" cy="946440"/>
           </a:xfrm>
           <a:prstGeom prst="rect">
             <a:avLst/>
@@ -4009,7 +6178,13 @@
           </a:bodyPr>
           <a:p>
             <a:pPr indent="0">
+              <a:lnSpc>
+                <a:spcPct val="100000"/>
+              </a:lnSpc>
               <a:buNone/>
+              <a:tabLst>
+                <a:tab algn="l" pos="0"/>
+              </a:tabLst>
             </a:pPr>
             <a:r>
               <a:rPr b="0" lang="en-US" sz="3300" strike="noStrike" u="none">
@@ -4023,17 +6198,17 @@
             </a:r>
             <a:endParaRPr b="0" lang="en-US" sz="3300" strike="noStrike" u="none">
               <a:solidFill>
-                <a:srgbClr val="ffffff"/>
-              </a:solidFill>
-              <a:uFillTx/>
-              <a:latin typeface="Arial"/>
-            </a:endParaRPr>
-          </a:p>
-        </p:txBody>
-      </p:sp>
-      <p:sp>
-        <p:nvSpPr>
-          <p:cNvPr id="61" name="PlaceHolder 2"/>
+                <a:srgbClr val="000000"/>
+              </a:solidFill>
+              <a:uFillTx/>
+              <a:latin typeface="Arial"/>
+            </a:endParaRPr>
+          </a:p>
+        </p:txBody>
+      </p:sp>
+      <p:sp>
+        <p:nvSpPr>
+          <p:cNvPr id="91" name="PlaceHolder 2"/>
           <p:cNvSpPr>
             <a:spLocks noGrp="1"/>
           </p:cNvSpPr>
@@ -4044,7 +6219,7 @@
         <p:spPr>
           <a:xfrm>
             <a:off x="504000" y="2592000"/>
-            <a:ext cx="9071640" cy="2022840"/>
+            <a:ext cx="9071280" cy="2022480"/>
           </a:xfrm>
           <a:prstGeom prst="rect">
             <a:avLst/>
@@ -4060,7 +6235,13 @@
           </a:bodyPr>
           <a:p>
             <a:pPr indent="0" algn="ctr">
+              <a:lnSpc>
+                <a:spcPct val="100000"/>
+              </a:lnSpc>
               <a:buNone/>
+              <a:tabLst>
+                <a:tab algn="l" pos="0"/>
+              </a:tabLst>
             </a:pPr>
             <a:r>
               <a:rPr b="0" lang="en-US" sz="2400" strike="noStrike" u="none">
@@ -4074,7 +6255,7 @@
             </a:r>
             <a:endParaRPr b="0" lang="en-US" sz="2400" strike="noStrike" u="none">
               <a:solidFill>
-                <a:srgbClr val="ffffff"/>
+                <a:srgbClr val="000000"/>
               </a:solidFill>
               <a:uFillTx/>
               <a:latin typeface="Arial"/>
@@ -4082,7 +6263,13 @@
           </a:p>
           <a:p>
             <a:pPr indent="0" algn="ctr">
+              <a:lnSpc>
+                <a:spcPct val="100000"/>
+              </a:lnSpc>
               <a:buNone/>
+              <a:tabLst>
+                <a:tab algn="l" pos="0"/>
+              </a:tabLst>
             </a:pPr>
             <a:r>
               <a:rPr b="0" lang="en-US" sz="1200" strike="noStrike" u="none">
@@ -4096,7 +6283,7 @@
             </a:r>
             <a:endParaRPr b="0" lang="en-US" sz="1200" strike="noStrike" u="none">
               <a:solidFill>
-                <a:srgbClr val="ffffff"/>
+                <a:srgbClr val="000000"/>
               </a:solidFill>
               <a:uFillTx/>
               <a:latin typeface="Arial"/>
@@ -4104,7 +6291,13 @@
           </a:p>
           <a:p>
             <a:pPr indent="0" algn="ctr">
+              <a:lnSpc>
+                <a:spcPct val="100000"/>
+              </a:lnSpc>
               <a:buNone/>
+              <a:tabLst>
+                <a:tab algn="l" pos="0"/>
+              </a:tabLst>
             </a:pPr>
             <a:r>
               <a:rPr b="0" lang="en-US" sz="1200" strike="noStrike" u="none">
@@ -4118,7 +6311,7 @@
             </a:r>
             <a:endParaRPr b="0" lang="en-US" sz="1200" strike="noStrike" u="none">
               <a:solidFill>
-                <a:srgbClr val="ffffff"/>
+                <a:srgbClr val="000000"/>
               </a:solidFill>
               <a:uFillTx/>
               <a:latin typeface="Arial"/>
@@ -4126,7 +6319,13 @@
           </a:p>
           <a:p>
             <a:pPr indent="0" algn="ctr">
+              <a:lnSpc>
+                <a:spcPct val="100000"/>
+              </a:lnSpc>
               <a:buNone/>
+              <a:tabLst>
+                <a:tab algn="l" pos="0"/>
+              </a:tabLst>
             </a:pPr>
             <a:r>
               <a:rPr b="0" lang="en-US" sz="1200" strike="noStrike" u="none">
@@ -4140,7 +6339,7 @@
             </a:r>
             <a:endParaRPr b="0" lang="en-US" sz="1200" strike="noStrike" u="none">
               <a:solidFill>
-                <a:srgbClr val="ffffff"/>
+                <a:srgbClr val="000000"/>
               </a:solidFill>
               <a:uFillTx/>
               <a:latin typeface="Arial"/>
@@ -4180,7 +6379,7 @@
       </p:grpSpPr>
       <p:sp>
         <p:nvSpPr>
-          <p:cNvPr id="81" name="PlaceHolder 1"/>
+          <p:cNvPr id="111" name="PlaceHolder 1"/>
           <p:cNvSpPr>
             <a:spLocks noGrp="1"/>
           </p:cNvSpPr>
@@ -4191,7 +6390,7 @@
         <p:spPr>
           <a:xfrm>
             <a:off x="540000" y="270000"/>
-            <a:ext cx="9000000" cy="990000"/>
+            <a:ext cx="8999640" cy="989640"/>
           </a:xfrm>
           <a:prstGeom prst="rect">
             <a:avLst/>
@@ -4207,7 +6406,13 @@
           </a:bodyPr>
           <a:p>
             <a:pPr indent="0" algn="ctr">
+              <a:lnSpc>
+                <a:spcPct val="100000"/>
+              </a:lnSpc>
               <a:buNone/>
+              <a:tabLst>
+                <a:tab algn="l" pos="0"/>
+              </a:tabLst>
             </a:pPr>
             <a:r>
               <a:rPr b="0" lang="en-US" sz="3300" strike="noStrike" u="none">
@@ -4221,17 +6426,17 @@
             </a:r>
             <a:endParaRPr b="0" lang="en-US" sz="3300" strike="noStrike" u="none">
               <a:solidFill>
-                <a:srgbClr val="ffffff"/>
-              </a:solidFill>
-              <a:uFillTx/>
-              <a:latin typeface="Arial"/>
-            </a:endParaRPr>
-          </a:p>
-        </p:txBody>
-      </p:sp>
-      <p:sp>
-        <p:nvSpPr>
-          <p:cNvPr id="82" name="PlaceHolder 2"/>
+                <a:srgbClr val="000000"/>
+              </a:solidFill>
+              <a:uFillTx/>
+              <a:latin typeface="Arial"/>
+            </a:endParaRPr>
+          </a:p>
+        </p:txBody>
+      </p:sp>
+      <p:sp>
+        <p:nvSpPr>
+          <p:cNvPr id="112" name="PlaceHolder 2"/>
           <p:cNvSpPr>
             <a:spLocks noGrp="1"/>
           </p:cNvSpPr>
@@ -4242,7 +6447,7 @@
         <p:spPr>
           <a:xfrm>
             <a:off x="540000" y="1440000"/>
-            <a:ext cx="9000000" cy="3600000"/>
+            <a:ext cx="8999640" cy="3599640"/>
           </a:xfrm>
           <a:prstGeom prst="rect">
             <a:avLst/>
@@ -4258,10 +6463,16 @@
           </a:bodyPr>
           <a:p>
             <a:pPr marL="432000" indent="0">
+              <a:lnSpc>
+                <a:spcPct val="100000"/>
+              </a:lnSpc>
               <a:spcAft>
                 <a:spcPts val="1060"/>
               </a:spcAft>
               <a:buNone/>
+              <a:tabLst>
+                <a:tab algn="l" pos="0"/>
+              </a:tabLst>
             </a:pPr>
             <a:r>
               <a:rPr b="0" lang="en-US" sz="2400" strike="noStrike" u="none">
@@ -4285,7 +6496,7 @@
       </p:sp>
       <p:pic>
         <p:nvPicPr>
-          <p:cNvPr id="83" name="" descr=""/>
+          <p:cNvPr id="113" name="" descr=""/>
           <p:cNvPicPr/>
           <p:nvPr/>
         </p:nvPicPr>
@@ -4298,7 +6509,7 @@
         <p:spPr>
           <a:xfrm>
             <a:off x="1828800" y="1490040"/>
-            <a:ext cx="6400800" cy="3996360"/>
+            <a:ext cx="6400440" cy="3996000"/>
           </a:xfrm>
           <a:prstGeom prst="rect">
             <a:avLst/>
@@ -4340,7 +6551,7 @@
       </p:grpSpPr>
       <p:sp>
         <p:nvSpPr>
-          <p:cNvPr id="84" name="PlaceHolder 1"/>
+          <p:cNvPr id="114" name="PlaceHolder 1"/>
           <p:cNvSpPr>
             <a:spLocks noGrp="1"/>
           </p:cNvSpPr>
@@ -4351,7 +6562,7 @@
         <p:spPr>
           <a:xfrm>
             <a:off x="540000" y="270000"/>
-            <a:ext cx="9000000" cy="990000"/>
+            <a:ext cx="8999640" cy="989640"/>
           </a:xfrm>
           <a:prstGeom prst="rect">
             <a:avLst/>
@@ -4367,7 +6578,13 @@
           </a:bodyPr>
           <a:p>
             <a:pPr indent="0" algn="ctr">
+              <a:lnSpc>
+                <a:spcPct val="100000"/>
+              </a:lnSpc>
               <a:buNone/>
+              <a:tabLst>
+                <a:tab algn="l" pos="0"/>
+              </a:tabLst>
             </a:pPr>
             <a:r>
               <a:rPr b="0" lang="en-US" sz="3300" strike="noStrike" u="none">
@@ -4381,17 +6598,17 @@
             </a:r>
             <a:endParaRPr b="0" lang="en-US" sz="3300" strike="noStrike" u="none">
               <a:solidFill>
-                <a:srgbClr val="ffffff"/>
-              </a:solidFill>
-              <a:uFillTx/>
-              <a:latin typeface="Arial"/>
-            </a:endParaRPr>
-          </a:p>
-        </p:txBody>
-      </p:sp>
-      <p:sp>
-        <p:nvSpPr>
-          <p:cNvPr id="85" name="PlaceHolder 2"/>
+                <a:srgbClr val="000000"/>
+              </a:solidFill>
+              <a:uFillTx/>
+              <a:latin typeface="Arial"/>
+            </a:endParaRPr>
+          </a:p>
+        </p:txBody>
+      </p:sp>
+      <p:sp>
+        <p:nvSpPr>
+          <p:cNvPr id="115" name="PlaceHolder 2"/>
           <p:cNvSpPr>
             <a:spLocks noGrp="1"/>
           </p:cNvSpPr>
@@ -4402,7 +6619,7 @@
         <p:spPr>
           <a:xfrm>
             <a:off x="540000" y="1440000"/>
-            <a:ext cx="9000000" cy="3600000"/>
+            <a:ext cx="8999640" cy="3599640"/>
           </a:xfrm>
           <a:prstGeom prst="rect">
             <a:avLst/>
@@ -4418,6 +6635,9 @@
           </a:bodyPr>
           <a:p>
             <a:pPr marL="432000" indent="-324000">
+              <a:lnSpc>
+                <a:spcPct val="100000"/>
+              </a:lnSpc>
               <a:spcAft>
                 <a:spcPts val="1060"/>
               </a:spcAft>
@@ -4448,6 +6668,9 @@
           </a:p>
           <a:p>
             <a:pPr lvl="1" marL="864000" indent="-324000">
+              <a:lnSpc>
+                <a:spcPct val="100000"/>
+              </a:lnSpc>
               <a:spcAft>
                 <a:spcPts val="850"/>
               </a:spcAft>
@@ -4478,6 +6701,9 @@
           </a:p>
           <a:p>
             <a:pPr lvl="1" marL="864000" indent="-324000">
+              <a:lnSpc>
+                <a:spcPct val="100000"/>
+              </a:lnSpc>
               <a:spcAft>
                 <a:spcPts val="1060"/>
               </a:spcAft>
@@ -4508,6 +6734,9 @@
           </a:p>
           <a:p>
             <a:pPr lvl="2" marL="1296000" indent="-288000">
+              <a:lnSpc>
+                <a:spcPct val="100000"/>
+              </a:lnSpc>
               <a:spcAft>
                 <a:spcPts val="635"/>
               </a:spcAft>
@@ -4538,6 +6767,9 @@
           </a:p>
           <a:p>
             <a:pPr lvl="2" marL="1296000" indent="-288000">
+              <a:lnSpc>
+                <a:spcPct val="100000"/>
+              </a:lnSpc>
               <a:spcAft>
                 <a:spcPts val="635"/>
               </a:spcAft>
@@ -4568,6 +6800,9 @@
           </a:p>
           <a:p>
             <a:pPr lvl="1" marL="864000" indent="-324000">
+              <a:lnSpc>
+                <a:spcPct val="100000"/>
+              </a:lnSpc>
               <a:spcAft>
                 <a:spcPts val="850"/>
               </a:spcAft>
@@ -4598,10 +6833,16 @@
           </a:p>
           <a:p>
             <a:pPr indent="0">
+              <a:lnSpc>
+                <a:spcPct val="100000"/>
+              </a:lnSpc>
               <a:spcAft>
                 <a:spcPts val="1060"/>
               </a:spcAft>
               <a:buNone/>
+              <a:tabLst>
+                <a:tab algn="l" pos="0"/>
+              </a:tabLst>
             </a:pPr>
             <a:endParaRPr b="0" lang="en-US" sz="2400" strike="noStrike" u="none">
               <a:solidFill>
@@ -4645,7 +6886,7 @@
       </p:grpSpPr>
       <p:sp>
         <p:nvSpPr>
-          <p:cNvPr id="86" name="PlaceHolder 1"/>
+          <p:cNvPr id="116" name="PlaceHolder 1"/>
           <p:cNvSpPr>
             <a:spLocks noGrp="1"/>
           </p:cNvSpPr>
@@ -4656,7 +6897,7 @@
         <p:spPr>
           <a:xfrm>
             <a:off x="540000" y="270000"/>
-            <a:ext cx="9000000" cy="990000"/>
+            <a:ext cx="8999640" cy="989640"/>
           </a:xfrm>
           <a:prstGeom prst="rect">
             <a:avLst/>
@@ -4672,7 +6913,13 @@
           </a:bodyPr>
           <a:p>
             <a:pPr indent="0" algn="ctr">
+              <a:lnSpc>
+                <a:spcPct val="100000"/>
+              </a:lnSpc>
               <a:buNone/>
+              <a:tabLst>
+                <a:tab algn="l" pos="0"/>
+              </a:tabLst>
             </a:pPr>
             <a:r>
               <a:rPr b="0" lang="en-US" sz="3300" strike="noStrike" u="none">
@@ -4686,17 +6933,17 @@
             </a:r>
             <a:endParaRPr b="0" lang="en-US" sz="3300" strike="noStrike" u="none">
               <a:solidFill>
-                <a:srgbClr val="ffffff"/>
-              </a:solidFill>
-              <a:uFillTx/>
-              <a:latin typeface="Arial"/>
-            </a:endParaRPr>
-          </a:p>
-        </p:txBody>
-      </p:sp>
-      <p:sp>
-        <p:nvSpPr>
-          <p:cNvPr id="87" name="PlaceHolder 2"/>
+                <a:srgbClr val="000000"/>
+              </a:solidFill>
+              <a:uFillTx/>
+              <a:latin typeface="Arial"/>
+            </a:endParaRPr>
+          </a:p>
+        </p:txBody>
+      </p:sp>
+      <p:sp>
+        <p:nvSpPr>
+          <p:cNvPr id="117" name="PlaceHolder 2"/>
           <p:cNvSpPr>
             <a:spLocks noGrp="1"/>
           </p:cNvSpPr>
@@ -4707,7 +6954,7 @@
         <p:spPr>
           <a:xfrm>
             <a:off x="540000" y="1440000"/>
-            <a:ext cx="9000000" cy="3600000"/>
+            <a:ext cx="8999640" cy="3599640"/>
           </a:xfrm>
           <a:prstGeom prst="rect">
             <a:avLst/>
@@ -4723,6 +6970,9 @@
           </a:bodyPr>
           <a:p>
             <a:pPr marL="432000" indent="-324000">
+              <a:lnSpc>
+                <a:spcPct val="100000"/>
+              </a:lnSpc>
               <a:spcAft>
                 <a:spcPts val="1060"/>
               </a:spcAft>
@@ -4753,6 +7003,9 @@
           </a:p>
           <a:p>
             <a:pPr lvl="1" marL="864000" indent="-324000">
+              <a:lnSpc>
+                <a:spcPct val="100000"/>
+              </a:lnSpc>
               <a:spcAft>
                 <a:spcPts val="850"/>
               </a:spcAft>
@@ -4783,6 +7036,9 @@
           </a:p>
           <a:p>
             <a:pPr lvl="1" marL="864000" indent="-324000">
+              <a:lnSpc>
+                <a:spcPct val="100000"/>
+              </a:lnSpc>
               <a:spcAft>
                 <a:spcPts val="850"/>
               </a:spcAft>
@@ -4845,7 +7101,7 @@
       </p:grpSpPr>
       <p:sp>
         <p:nvSpPr>
-          <p:cNvPr id="88" name="PlaceHolder 1"/>
+          <p:cNvPr id="118" name="PlaceHolder 1"/>
           <p:cNvSpPr>
             <a:spLocks noGrp="1"/>
           </p:cNvSpPr>
@@ -4856,7 +7112,7 @@
         <p:spPr>
           <a:xfrm>
             <a:off x="540000" y="270000"/>
-            <a:ext cx="9000000" cy="990000"/>
+            <a:ext cx="8999640" cy="989640"/>
           </a:xfrm>
           <a:prstGeom prst="rect">
             <a:avLst/>
@@ -4872,7 +7128,13 @@
           </a:bodyPr>
           <a:p>
             <a:pPr indent="0" algn="ctr">
+              <a:lnSpc>
+                <a:spcPct val="100000"/>
+              </a:lnSpc>
               <a:buNone/>
+              <a:tabLst>
+                <a:tab algn="l" pos="0"/>
+              </a:tabLst>
             </a:pPr>
             <a:r>
               <a:rPr b="0" lang="en-US" sz="3300" strike="noStrike" u="none">
@@ -4886,17 +7148,17 @@
             </a:r>
             <a:endParaRPr b="0" lang="en-US" sz="3300" strike="noStrike" u="none">
               <a:solidFill>
-                <a:srgbClr val="ffffff"/>
-              </a:solidFill>
-              <a:uFillTx/>
-              <a:latin typeface="Arial"/>
-            </a:endParaRPr>
-          </a:p>
-        </p:txBody>
-      </p:sp>
-      <p:sp>
-        <p:nvSpPr>
-          <p:cNvPr id="89" name="PlaceHolder 2"/>
+                <a:srgbClr val="000000"/>
+              </a:solidFill>
+              <a:uFillTx/>
+              <a:latin typeface="Arial"/>
+            </a:endParaRPr>
+          </a:p>
+        </p:txBody>
+      </p:sp>
+      <p:sp>
+        <p:nvSpPr>
+          <p:cNvPr id="119" name="PlaceHolder 2"/>
           <p:cNvSpPr>
             <a:spLocks noGrp="1"/>
           </p:cNvSpPr>
@@ -4907,7 +7169,7 @@
         <p:spPr>
           <a:xfrm>
             <a:off x="540000" y="1440000"/>
-            <a:ext cx="9000000" cy="3600000"/>
+            <a:ext cx="8999640" cy="3599640"/>
           </a:xfrm>
           <a:prstGeom prst="rect">
             <a:avLst/>
@@ -4923,6 +7185,9 @@
           </a:bodyPr>
           <a:p>
             <a:pPr marL="432000" indent="-324000">
+              <a:lnSpc>
+                <a:spcPct val="100000"/>
+              </a:lnSpc>
               <a:spcAft>
                 <a:spcPts val="1060"/>
               </a:spcAft>
@@ -4953,6 +7218,9 @@
           </a:p>
           <a:p>
             <a:pPr lvl="1" marL="864000" indent="-324000">
+              <a:lnSpc>
+                <a:spcPct val="100000"/>
+              </a:lnSpc>
               <a:spcAft>
                 <a:spcPts val="850"/>
               </a:spcAft>
@@ -4983,6 +7251,9 @@
           </a:p>
           <a:p>
             <a:pPr lvl="2" marL="1296000" indent="-288000">
+              <a:lnSpc>
+                <a:spcPct val="100000"/>
+              </a:lnSpc>
               <a:spcAft>
                 <a:spcPts val="635"/>
               </a:spcAft>
@@ -5013,6 +7284,9 @@
           </a:p>
           <a:p>
             <a:pPr lvl="1" marL="864000" indent="-324000">
+              <a:lnSpc>
+                <a:spcPct val="100000"/>
+              </a:lnSpc>
               <a:spcAft>
                 <a:spcPts val="850"/>
               </a:spcAft>
@@ -5043,6 +7317,9 @@
           </a:p>
           <a:p>
             <a:pPr marL="432000" indent="-324000">
+              <a:lnSpc>
+                <a:spcPct val="100000"/>
+              </a:lnSpc>
               <a:spcAft>
                 <a:spcPts val="1060"/>
               </a:spcAft>
@@ -5073,6 +7350,9 @@
           </a:p>
           <a:p>
             <a:pPr lvl="1" marL="864000" indent="-324000">
+              <a:lnSpc>
+                <a:spcPct val="100000"/>
+              </a:lnSpc>
               <a:spcAft>
                 <a:spcPts val="850"/>
               </a:spcAft>
@@ -5103,6 +7383,9 @@
           </a:p>
           <a:p>
             <a:pPr lvl="1" marL="864000" indent="-324000">
+              <a:lnSpc>
+                <a:spcPct val="100000"/>
+              </a:lnSpc>
               <a:spcAft>
                 <a:spcPts val="850"/>
               </a:spcAft>
@@ -5165,7 +7448,7 @@
       </p:grpSpPr>
       <p:sp>
         <p:nvSpPr>
-          <p:cNvPr id="90" name="PlaceHolder 1"/>
+          <p:cNvPr id="120" name="PlaceHolder 1"/>
           <p:cNvSpPr>
             <a:spLocks noGrp="1"/>
           </p:cNvSpPr>
@@ -5176,7 +7459,7 @@
         <p:spPr>
           <a:xfrm>
             <a:off x="540000" y="270000"/>
-            <a:ext cx="9000000" cy="990000"/>
+            <a:ext cx="8999640" cy="989640"/>
           </a:xfrm>
           <a:prstGeom prst="rect">
             <a:avLst/>
@@ -5192,7 +7475,13 @@
           </a:bodyPr>
           <a:p>
             <a:pPr indent="0" algn="ctr">
+              <a:lnSpc>
+                <a:spcPct val="100000"/>
+              </a:lnSpc>
               <a:buNone/>
+              <a:tabLst>
+                <a:tab algn="l" pos="0"/>
+              </a:tabLst>
             </a:pPr>
             <a:r>
               <a:rPr b="0" lang="en-US" sz="3300" strike="noStrike" u="none">
@@ -5206,17 +7495,17 @@
             </a:r>
             <a:endParaRPr b="0" lang="en-US" sz="3300" strike="noStrike" u="none">
               <a:solidFill>
-                <a:srgbClr val="ffffff"/>
-              </a:solidFill>
-              <a:uFillTx/>
-              <a:latin typeface="Arial"/>
-            </a:endParaRPr>
-          </a:p>
-        </p:txBody>
-      </p:sp>
-      <p:sp>
-        <p:nvSpPr>
-          <p:cNvPr id="91" name="PlaceHolder 2"/>
+                <a:srgbClr val="000000"/>
+              </a:solidFill>
+              <a:uFillTx/>
+              <a:latin typeface="Arial"/>
+            </a:endParaRPr>
+          </a:p>
+        </p:txBody>
+      </p:sp>
+      <p:sp>
+        <p:nvSpPr>
+          <p:cNvPr id="121" name="PlaceHolder 2"/>
           <p:cNvSpPr>
             <a:spLocks noGrp="1"/>
           </p:cNvSpPr>
@@ -5227,7 +7516,7 @@
         <p:spPr>
           <a:xfrm>
             <a:off x="4572000" y="2057400"/>
-            <a:ext cx="603000" cy="1818720"/>
+            <a:ext cx="602640" cy="1818360"/>
           </a:xfrm>
           <a:prstGeom prst="rect">
             <a:avLst/>
@@ -5243,7 +7532,13 @@
           </a:bodyPr>
           <a:p>
             <a:pPr marL="216000" indent="0" algn="ctr">
+              <a:lnSpc>
+                <a:spcPct val="100000"/>
+              </a:lnSpc>
               <a:buNone/>
+              <a:tabLst>
+                <a:tab algn="l" pos="0"/>
+              </a:tabLst>
             </a:pPr>
             <a:r>
               <a:rPr b="0" lang="en-US" sz="3200" strike="noStrike" u="none">
@@ -5307,7 +7602,7 @@
       </p:grpSpPr>
       <p:sp>
         <p:nvSpPr>
-          <p:cNvPr id="92" name="PlaceHolder 1"/>
+          <p:cNvPr id="122" name="PlaceHolder 1"/>
           <p:cNvSpPr>
             <a:spLocks noGrp="1"/>
           </p:cNvSpPr>
@@ -5318,7 +7613,7 @@
         <p:spPr>
           <a:xfrm>
             <a:off x="540000" y="270000"/>
-            <a:ext cx="9000000" cy="990000"/>
+            <a:ext cx="8999640" cy="989640"/>
           </a:xfrm>
           <a:prstGeom prst="rect">
             <a:avLst/>
@@ -5334,7 +7629,13 @@
           </a:bodyPr>
           <a:p>
             <a:pPr indent="0" algn="ctr">
+              <a:lnSpc>
+                <a:spcPct val="100000"/>
+              </a:lnSpc>
               <a:buNone/>
+              <a:tabLst>
+                <a:tab algn="l" pos="0"/>
+              </a:tabLst>
             </a:pPr>
             <a:r>
               <a:rPr b="0" lang="en-US" sz="3300" strike="noStrike" u="none">
@@ -5348,17 +7649,17 @@
             </a:r>
             <a:endParaRPr b="0" lang="en-US" sz="3300" strike="noStrike" u="none">
               <a:solidFill>
-                <a:srgbClr val="ffffff"/>
-              </a:solidFill>
-              <a:uFillTx/>
-              <a:latin typeface="Arial"/>
-            </a:endParaRPr>
-          </a:p>
-        </p:txBody>
-      </p:sp>
-      <p:sp>
-        <p:nvSpPr>
-          <p:cNvPr id="93" name="PlaceHolder 2"/>
+                <a:srgbClr val="000000"/>
+              </a:solidFill>
+              <a:uFillTx/>
+              <a:latin typeface="Arial"/>
+            </a:endParaRPr>
+          </a:p>
+        </p:txBody>
+      </p:sp>
+      <p:sp>
+        <p:nvSpPr>
+          <p:cNvPr id="123" name="PlaceHolder 2"/>
           <p:cNvSpPr>
             <a:spLocks noGrp="1"/>
           </p:cNvSpPr>
@@ -5369,7 +7670,7 @@
         <p:spPr>
           <a:xfrm>
             <a:off x="540000" y="1440000"/>
-            <a:ext cx="9000000" cy="3600000"/>
+            <a:ext cx="8999640" cy="3599640"/>
           </a:xfrm>
           <a:prstGeom prst="rect">
             <a:avLst/>
@@ -5385,6 +7686,9 @@
           </a:bodyPr>
           <a:p>
             <a:pPr marL="432000" indent="-324000">
+              <a:lnSpc>
+                <a:spcPct val="100000"/>
+              </a:lnSpc>
               <a:spcAft>
                 <a:spcPts val="1060"/>
               </a:spcAft>
@@ -5415,6 +7719,9 @@
           </a:p>
           <a:p>
             <a:pPr lvl="1" marL="864000" indent="-324000">
+              <a:lnSpc>
+                <a:spcPct val="100000"/>
+              </a:lnSpc>
               <a:spcAft>
                 <a:spcPts val="850"/>
               </a:spcAft>
@@ -5445,6 +7752,9 @@
           </a:p>
           <a:p>
             <a:pPr lvl="1" marL="864000" indent="-324000">
+              <a:lnSpc>
+                <a:spcPct val="100000"/>
+              </a:lnSpc>
               <a:spcAft>
                 <a:spcPts val="850"/>
               </a:spcAft>
@@ -5475,6 +7785,9 @@
           </a:p>
           <a:p>
             <a:pPr marL="432000" indent="-324000">
+              <a:lnSpc>
+                <a:spcPct val="100000"/>
+              </a:lnSpc>
               <a:spcAft>
                 <a:spcPts val="1060"/>
               </a:spcAft>
@@ -5505,6 +7818,9 @@
           </a:p>
           <a:p>
             <a:pPr lvl="1" marL="864000" indent="-324000">
+              <a:lnSpc>
+                <a:spcPct val="100000"/>
+              </a:lnSpc>
               <a:spcAft>
                 <a:spcPts val="850"/>
               </a:spcAft>
@@ -5567,7 +7883,7 @@
       </p:grpSpPr>
       <p:sp>
         <p:nvSpPr>
-          <p:cNvPr id="94" name="PlaceHolder 1"/>
+          <p:cNvPr id="124" name="PlaceHolder 1"/>
           <p:cNvSpPr>
             <a:spLocks noGrp="1"/>
           </p:cNvSpPr>
@@ -5578,7 +7894,7 @@
         <p:spPr>
           <a:xfrm>
             <a:off x="540000" y="270000"/>
-            <a:ext cx="9000000" cy="990000"/>
+            <a:ext cx="8999640" cy="989640"/>
           </a:xfrm>
           <a:prstGeom prst="rect">
             <a:avLst/>
@@ -5594,7 +7910,13 @@
           </a:bodyPr>
           <a:p>
             <a:pPr indent="0" algn="ctr">
+              <a:lnSpc>
+                <a:spcPct val="100000"/>
+              </a:lnSpc>
               <a:buNone/>
+              <a:tabLst>
+                <a:tab algn="l" pos="0"/>
+              </a:tabLst>
             </a:pPr>
             <a:r>
               <a:rPr b="0" lang="en-US" sz="3300" strike="noStrike" u="none">
@@ -5608,17 +7930,17 @@
             </a:r>
             <a:endParaRPr b="0" lang="en-US" sz="3300" strike="noStrike" u="none">
               <a:solidFill>
-                <a:srgbClr val="ffffff"/>
-              </a:solidFill>
-              <a:uFillTx/>
-              <a:latin typeface="Arial"/>
-            </a:endParaRPr>
-          </a:p>
-        </p:txBody>
-      </p:sp>
-      <p:sp>
-        <p:nvSpPr>
-          <p:cNvPr id="95" name="PlaceHolder 2"/>
+                <a:srgbClr val="000000"/>
+              </a:solidFill>
+              <a:uFillTx/>
+              <a:latin typeface="Arial"/>
+            </a:endParaRPr>
+          </a:p>
+        </p:txBody>
+      </p:sp>
+      <p:sp>
+        <p:nvSpPr>
+          <p:cNvPr id="125" name="PlaceHolder 2"/>
           <p:cNvSpPr>
             <a:spLocks noGrp="1"/>
           </p:cNvSpPr>
@@ -5629,7 +7951,7 @@
         <p:spPr>
           <a:xfrm>
             <a:off x="4572000" y="2057400"/>
-            <a:ext cx="603000" cy="1818720"/>
+            <a:ext cx="602640" cy="1818360"/>
           </a:xfrm>
           <a:prstGeom prst="rect">
             <a:avLst/>
@@ -5645,7 +7967,13 @@
           </a:bodyPr>
           <a:p>
             <a:pPr marL="216000" indent="0" algn="ctr">
+              <a:lnSpc>
+                <a:spcPct val="100000"/>
+              </a:lnSpc>
               <a:buNone/>
+              <a:tabLst>
+                <a:tab algn="l" pos="0"/>
+              </a:tabLst>
             </a:pPr>
             <a:r>
               <a:rPr b="0" lang="en-US" sz="3200" strike="noStrike" u="none">
@@ -5709,7 +8037,7 @@
       </p:grpSpPr>
       <p:sp>
         <p:nvSpPr>
-          <p:cNvPr id="62" name="PlaceHolder 1"/>
+          <p:cNvPr id="92" name="PlaceHolder 1"/>
           <p:cNvSpPr>
             <a:spLocks noGrp="1"/>
           </p:cNvSpPr>
@@ -5720,7 +8048,7 @@
         <p:spPr>
           <a:xfrm>
             <a:off x="540000" y="270000"/>
-            <a:ext cx="9000000" cy="990000"/>
+            <a:ext cx="8999640" cy="989640"/>
           </a:xfrm>
           <a:prstGeom prst="rect">
             <a:avLst/>
@@ -5736,7 +8064,13 @@
           </a:bodyPr>
           <a:p>
             <a:pPr indent="0" algn="ctr">
+              <a:lnSpc>
+                <a:spcPct val="100000"/>
+              </a:lnSpc>
               <a:buNone/>
+              <a:tabLst>
+                <a:tab algn="l" pos="0"/>
+              </a:tabLst>
             </a:pPr>
             <a:r>
               <a:rPr b="0" lang="en-US" sz="3300" strike="noStrike" u="none">
@@ -5750,17 +8084,17 @@
             </a:r>
             <a:endParaRPr b="0" lang="en-US" sz="3300" strike="noStrike" u="none">
               <a:solidFill>
-                <a:srgbClr val="ffffff"/>
-              </a:solidFill>
-              <a:uFillTx/>
-              <a:latin typeface="Arial"/>
-            </a:endParaRPr>
-          </a:p>
-        </p:txBody>
-      </p:sp>
-      <p:sp>
-        <p:nvSpPr>
-          <p:cNvPr id="63" name="PlaceHolder 2"/>
+                <a:srgbClr val="000000"/>
+              </a:solidFill>
+              <a:uFillTx/>
+              <a:latin typeface="Arial"/>
+            </a:endParaRPr>
+          </a:p>
+        </p:txBody>
+      </p:sp>
+      <p:sp>
+        <p:nvSpPr>
+          <p:cNvPr id="93" name="PlaceHolder 2"/>
           <p:cNvSpPr>
             <a:spLocks noGrp="1"/>
           </p:cNvSpPr>
@@ -5771,7 +8105,7 @@
         <p:spPr>
           <a:xfrm>
             <a:off x="540000" y="1440000"/>
-            <a:ext cx="9000000" cy="3600000"/>
+            <a:ext cx="8999640" cy="3599640"/>
           </a:xfrm>
           <a:prstGeom prst="rect">
             <a:avLst/>
@@ -5787,6 +8121,9 @@
           </a:bodyPr>
           <a:p>
             <a:pPr marL="432000" indent="-324000">
+              <a:lnSpc>
+                <a:spcPct val="100000"/>
+              </a:lnSpc>
               <a:spcAft>
                 <a:spcPts val="1060"/>
               </a:spcAft>
@@ -5817,6 +8154,9 @@
           </a:p>
           <a:p>
             <a:pPr lvl="1" marL="864000" indent="-324000">
+              <a:lnSpc>
+                <a:spcPct val="100000"/>
+              </a:lnSpc>
               <a:spcAft>
                 <a:spcPts val="850"/>
               </a:spcAft>
@@ -5847,6 +8187,9 @@
           </a:p>
           <a:p>
             <a:pPr marL="432000" indent="-324000">
+              <a:lnSpc>
+                <a:spcPct val="100000"/>
+              </a:lnSpc>
               <a:spcAft>
                 <a:spcPts val="1060"/>
               </a:spcAft>
@@ -5877,6 +8220,9 @@
           </a:p>
           <a:p>
             <a:pPr lvl="1" marL="864000" indent="-324000">
+              <a:lnSpc>
+                <a:spcPct val="100000"/>
+              </a:lnSpc>
               <a:spcAft>
                 <a:spcPts val="850"/>
               </a:spcAft>
@@ -5907,6 +8253,9 @@
           </a:p>
           <a:p>
             <a:pPr lvl="2" marL="1296000" indent="-288000">
+              <a:lnSpc>
+                <a:spcPct val="100000"/>
+              </a:lnSpc>
               <a:spcAft>
                 <a:spcPts val="635"/>
               </a:spcAft>
@@ -5937,6 +8286,9 @@
           </a:p>
           <a:p>
             <a:pPr lvl="1" marL="864000" indent="-324000">
+              <a:lnSpc>
+                <a:spcPct val="100000"/>
+              </a:lnSpc>
               <a:spcAft>
                 <a:spcPts val="850"/>
               </a:spcAft>
@@ -5999,7 +8351,7 @@
       </p:grpSpPr>
       <p:sp>
         <p:nvSpPr>
-          <p:cNvPr id="64" name="PlaceHolder 1"/>
+          <p:cNvPr id="94" name="PlaceHolder 1"/>
           <p:cNvSpPr>
             <a:spLocks noGrp="1"/>
           </p:cNvSpPr>
@@ -6010,7 +8362,7 @@
         <p:spPr>
           <a:xfrm>
             <a:off x="540000" y="270000"/>
-            <a:ext cx="9000000" cy="990000"/>
+            <a:ext cx="8999640" cy="989640"/>
           </a:xfrm>
           <a:prstGeom prst="rect">
             <a:avLst/>
@@ -6026,7 +8378,13 @@
           </a:bodyPr>
           <a:p>
             <a:pPr indent="0" algn="ctr">
+              <a:lnSpc>
+                <a:spcPct val="100000"/>
+              </a:lnSpc>
               <a:buNone/>
+              <a:tabLst>
+                <a:tab algn="l" pos="0"/>
+              </a:tabLst>
             </a:pPr>
             <a:r>
               <a:rPr b="0" lang="en-US" sz="3300" strike="noStrike" u="none">
@@ -6040,17 +8398,17 @@
             </a:r>
             <a:endParaRPr b="0" lang="en-US" sz="3300" strike="noStrike" u="none">
               <a:solidFill>
-                <a:srgbClr val="ffffff"/>
-              </a:solidFill>
-              <a:uFillTx/>
-              <a:latin typeface="Arial"/>
-            </a:endParaRPr>
-          </a:p>
-        </p:txBody>
-      </p:sp>
-      <p:sp>
-        <p:nvSpPr>
-          <p:cNvPr id="65" name="PlaceHolder 2"/>
+                <a:srgbClr val="000000"/>
+              </a:solidFill>
+              <a:uFillTx/>
+              <a:latin typeface="Arial"/>
+            </a:endParaRPr>
+          </a:p>
+        </p:txBody>
+      </p:sp>
+      <p:sp>
+        <p:nvSpPr>
+          <p:cNvPr id="95" name="PlaceHolder 2"/>
           <p:cNvSpPr>
             <a:spLocks noGrp="1"/>
           </p:cNvSpPr>
@@ -6061,7 +8419,7 @@
         <p:spPr>
           <a:xfrm>
             <a:off x="540000" y="1440000"/>
-            <a:ext cx="9000000" cy="3600000"/>
+            <a:ext cx="8999640" cy="3599640"/>
           </a:xfrm>
           <a:prstGeom prst="rect">
             <a:avLst/>
@@ -6077,6 +8435,9 @@
           </a:bodyPr>
           <a:p>
             <a:pPr marL="432000" indent="-324000">
+              <a:lnSpc>
+                <a:spcPct val="100000"/>
+              </a:lnSpc>
               <a:spcAft>
                 <a:spcPts val="1060"/>
               </a:spcAft>
@@ -6107,6 +8468,9 @@
           </a:p>
           <a:p>
             <a:pPr lvl="1" marL="864000" indent="-324000">
+              <a:lnSpc>
+                <a:spcPct val="100000"/>
+              </a:lnSpc>
               <a:spcAft>
                 <a:spcPts val="850"/>
               </a:spcAft>
@@ -6137,6 +8501,9 @@
           </a:p>
           <a:p>
             <a:pPr lvl="2" marL="1296000" indent="-288000">
+              <a:lnSpc>
+                <a:spcPct val="100000"/>
+              </a:lnSpc>
               <a:spcAft>
                 <a:spcPts val="635"/>
               </a:spcAft>
@@ -6167,6 +8534,9 @@
           </a:p>
           <a:p>
             <a:pPr marL="432000" indent="-324000">
+              <a:lnSpc>
+                <a:spcPct val="100000"/>
+              </a:lnSpc>
               <a:spcAft>
                 <a:spcPts val="1060"/>
               </a:spcAft>
@@ -6197,6 +8567,9 @@
           </a:p>
           <a:p>
             <a:pPr lvl="1" marL="864000" indent="-324000">
+              <a:lnSpc>
+                <a:spcPct val="100000"/>
+              </a:lnSpc>
               <a:spcAft>
                 <a:spcPts val="850"/>
               </a:spcAft>
@@ -6227,6 +8600,9 @@
           </a:p>
           <a:p>
             <a:pPr lvl="2" marL="1296000" indent="-288000">
+              <a:lnSpc>
+                <a:spcPct val="100000"/>
+              </a:lnSpc>
               <a:spcAft>
                 <a:spcPts val="635"/>
               </a:spcAft>
@@ -6257,6 +8633,9 @@
           </a:p>
           <a:p>
             <a:pPr lvl="2" marL="1296000" indent="-288000">
+              <a:lnSpc>
+                <a:spcPct val="100000"/>
+              </a:lnSpc>
               <a:spcAft>
                 <a:spcPts val="635"/>
               </a:spcAft>
@@ -6319,7 +8698,7 @@
       </p:grpSpPr>
       <p:sp>
         <p:nvSpPr>
-          <p:cNvPr id="66" name="PlaceHolder 1"/>
+          <p:cNvPr id="96" name="PlaceHolder 1"/>
           <p:cNvSpPr>
             <a:spLocks noGrp="1"/>
           </p:cNvSpPr>
@@ -6330,7 +8709,7 @@
         <p:spPr>
           <a:xfrm>
             <a:off x="540000" y="270000"/>
-            <a:ext cx="9000000" cy="990000"/>
+            <a:ext cx="8999640" cy="989640"/>
           </a:xfrm>
           <a:prstGeom prst="rect">
             <a:avLst/>
@@ -6346,7 +8725,13 @@
           </a:bodyPr>
           <a:p>
             <a:pPr indent="0" algn="ctr">
+              <a:lnSpc>
+                <a:spcPct val="100000"/>
+              </a:lnSpc>
               <a:buNone/>
+              <a:tabLst>
+                <a:tab algn="l" pos="0"/>
+              </a:tabLst>
             </a:pPr>
             <a:r>
               <a:rPr b="0" lang="en-US" sz="3300" strike="noStrike" u="none">
@@ -6360,17 +8745,17 @@
             </a:r>
             <a:endParaRPr b="0" lang="en-US" sz="3300" strike="noStrike" u="none">
               <a:solidFill>
-                <a:srgbClr val="ffffff"/>
-              </a:solidFill>
-              <a:uFillTx/>
-              <a:latin typeface="Arial"/>
-            </a:endParaRPr>
-          </a:p>
-        </p:txBody>
-      </p:sp>
-      <p:sp>
-        <p:nvSpPr>
-          <p:cNvPr id="67" name="PlaceHolder 2"/>
+                <a:srgbClr val="000000"/>
+              </a:solidFill>
+              <a:uFillTx/>
+              <a:latin typeface="Arial"/>
+            </a:endParaRPr>
+          </a:p>
+        </p:txBody>
+      </p:sp>
+      <p:sp>
+        <p:nvSpPr>
+          <p:cNvPr id="97" name="PlaceHolder 2"/>
           <p:cNvSpPr>
             <a:spLocks noGrp="1"/>
           </p:cNvSpPr>
@@ -6381,7 +8766,7 @@
         <p:spPr>
           <a:xfrm>
             <a:off x="540000" y="1440000"/>
-            <a:ext cx="9000000" cy="3600000"/>
+            <a:ext cx="8999640" cy="3599640"/>
           </a:xfrm>
           <a:prstGeom prst="rect">
             <a:avLst/>
@@ -6397,6 +8782,9 @@
           </a:bodyPr>
           <a:p>
             <a:pPr marL="432000" indent="-324000">
+              <a:lnSpc>
+                <a:spcPct val="100000"/>
+              </a:lnSpc>
               <a:spcAft>
                 <a:spcPts val="1060"/>
               </a:spcAft>
@@ -6427,6 +8815,9 @@
           </a:p>
           <a:p>
             <a:pPr lvl="1" marL="864000" indent="-324000">
+              <a:lnSpc>
+                <a:spcPct val="100000"/>
+              </a:lnSpc>
               <a:spcAft>
                 <a:spcPts val="850"/>
               </a:spcAft>
@@ -6457,6 +8848,9 @@
           </a:p>
           <a:p>
             <a:pPr lvl="1" marL="864000" indent="-324000">
+              <a:lnSpc>
+                <a:spcPct val="100000"/>
+              </a:lnSpc>
               <a:spcAft>
                 <a:spcPts val="850"/>
               </a:spcAft>
@@ -6489,7 +8883,7 @@
       </p:sp>
       <p:pic>
         <p:nvPicPr>
-          <p:cNvPr id="68" name="" descr=""/>
+          <p:cNvPr id="98" name="" descr=""/>
           <p:cNvPicPr/>
           <p:nvPr/>
         </p:nvPicPr>
@@ -6502,7 +8896,7 @@
         <p:spPr>
           <a:xfrm>
             <a:off x="2390400" y="2971800"/>
-            <a:ext cx="5153400" cy="2340360"/>
+            <a:ext cx="5153040" cy="2340000"/>
           </a:xfrm>
           <a:prstGeom prst="rect">
             <a:avLst/>
@@ -6544,7 +8938,7 @@
       </p:grpSpPr>
       <p:sp>
         <p:nvSpPr>
-          <p:cNvPr id="69" name="PlaceHolder 1"/>
+          <p:cNvPr id="99" name="PlaceHolder 1"/>
           <p:cNvSpPr>
             <a:spLocks noGrp="1"/>
           </p:cNvSpPr>
@@ -6555,7 +8949,7 @@
         <p:spPr>
           <a:xfrm>
             <a:off x="540000" y="270000"/>
-            <a:ext cx="9000000" cy="990000"/>
+            <a:ext cx="8999640" cy="989640"/>
           </a:xfrm>
           <a:prstGeom prst="rect">
             <a:avLst/>
@@ -6571,7 +8965,13 @@
           </a:bodyPr>
           <a:p>
             <a:pPr indent="0" algn="ctr">
+              <a:lnSpc>
+                <a:spcPct val="100000"/>
+              </a:lnSpc>
               <a:buNone/>
+              <a:tabLst>
+                <a:tab algn="l" pos="0"/>
+              </a:tabLst>
             </a:pPr>
             <a:r>
               <a:rPr b="0" lang="en-US" sz="3300" strike="noStrike" u="none">
@@ -6585,17 +8985,17 @@
             </a:r>
             <a:endParaRPr b="0" lang="en-US" sz="3300" strike="noStrike" u="none">
               <a:solidFill>
-                <a:srgbClr val="ffffff"/>
-              </a:solidFill>
-              <a:uFillTx/>
-              <a:latin typeface="Arial"/>
-            </a:endParaRPr>
-          </a:p>
-        </p:txBody>
-      </p:sp>
-      <p:sp>
-        <p:nvSpPr>
-          <p:cNvPr id="70" name="PlaceHolder 2"/>
+                <a:srgbClr val="000000"/>
+              </a:solidFill>
+              <a:uFillTx/>
+              <a:latin typeface="Arial"/>
+            </a:endParaRPr>
+          </a:p>
+        </p:txBody>
+      </p:sp>
+      <p:sp>
+        <p:nvSpPr>
+          <p:cNvPr id="100" name="PlaceHolder 2"/>
           <p:cNvSpPr>
             <a:spLocks noGrp="1"/>
           </p:cNvSpPr>
@@ -6606,7 +9006,7 @@
         <p:spPr>
           <a:xfrm>
             <a:off x="540000" y="1440000"/>
-            <a:ext cx="9000000" cy="3600000"/>
+            <a:ext cx="8999640" cy="3599640"/>
           </a:xfrm>
           <a:prstGeom prst="rect">
             <a:avLst/>
@@ -6622,6 +9022,9 @@
           </a:bodyPr>
           <a:p>
             <a:pPr marL="432000" indent="-324000">
+              <a:lnSpc>
+                <a:spcPct val="100000"/>
+              </a:lnSpc>
               <a:spcAft>
                 <a:spcPts val="1060"/>
               </a:spcAft>
@@ -6652,6 +9055,9 @@
           </a:p>
           <a:p>
             <a:pPr lvl="1" marL="864000" indent="-324000">
+              <a:lnSpc>
+                <a:spcPct val="100000"/>
+              </a:lnSpc>
               <a:spcAft>
                 <a:spcPts val="850"/>
               </a:spcAft>
@@ -6682,6 +9088,9 @@
           </a:p>
           <a:p>
             <a:pPr lvl="2" marL="1296000" indent="-288000">
+              <a:lnSpc>
+                <a:spcPct val="100000"/>
+              </a:lnSpc>
               <a:spcAft>
                 <a:spcPts val="635"/>
               </a:spcAft>
@@ -6712,6 +9121,9 @@
           </a:p>
           <a:p>
             <a:pPr lvl="1" marL="864000" indent="-324000">
+              <a:lnSpc>
+                <a:spcPct val="100000"/>
+              </a:lnSpc>
               <a:spcAft>
                 <a:spcPts val="850"/>
               </a:spcAft>
@@ -6742,6 +9154,9 @@
           </a:p>
           <a:p>
             <a:pPr lvl="2" marL="1296000" indent="-288000">
+              <a:lnSpc>
+                <a:spcPct val="100000"/>
+              </a:lnSpc>
               <a:spcAft>
                 <a:spcPts val="635"/>
               </a:spcAft>
@@ -6772,6 +9187,9 @@
           </a:p>
           <a:p>
             <a:pPr lvl="1" marL="864000" indent="-324000">
+              <a:lnSpc>
+                <a:spcPct val="100000"/>
+              </a:lnSpc>
               <a:spcAft>
                 <a:spcPts val="850"/>
               </a:spcAft>
@@ -6802,6 +9220,9 @@
           </a:p>
           <a:p>
             <a:pPr lvl="2" marL="1296000" indent="-288000">
+              <a:lnSpc>
+                <a:spcPct val="100000"/>
+              </a:lnSpc>
               <a:spcAft>
                 <a:spcPts val="635"/>
               </a:spcAft>
@@ -6832,6 +9253,9 @@
           </a:p>
           <a:p>
             <a:pPr lvl="2" marL="1296000" indent="-288000">
+              <a:lnSpc>
+                <a:spcPct val="100000"/>
+              </a:lnSpc>
               <a:spcAft>
                 <a:spcPts val="635"/>
               </a:spcAft>
@@ -6862,6 +9286,9 @@
           </a:p>
           <a:p>
             <a:pPr lvl="2" marL="1296000" indent="-288000">
+              <a:lnSpc>
+                <a:spcPct val="100000"/>
+              </a:lnSpc>
               <a:spcAft>
                 <a:spcPts val="635"/>
               </a:spcAft>
@@ -6924,7 +9351,7 @@
       </p:grpSpPr>
       <p:sp>
         <p:nvSpPr>
-          <p:cNvPr id="71" name="PlaceHolder 1"/>
+          <p:cNvPr id="101" name="PlaceHolder 1"/>
           <p:cNvSpPr>
             <a:spLocks noGrp="1"/>
           </p:cNvSpPr>
@@ -6935,7 +9362,7 @@
         <p:spPr>
           <a:xfrm>
             <a:off x="540000" y="270000"/>
-            <a:ext cx="9000000" cy="990000"/>
+            <a:ext cx="8999640" cy="989640"/>
           </a:xfrm>
           <a:prstGeom prst="rect">
             <a:avLst/>
@@ -6951,7 +9378,13 @@
           </a:bodyPr>
           <a:p>
             <a:pPr indent="0" algn="ctr">
+              <a:lnSpc>
+                <a:spcPct val="100000"/>
+              </a:lnSpc>
               <a:buNone/>
+              <a:tabLst>
+                <a:tab algn="l" pos="0"/>
+              </a:tabLst>
             </a:pPr>
             <a:r>
               <a:rPr b="0" lang="en-US" sz="3300" strike="noStrike" u="none">
@@ -6965,17 +9398,17 @@
             </a:r>
             <a:endParaRPr b="0" lang="en-US" sz="3300" strike="noStrike" u="none">
               <a:solidFill>
-                <a:srgbClr val="ffffff"/>
-              </a:solidFill>
-              <a:uFillTx/>
-              <a:latin typeface="Arial"/>
-            </a:endParaRPr>
-          </a:p>
-        </p:txBody>
-      </p:sp>
-      <p:sp>
-        <p:nvSpPr>
-          <p:cNvPr id="72" name="PlaceHolder 2"/>
+                <a:srgbClr val="000000"/>
+              </a:solidFill>
+              <a:uFillTx/>
+              <a:latin typeface="Arial"/>
+            </a:endParaRPr>
+          </a:p>
+        </p:txBody>
+      </p:sp>
+      <p:sp>
+        <p:nvSpPr>
+          <p:cNvPr id="102" name="PlaceHolder 2"/>
           <p:cNvSpPr>
             <a:spLocks noGrp="1"/>
           </p:cNvSpPr>
@@ -6986,7 +9419,7 @@
         <p:spPr>
           <a:xfrm>
             <a:off x="540000" y="1440000"/>
-            <a:ext cx="9000000" cy="3600000"/>
+            <a:ext cx="8999640" cy="3599640"/>
           </a:xfrm>
           <a:prstGeom prst="rect">
             <a:avLst/>
@@ -7002,6 +9435,9 @@
           </a:bodyPr>
           <a:p>
             <a:pPr marL="432000" indent="-324000">
+              <a:lnSpc>
+                <a:spcPct val="100000"/>
+              </a:lnSpc>
               <a:spcAft>
                 <a:spcPts val="1060"/>
               </a:spcAft>
@@ -7032,6 +9468,9 @@
           </a:p>
           <a:p>
             <a:pPr lvl="1" marL="864000" indent="-324000">
+              <a:lnSpc>
+                <a:spcPct val="100000"/>
+              </a:lnSpc>
               <a:spcAft>
                 <a:spcPts val="850"/>
               </a:spcAft>
@@ -7062,6 +9501,9 @@
           </a:p>
           <a:p>
             <a:pPr lvl="2" marL="1296000" indent="-288000">
+              <a:lnSpc>
+                <a:spcPct val="100000"/>
+              </a:lnSpc>
               <a:spcAft>
                 <a:spcPts val="635"/>
               </a:spcAft>
@@ -7092,6 +9534,9 @@
           </a:p>
           <a:p>
             <a:pPr lvl="2" marL="1296000" indent="-288000">
+              <a:lnSpc>
+                <a:spcPct val="100000"/>
+              </a:lnSpc>
               <a:spcAft>
                 <a:spcPts val="635"/>
               </a:spcAft>
@@ -7110,7 +9555,40 @@
                 <a:uFillTx/>
                 <a:latin typeface="Arial"/>
               </a:rPr>
-              <a:t>Find minimum prereqs, ignoring specific categories (i.e. TEST, DEPT, JUNIOR, and NONE)</a:t>
+              <a:t>Find minimum and maximum prereqs, ignoring specific categories </a:t>
+            </a:r>
+            <a:endParaRPr b="0" lang="en-US" sz="1800" strike="noStrike" u="none">
+              <a:solidFill>
+                <a:srgbClr val="000000"/>
+              </a:solidFill>
+              <a:uFillTx/>
+              <a:latin typeface="Arial"/>
+            </a:endParaRPr>
+          </a:p>
+          <a:p>
+            <a:pPr lvl="3" marL="1728000" indent="-216000">
+              <a:lnSpc>
+                <a:spcPct val="100000"/>
+              </a:lnSpc>
+              <a:spcBef>
+                <a:spcPts val="567"/>
+              </a:spcBef>
+              <a:buClr>
+                <a:srgbClr val="000000"/>
+              </a:buClr>
+              <a:buSzPct val="75000"/>
+              <a:buFont typeface="Symbol" charset="2"/>
+              <a:buChar char=""/>
+            </a:pPr>
+            <a:r>
+              <a:rPr b="0" lang="en-US" sz="1800" strike="noStrike" u="none">
+                <a:solidFill>
+                  <a:srgbClr val="000000"/>
+                </a:solidFill>
+                <a:uFillTx/>
+                <a:latin typeface="Arial"/>
+              </a:rPr>
+              <a:t>(i.e. TEST, DEPT, JUNIOR, and NONE)</a:t>
             </a:r>
             <a:endParaRPr b="0" lang="en-US" sz="1800" strike="noStrike" u="none">
               <a:solidFill>
@@ -7154,7 +9632,7 @@
       </p:grpSpPr>
       <p:sp>
         <p:nvSpPr>
-          <p:cNvPr id="73" name="PlaceHolder 1"/>
+          <p:cNvPr id="103" name="PlaceHolder 1"/>
           <p:cNvSpPr>
             <a:spLocks noGrp="1"/>
           </p:cNvSpPr>
@@ -7165,7 +9643,7 @@
         <p:spPr>
           <a:xfrm>
             <a:off x="540000" y="270000"/>
-            <a:ext cx="9000000" cy="990000"/>
+            <a:ext cx="8999640" cy="989640"/>
           </a:xfrm>
           <a:prstGeom prst="rect">
             <a:avLst/>
@@ -7181,7 +9659,13 @@
           </a:bodyPr>
           <a:p>
             <a:pPr indent="0" algn="ctr">
+              <a:lnSpc>
+                <a:spcPct val="100000"/>
+              </a:lnSpc>
               <a:buNone/>
+              <a:tabLst>
+                <a:tab algn="l" pos="0"/>
+              </a:tabLst>
             </a:pPr>
             <a:r>
               <a:rPr b="0" lang="en-US" sz="3300" strike="noStrike" u="none">
@@ -7195,17 +9679,17 @@
             </a:r>
             <a:endParaRPr b="0" lang="en-US" sz="3300" strike="noStrike" u="none">
               <a:solidFill>
-                <a:srgbClr val="ffffff"/>
-              </a:solidFill>
-              <a:uFillTx/>
-              <a:latin typeface="Arial"/>
-            </a:endParaRPr>
-          </a:p>
-        </p:txBody>
-      </p:sp>
-      <p:sp>
-        <p:nvSpPr>
-          <p:cNvPr id="74" name="PlaceHolder 2"/>
+                <a:srgbClr val="000000"/>
+              </a:solidFill>
+              <a:uFillTx/>
+              <a:latin typeface="Arial"/>
+            </a:endParaRPr>
+          </a:p>
+        </p:txBody>
+      </p:sp>
+      <p:sp>
+        <p:nvSpPr>
+          <p:cNvPr id="104" name="PlaceHolder 2"/>
           <p:cNvSpPr>
             <a:spLocks noGrp="1"/>
           </p:cNvSpPr>
@@ -7216,7 +9700,7 @@
         <p:spPr>
           <a:xfrm>
             <a:off x="540000" y="1440000"/>
-            <a:ext cx="9000000" cy="3600000"/>
+            <a:ext cx="8999640" cy="3599640"/>
           </a:xfrm>
           <a:prstGeom prst="rect">
             <a:avLst/>
@@ -7232,6 +9716,9 @@
           </a:bodyPr>
           <a:p>
             <a:pPr marL="432000" indent="-324000">
+              <a:lnSpc>
+                <a:spcPct val="100000"/>
+              </a:lnSpc>
               <a:spcAft>
                 <a:spcPts val="1060"/>
               </a:spcAft>
@@ -7262,6 +9749,9 @@
           </a:p>
           <a:p>
             <a:pPr lvl="1" marL="864000" indent="-324000">
+              <a:lnSpc>
+                <a:spcPct val="100000"/>
+              </a:lnSpc>
               <a:spcAft>
                 <a:spcPts val="850"/>
               </a:spcAft>
@@ -7292,6 +9782,9 @@
           </a:p>
           <a:p>
             <a:pPr lvl="2" marL="1296000" indent="-288000">
+              <a:lnSpc>
+                <a:spcPct val="100000"/>
+              </a:lnSpc>
               <a:spcAft>
                 <a:spcPts val="635"/>
               </a:spcAft>
@@ -7322,6 +9815,9 @@
           </a:p>
           <a:p>
             <a:pPr lvl="1" marL="864000" indent="-324000">
+              <a:lnSpc>
+                <a:spcPct val="100000"/>
+              </a:lnSpc>
               <a:spcAft>
                 <a:spcPts val="850"/>
               </a:spcAft>
@@ -7352,6 +9848,9 @@
           </a:p>
           <a:p>
             <a:pPr lvl="2" marL="1296000" indent="-288000">
+              <a:lnSpc>
+                <a:spcPct val="100000"/>
+              </a:lnSpc>
               <a:spcAft>
                 <a:spcPts val="635"/>
               </a:spcAft>
@@ -7414,7 +9913,7 @@
       </p:grpSpPr>
       <p:sp>
         <p:nvSpPr>
-          <p:cNvPr id="75" name="PlaceHolder 1"/>
+          <p:cNvPr id="105" name="PlaceHolder 1"/>
           <p:cNvSpPr>
             <a:spLocks noGrp="1"/>
           </p:cNvSpPr>
@@ -7425,7 +9924,7 @@
         <p:spPr>
           <a:xfrm>
             <a:off x="540000" y="270000"/>
-            <a:ext cx="9000000" cy="990000"/>
+            <a:ext cx="8999640" cy="989640"/>
           </a:xfrm>
           <a:prstGeom prst="rect">
             <a:avLst/>
@@ -7441,7 +9940,13 @@
           </a:bodyPr>
           <a:p>
             <a:pPr indent="0" algn="ctr">
+              <a:lnSpc>
+                <a:spcPct val="100000"/>
+              </a:lnSpc>
               <a:buNone/>
+              <a:tabLst>
+                <a:tab algn="l" pos="0"/>
+              </a:tabLst>
             </a:pPr>
             <a:r>
               <a:rPr b="0" lang="en-US" sz="3300" strike="noStrike" u="none">
@@ -7455,17 +9960,17 @@
             </a:r>
             <a:endParaRPr b="0" lang="en-US" sz="3300" strike="noStrike" u="none">
               <a:solidFill>
-                <a:srgbClr val="ffffff"/>
-              </a:solidFill>
-              <a:uFillTx/>
-              <a:latin typeface="Arial"/>
-            </a:endParaRPr>
-          </a:p>
-        </p:txBody>
-      </p:sp>
-      <p:sp>
-        <p:nvSpPr>
-          <p:cNvPr id="76" name="PlaceHolder 2"/>
+                <a:srgbClr val="000000"/>
+              </a:solidFill>
+              <a:uFillTx/>
+              <a:latin typeface="Arial"/>
+            </a:endParaRPr>
+          </a:p>
+        </p:txBody>
+      </p:sp>
+      <p:sp>
+        <p:nvSpPr>
+          <p:cNvPr id="106" name="PlaceHolder 2"/>
           <p:cNvSpPr>
             <a:spLocks noGrp="1"/>
           </p:cNvSpPr>
@@ -7476,7 +9981,7 @@
         <p:spPr>
           <a:xfrm>
             <a:off x="540000" y="1440000"/>
-            <a:ext cx="9000000" cy="3600000"/>
+            <a:ext cx="8999640" cy="3599640"/>
           </a:xfrm>
           <a:prstGeom prst="rect">
             <a:avLst/>
@@ -7492,6 +9997,9 @@
           </a:bodyPr>
           <a:p>
             <a:pPr marL="432000" indent="-324000">
+              <a:lnSpc>
+                <a:spcPct val="100000"/>
+              </a:lnSpc>
               <a:spcAft>
                 <a:spcPts val="1060"/>
               </a:spcAft>
@@ -7524,7 +10032,7 @@
       </p:sp>
       <p:pic>
         <p:nvPicPr>
-          <p:cNvPr id="77" name="" descr=""/>
+          <p:cNvPr id="107" name="" descr=""/>
           <p:cNvPicPr/>
           <p:nvPr/>
         </p:nvPicPr>
@@ -7537,7 +10045,7 @@
         <p:spPr>
           <a:xfrm>
             <a:off x="3287160" y="1615680"/>
-            <a:ext cx="6085440" cy="3642120"/>
+            <a:ext cx="6085080" cy="3641760"/>
           </a:xfrm>
           <a:prstGeom prst="rect">
             <a:avLst/>
@@ -7579,7 +10087,7 @@
       </p:grpSpPr>
       <p:sp>
         <p:nvSpPr>
-          <p:cNvPr id="78" name="PlaceHolder 1"/>
+          <p:cNvPr id="108" name="PlaceHolder 1"/>
           <p:cNvSpPr>
             <a:spLocks noGrp="1"/>
           </p:cNvSpPr>
@@ -7590,7 +10098,7 @@
         <p:spPr>
           <a:xfrm>
             <a:off x="540000" y="270000"/>
-            <a:ext cx="9000000" cy="990000"/>
+            <a:ext cx="8999640" cy="989640"/>
           </a:xfrm>
           <a:prstGeom prst="rect">
             <a:avLst/>
@@ -7606,7 +10114,13 @@
           </a:bodyPr>
           <a:p>
             <a:pPr indent="0" algn="ctr">
+              <a:lnSpc>
+                <a:spcPct val="100000"/>
+              </a:lnSpc>
               <a:buNone/>
+              <a:tabLst>
+                <a:tab algn="l" pos="0"/>
+              </a:tabLst>
             </a:pPr>
             <a:r>
               <a:rPr b="0" lang="en-US" sz="3300" strike="noStrike" u="none">
@@ -7620,17 +10134,17 @@
             </a:r>
             <a:endParaRPr b="0" lang="en-US" sz="3300" strike="noStrike" u="none">
               <a:solidFill>
-                <a:srgbClr val="ffffff"/>
-              </a:solidFill>
-              <a:uFillTx/>
-              <a:latin typeface="Arial"/>
-            </a:endParaRPr>
-          </a:p>
-        </p:txBody>
-      </p:sp>
-      <p:sp>
-        <p:nvSpPr>
-          <p:cNvPr id="79" name="PlaceHolder 2"/>
+                <a:srgbClr val="000000"/>
+              </a:solidFill>
+              <a:uFillTx/>
+              <a:latin typeface="Arial"/>
+            </a:endParaRPr>
+          </a:p>
+        </p:txBody>
+      </p:sp>
+      <p:sp>
+        <p:nvSpPr>
+          <p:cNvPr id="109" name="PlaceHolder 2"/>
           <p:cNvSpPr>
             <a:spLocks noGrp="1"/>
           </p:cNvSpPr>
@@ -7641,7 +10155,7 @@
         <p:spPr>
           <a:xfrm>
             <a:off x="540000" y="1440000"/>
-            <a:ext cx="9000000" cy="3600000"/>
+            <a:ext cx="8999640" cy="3599640"/>
           </a:xfrm>
           <a:prstGeom prst="rect">
             <a:avLst/>
@@ -7657,10 +10171,16 @@
           </a:bodyPr>
           <a:p>
             <a:pPr marL="432000" indent="0">
+              <a:lnSpc>
+                <a:spcPct val="100000"/>
+              </a:lnSpc>
               <a:spcAft>
                 <a:spcPts val="1060"/>
               </a:spcAft>
               <a:buNone/>
+              <a:tabLst>
+                <a:tab algn="l" pos="0"/>
+              </a:tabLst>
             </a:pPr>
             <a:r>
               <a:rPr b="0" lang="en-US" sz="2400" strike="noStrike" u="none">
@@ -7684,7 +10204,7 @@
       </p:sp>
       <p:pic>
         <p:nvPicPr>
-          <p:cNvPr id="80" name="" descr=""/>
+          <p:cNvPr id="110" name="" descr=""/>
           <p:cNvPicPr/>
           <p:nvPr/>
         </p:nvPicPr>
@@ -7697,7 +10217,7 @@
         <p:spPr>
           <a:xfrm>
             <a:off x="1828800" y="1490040"/>
-            <a:ext cx="6400800" cy="3996360"/>
+            <a:ext cx="6400440" cy="3996000"/>
           </a:xfrm>
           <a:prstGeom prst="rect">
             <a:avLst/>
@@ -8036,4 +10556,216 @@
     </a:fmtScheme>
   </a:themeElements>
 </a:theme>
+</file>
+
+<file path=ppt/theme/theme4.xml><?xml version="1.0" encoding="utf-8"?>
+<a:theme xmlns:a="http://schemas.openxmlformats.org/drawingml/2006/main" xmlns:r="http://schemas.openxmlformats.org/officeDocument/2006/relationships" name="Office">
+  <a:themeElements>
+    <a:clrScheme name="LibreOffice">
+      <a:dk1>
+        <a:srgbClr val="000000"/>
+      </a:dk1>
+      <a:lt1>
+        <a:srgbClr val="ffffff"/>
+      </a:lt1>
+      <a:dk2>
+        <a:srgbClr val="000000"/>
+      </a:dk2>
+      <a:lt2>
+        <a:srgbClr val="ffffff"/>
+      </a:lt2>
+      <a:accent1>
+        <a:srgbClr val="18a303"/>
+      </a:accent1>
+      <a:accent2>
+        <a:srgbClr val="0369a3"/>
+      </a:accent2>
+      <a:accent3>
+        <a:srgbClr val="a33e03"/>
+      </a:accent3>
+      <a:accent4>
+        <a:srgbClr val="8e03a3"/>
+      </a:accent4>
+      <a:accent5>
+        <a:srgbClr val="c99c00"/>
+      </a:accent5>
+      <a:accent6>
+        <a:srgbClr val="c9211e"/>
+      </a:accent6>
+      <a:hlink>
+        <a:srgbClr val="0000ee"/>
+      </a:hlink>
+      <a:folHlink>
+        <a:srgbClr val="551a8b"/>
+      </a:folHlink>
+    </a:clrScheme>
+    <a:fontScheme name="Office">
+      <a:majorFont>
+        <a:latin typeface="Arial" pitchFamily="0" charset="1"/>
+        <a:ea typeface="DejaVu Sans" pitchFamily="0" charset="1"/>
+        <a:cs typeface="DejaVu Sans" pitchFamily="0" charset="1"/>
+      </a:majorFont>
+      <a:minorFont>
+        <a:latin typeface="Arial" pitchFamily="0" charset="1"/>
+        <a:ea typeface="DejaVu Sans" pitchFamily="0" charset="1"/>
+        <a:cs typeface="DejaVu Sans" pitchFamily="0" charset="1"/>
+      </a:minorFont>
+    </a:fontScheme>
+    <a:fmtScheme>
+      <a:fillStyleLst>
+        <a:solidFill>
+          <a:schemeClr val="phClr"/>
+        </a:solidFill>
+        <a:solidFill>
+          <a:schemeClr val="phClr"/>
+        </a:solidFill>
+        <a:solidFill>
+          <a:schemeClr val="phClr"/>
+        </a:solidFill>
+      </a:fillStyleLst>
+      <a:lnStyleLst>
+        <a:ln w="6350" cap="flat" cmpd="sng" algn="ctr">
+          <a:prstDash val="solid"/>
+          <a:miter/>
+        </a:ln>
+        <a:ln w="6350" cap="flat" cmpd="sng" algn="ctr">
+          <a:prstDash val="solid"/>
+          <a:miter/>
+        </a:ln>
+        <a:ln w="6350" cap="flat" cmpd="sng" algn="ctr">
+          <a:prstDash val="solid"/>
+          <a:miter/>
+        </a:ln>
+      </a:lnStyleLst>
+      <a:effectStyleLst>
+        <a:effectStyle>
+          <a:effectLst/>
+        </a:effectStyle>
+        <a:effectStyle>
+          <a:effectLst/>
+        </a:effectStyle>
+        <a:effectStyle>
+          <a:effectLst/>
+        </a:effectStyle>
+      </a:effectStyleLst>
+      <a:bgFillStyleLst>
+        <a:solidFill>
+          <a:schemeClr val="phClr"/>
+        </a:solidFill>
+        <a:solidFill>
+          <a:schemeClr val="phClr"/>
+        </a:solidFill>
+        <a:solidFill>
+          <a:schemeClr val="phClr"/>
+        </a:solidFill>
+      </a:bgFillStyleLst>
+    </a:fmtScheme>
+  </a:themeElements>
+</a:theme>
+</file>
+
+<file path=ppt/theme/theme5.xml><?xml version="1.0" encoding="utf-8"?>
+<a:theme xmlns:a="http://schemas.openxmlformats.org/drawingml/2006/main" xmlns:r="http://schemas.openxmlformats.org/officeDocument/2006/relationships" name="Office">
+  <a:themeElements>
+    <a:clrScheme name="LibreOffice">
+      <a:dk1>
+        <a:srgbClr val="000000"/>
+      </a:dk1>
+      <a:lt1>
+        <a:srgbClr val="ffffff"/>
+      </a:lt1>
+      <a:dk2>
+        <a:srgbClr val="000000"/>
+      </a:dk2>
+      <a:lt2>
+        <a:srgbClr val="ffffff"/>
+      </a:lt2>
+      <a:accent1>
+        <a:srgbClr val="18a303"/>
+      </a:accent1>
+      <a:accent2>
+        <a:srgbClr val="0369a3"/>
+      </a:accent2>
+      <a:accent3>
+        <a:srgbClr val="a33e03"/>
+      </a:accent3>
+      <a:accent4>
+        <a:srgbClr val="8e03a3"/>
+      </a:accent4>
+      <a:accent5>
+        <a:srgbClr val="c99c00"/>
+      </a:accent5>
+      <a:accent6>
+        <a:srgbClr val="c9211e"/>
+      </a:accent6>
+      <a:hlink>
+        <a:srgbClr val="0000ee"/>
+      </a:hlink>
+      <a:folHlink>
+        <a:srgbClr val="551a8b"/>
+      </a:folHlink>
+    </a:clrScheme>
+    <a:fontScheme name="Office">
+      <a:majorFont>
+        <a:latin typeface="Arial" pitchFamily="0" charset="1"/>
+        <a:ea typeface="DejaVu Sans" pitchFamily="0" charset="1"/>
+        <a:cs typeface="DejaVu Sans" pitchFamily="0" charset="1"/>
+      </a:majorFont>
+      <a:minorFont>
+        <a:latin typeface="Arial" pitchFamily="0" charset="1"/>
+        <a:ea typeface="DejaVu Sans" pitchFamily="0" charset="1"/>
+        <a:cs typeface="DejaVu Sans" pitchFamily="0" charset="1"/>
+      </a:minorFont>
+    </a:fontScheme>
+    <a:fmtScheme>
+      <a:fillStyleLst>
+        <a:solidFill>
+          <a:schemeClr val="phClr"/>
+        </a:solidFill>
+        <a:solidFill>
+          <a:schemeClr val="phClr"/>
+        </a:solidFill>
+        <a:solidFill>
+          <a:schemeClr val="phClr"/>
+        </a:solidFill>
+      </a:fillStyleLst>
+      <a:lnStyleLst>
+        <a:ln w="6350" cap="flat" cmpd="sng" algn="ctr">
+          <a:prstDash val="solid"/>
+          <a:miter/>
+        </a:ln>
+        <a:ln w="6350" cap="flat" cmpd="sng" algn="ctr">
+          <a:prstDash val="solid"/>
+          <a:miter/>
+        </a:ln>
+        <a:ln w="6350" cap="flat" cmpd="sng" algn="ctr">
+          <a:prstDash val="solid"/>
+          <a:miter/>
+        </a:ln>
+      </a:lnStyleLst>
+      <a:effectStyleLst>
+        <a:effectStyle>
+          <a:effectLst/>
+        </a:effectStyle>
+        <a:effectStyle>
+          <a:effectLst/>
+        </a:effectStyle>
+        <a:effectStyle>
+          <a:effectLst/>
+        </a:effectStyle>
+      </a:effectStyleLst>
+      <a:bgFillStyleLst>
+        <a:solidFill>
+          <a:schemeClr val="phClr"/>
+        </a:solidFill>
+        <a:solidFill>
+          <a:schemeClr val="phClr"/>
+        </a:solidFill>
+        <a:solidFill>
+          <a:schemeClr val="phClr"/>
+        </a:solidFill>
+      </a:bgFillStyleLst>
+    </a:fmtScheme>
+  </a:themeElements>
+</a:theme>
 </file>